--- a/docs/LingoLizard.pptx
+++ b/docs/LingoLizard.pptx
@@ -5,44 +5,39 @@
     <p:sldMasterId id="2147483659" r:id="rId1"/>
   </p:sldMasterIdLst>
   <p:notesMasterIdLst>
-    <p:notesMasterId r:id="rId15"/>
+    <p:notesMasterId r:id="rId10"/>
   </p:notesMasterIdLst>
   <p:sldIdLst>
     <p:sldId id="256" r:id="rId2"/>
     <p:sldId id="257" r:id="rId3"/>
-    <p:sldId id="258" r:id="rId4"/>
-    <p:sldId id="259" r:id="rId5"/>
-    <p:sldId id="260" r:id="rId6"/>
-    <p:sldId id="261" r:id="rId7"/>
-    <p:sldId id="262" r:id="rId8"/>
-    <p:sldId id="263" r:id="rId9"/>
-    <p:sldId id="264" r:id="rId10"/>
-    <p:sldId id="265" r:id="rId11"/>
-    <p:sldId id="266" r:id="rId12"/>
-    <p:sldId id="267" r:id="rId13"/>
-    <p:sldId id="268" r:id="rId14"/>
+    <p:sldId id="261" r:id="rId4"/>
+    <p:sldId id="262" r:id="rId5"/>
+    <p:sldId id="265" r:id="rId6"/>
+    <p:sldId id="269" r:id="rId7"/>
+    <p:sldId id="266" r:id="rId8"/>
+    <p:sldId id="268" r:id="rId9"/>
   </p:sldIdLst>
   <p:sldSz cx="9144000" cy="5143500" type="screen16x9"/>
   <p:notesSz cx="6858000" cy="9144000"/>
   <p:embeddedFontLst>
     <p:embeddedFont>
       <p:font typeface="Lato" panose="020F0502020204030203" pitchFamily="34" charset="0"/>
-      <p:regular r:id="rId16"/>
-      <p:bold r:id="rId17"/>
-      <p:italic r:id="rId18"/>
-      <p:boldItalic r:id="rId19"/>
+      <p:regular r:id="rId11"/>
+      <p:bold r:id="rId12"/>
+      <p:italic r:id="rId13"/>
+      <p:boldItalic r:id="rId14"/>
     </p:embeddedFont>
     <p:embeddedFont>
       <p:font typeface="Oswald" panose="00000500000000000000" pitchFamily="2" charset="0"/>
-      <p:regular r:id="rId20"/>
-      <p:bold r:id="rId21"/>
+      <p:regular r:id="rId15"/>
+      <p:bold r:id="rId16"/>
     </p:embeddedFont>
     <p:embeddedFont>
       <p:font typeface="Raleway" pitchFamily="2" charset="0"/>
-      <p:regular r:id="rId22"/>
-      <p:bold r:id="rId23"/>
-      <p:italic r:id="rId24"/>
-      <p:boldItalic r:id="rId25"/>
+      <p:regular r:id="rId17"/>
+      <p:bold r:id="rId18"/>
+      <p:italic r:id="rId19"/>
+      <p:boldItalic r:id="rId20"/>
     </p:embeddedFont>
   </p:embeddedFontLst>
   <p:defaultTextStyle>
@@ -763,8 +758,8 @@
         </p:nvSpPr>
         <p:spPr>
           <a:xfrm>
-            <a:off x="381300" y="685800"/>
-            <a:ext cx="6096075" cy="3429000"/>
+            <a:off x="381000" y="685800"/>
+            <a:ext cx="6096000" cy="3429000"/>
           </a:xfrm>
           <a:custGeom>
             <a:avLst/>
@@ -838,7 +833,319 @@
 </p:notes>
 </file>
 
-<file path=ppt/notesSlides/notesSlide10.xml><?xml version="1.0" encoding="utf-8"?>
+<file path=ppt/notesSlides/notesSlide2.xml><?xml version="1.0" encoding="utf-8"?>
+<p:notes xmlns:a="http://schemas.openxmlformats.org/drawingml/2006/main" xmlns:r="http://schemas.openxmlformats.org/officeDocument/2006/relationships" xmlns:p="http://schemas.openxmlformats.org/presentationml/2006/main" showMasterSp="0" showMasterPhAnim="0">
+  <p:cSld>
+    <p:spTree>
+      <p:nvGrpSpPr>
+        <p:cNvPr id="1" name="Shape 74"/>
+        <p:cNvGrpSpPr/>
+        <p:nvPr/>
+      </p:nvGrpSpPr>
+      <p:grpSpPr>
+        <a:xfrm>
+          <a:off x="0" y="0"/>
+          <a:ext cx="0" cy="0"/>
+          <a:chOff x="0" y="0"/>
+          <a:chExt cx="0" cy="0"/>
+        </a:xfrm>
+      </p:grpSpPr>
+      <p:sp>
+        <p:nvSpPr>
+          <p:cNvPr id="75" name="Google Shape;75;g30e3b1f18c4_0_78:notes"/>
+          <p:cNvSpPr>
+            <a:spLocks noGrp="1" noRot="1" noChangeAspect="1"/>
+          </p:cNvSpPr>
+          <p:nvPr>
+            <p:ph type="sldImg" idx="2"/>
+          </p:nvPr>
+        </p:nvSpPr>
+        <p:spPr>
+          <a:xfrm>
+            <a:off x="381000" y="685800"/>
+            <a:ext cx="6096000" cy="3429000"/>
+          </a:xfrm>
+          <a:custGeom>
+            <a:avLst/>
+            <a:gdLst/>
+            <a:ahLst/>
+            <a:cxnLst/>
+            <a:rect l="l" t="t" r="r" b="b"/>
+            <a:pathLst>
+              <a:path w="120000" h="120000" extrusionOk="0">
+                <a:moveTo>
+                  <a:pt x="0" y="0"/>
+                </a:moveTo>
+                <a:lnTo>
+                  <a:pt x="120000" y="0"/>
+                </a:lnTo>
+                <a:lnTo>
+                  <a:pt x="120000" y="120000"/>
+                </a:lnTo>
+                <a:lnTo>
+                  <a:pt x="0" y="120000"/>
+                </a:lnTo>
+                <a:close/>
+              </a:path>
+            </a:pathLst>
+          </a:custGeom>
+        </p:spPr>
+      </p:sp>
+      <p:sp>
+        <p:nvSpPr>
+          <p:cNvPr id="76" name="Google Shape;76;g30e3b1f18c4_0_78:notes"/>
+          <p:cNvSpPr txBox="1">
+            <a:spLocks noGrp="1"/>
+          </p:cNvSpPr>
+          <p:nvPr>
+            <p:ph type="body" idx="1"/>
+          </p:nvPr>
+        </p:nvSpPr>
+        <p:spPr>
+          <a:xfrm>
+            <a:off x="685800" y="4343400"/>
+            <a:ext cx="5486400" cy="4114800"/>
+          </a:xfrm>
+          <a:prstGeom prst="rect">
+            <a:avLst/>
+          </a:prstGeom>
+        </p:spPr>
+        <p:txBody>
+          <a:bodyPr spcFirstLastPara="1" wrap="square" lIns="91425" tIns="91425" rIns="91425" bIns="91425" anchor="t" anchorCtr="0">
+            <a:noAutofit/>
+          </a:bodyPr>
+          <a:lstStyle/>
+          <a:p>
+            <a:pPr marL="0" lvl="0" indent="0" algn="l" rtl="0">
+              <a:spcBef>
+                <a:spcPts val="0"/>
+              </a:spcBef>
+              <a:spcAft>
+                <a:spcPts val="0"/>
+              </a:spcAft>
+              <a:buNone/>
+            </a:pPr>
+            <a:endParaRPr/>
+          </a:p>
+        </p:txBody>
+      </p:sp>
+    </p:spTree>
+  </p:cSld>
+  <p:clrMapOvr>
+    <a:masterClrMapping/>
+  </p:clrMapOvr>
+</p:notes>
+</file>
+
+<file path=ppt/notesSlides/notesSlide3.xml><?xml version="1.0" encoding="utf-8"?>
+<p:notes xmlns:a="http://schemas.openxmlformats.org/drawingml/2006/main" xmlns:r="http://schemas.openxmlformats.org/officeDocument/2006/relationships" xmlns:p="http://schemas.openxmlformats.org/presentationml/2006/main" showMasterSp="0" showMasterPhAnim="0">
+  <p:cSld>
+    <p:spTree>
+      <p:nvGrpSpPr>
+        <p:cNvPr id="1" name="Shape 101"/>
+        <p:cNvGrpSpPr/>
+        <p:nvPr/>
+      </p:nvGrpSpPr>
+      <p:grpSpPr>
+        <a:xfrm>
+          <a:off x="0" y="0"/>
+          <a:ext cx="0" cy="0"/>
+          <a:chOff x="0" y="0"/>
+          <a:chExt cx="0" cy="0"/>
+        </a:xfrm>
+      </p:grpSpPr>
+      <p:sp>
+        <p:nvSpPr>
+          <p:cNvPr id="102" name="Google Shape;102;g31395230ebd_0_20:notes"/>
+          <p:cNvSpPr>
+            <a:spLocks noGrp="1" noRot="1" noChangeAspect="1"/>
+          </p:cNvSpPr>
+          <p:nvPr>
+            <p:ph type="sldImg" idx="2"/>
+          </p:nvPr>
+        </p:nvSpPr>
+        <p:spPr>
+          <a:xfrm>
+            <a:off x="381000" y="685800"/>
+            <a:ext cx="6096000" cy="3429000"/>
+          </a:xfrm>
+          <a:custGeom>
+            <a:avLst/>
+            <a:gdLst/>
+            <a:ahLst/>
+            <a:cxnLst/>
+            <a:rect l="l" t="t" r="r" b="b"/>
+            <a:pathLst>
+              <a:path w="120000" h="120000" extrusionOk="0">
+                <a:moveTo>
+                  <a:pt x="0" y="0"/>
+                </a:moveTo>
+                <a:lnTo>
+                  <a:pt x="120000" y="0"/>
+                </a:lnTo>
+                <a:lnTo>
+                  <a:pt x="120000" y="120000"/>
+                </a:lnTo>
+                <a:lnTo>
+                  <a:pt x="0" y="120000"/>
+                </a:lnTo>
+                <a:close/>
+              </a:path>
+            </a:pathLst>
+          </a:custGeom>
+        </p:spPr>
+      </p:sp>
+      <p:sp>
+        <p:nvSpPr>
+          <p:cNvPr id="103" name="Google Shape;103;g31395230ebd_0_20:notes"/>
+          <p:cNvSpPr txBox="1">
+            <a:spLocks noGrp="1"/>
+          </p:cNvSpPr>
+          <p:nvPr>
+            <p:ph type="body" idx="1"/>
+          </p:nvPr>
+        </p:nvSpPr>
+        <p:spPr>
+          <a:xfrm>
+            <a:off x="685800" y="4343400"/>
+            <a:ext cx="5486400" cy="4114800"/>
+          </a:xfrm>
+          <a:prstGeom prst="rect">
+            <a:avLst/>
+          </a:prstGeom>
+        </p:spPr>
+        <p:txBody>
+          <a:bodyPr spcFirstLastPara="1" wrap="square" lIns="91425" tIns="91425" rIns="91425" bIns="91425" anchor="t" anchorCtr="0">
+            <a:noAutofit/>
+          </a:bodyPr>
+          <a:lstStyle/>
+          <a:p>
+            <a:pPr marL="0" lvl="0" indent="0" algn="l" rtl="0">
+              <a:spcBef>
+                <a:spcPts val="0"/>
+              </a:spcBef>
+              <a:spcAft>
+                <a:spcPts val="0"/>
+              </a:spcAft>
+              <a:buNone/>
+            </a:pPr>
+            <a:endParaRPr/>
+          </a:p>
+        </p:txBody>
+      </p:sp>
+    </p:spTree>
+  </p:cSld>
+  <p:clrMapOvr>
+    <a:masterClrMapping/>
+  </p:clrMapOvr>
+</p:notes>
+</file>
+
+<file path=ppt/notesSlides/notesSlide4.xml><?xml version="1.0" encoding="utf-8"?>
+<p:notes xmlns:a="http://schemas.openxmlformats.org/drawingml/2006/main" xmlns:r="http://schemas.openxmlformats.org/officeDocument/2006/relationships" xmlns:p="http://schemas.openxmlformats.org/presentationml/2006/main" showMasterSp="0" showMasterPhAnim="0">
+  <p:cSld>
+    <p:spTree>
+      <p:nvGrpSpPr>
+        <p:cNvPr id="1" name="Shape 109"/>
+        <p:cNvGrpSpPr/>
+        <p:nvPr/>
+      </p:nvGrpSpPr>
+      <p:grpSpPr>
+        <a:xfrm>
+          <a:off x="0" y="0"/>
+          <a:ext cx="0" cy="0"/>
+          <a:chOff x="0" y="0"/>
+          <a:chExt cx="0" cy="0"/>
+        </a:xfrm>
+      </p:grpSpPr>
+      <p:sp>
+        <p:nvSpPr>
+          <p:cNvPr id="110" name="Google Shape;110;g30e3b1f18c4_0_100:notes"/>
+          <p:cNvSpPr>
+            <a:spLocks noGrp="1" noRot="1" noChangeAspect="1"/>
+          </p:cNvSpPr>
+          <p:nvPr>
+            <p:ph type="sldImg" idx="2"/>
+          </p:nvPr>
+        </p:nvSpPr>
+        <p:spPr>
+          <a:xfrm>
+            <a:off x="381000" y="685800"/>
+            <a:ext cx="6096000" cy="3429000"/>
+          </a:xfrm>
+          <a:custGeom>
+            <a:avLst/>
+            <a:gdLst/>
+            <a:ahLst/>
+            <a:cxnLst/>
+            <a:rect l="l" t="t" r="r" b="b"/>
+            <a:pathLst>
+              <a:path w="120000" h="120000" extrusionOk="0">
+                <a:moveTo>
+                  <a:pt x="0" y="0"/>
+                </a:moveTo>
+                <a:lnTo>
+                  <a:pt x="120000" y="0"/>
+                </a:lnTo>
+                <a:lnTo>
+                  <a:pt x="120000" y="120000"/>
+                </a:lnTo>
+                <a:lnTo>
+                  <a:pt x="0" y="120000"/>
+                </a:lnTo>
+                <a:close/>
+              </a:path>
+            </a:pathLst>
+          </a:custGeom>
+        </p:spPr>
+      </p:sp>
+      <p:sp>
+        <p:nvSpPr>
+          <p:cNvPr id="111" name="Google Shape;111;g30e3b1f18c4_0_100:notes"/>
+          <p:cNvSpPr txBox="1">
+            <a:spLocks noGrp="1"/>
+          </p:cNvSpPr>
+          <p:nvPr>
+            <p:ph type="body" idx="1"/>
+          </p:nvPr>
+        </p:nvSpPr>
+        <p:spPr>
+          <a:xfrm>
+            <a:off x="685800" y="4343400"/>
+            <a:ext cx="5486400" cy="4114800"/>
+          </a:xfrm>
+          <a:prstGeom prst="rect">
+            <a:avLst/>
+          </a:prstGeom>
+        </p:spPr>
+        <p:txBody>
+          <a:bodyPr spcFirstLastPara="1" wrap="square" lIns="91425" tIns="91425" rIns="91425" bIns="91425" anchor="t" anchorCtr="0">
+            <a:noAutofit/>
+          </a:bodyPr>
+          <a:lstStyle/>
+          <a:p>
+            <a:pPr marL="0" lvl="0" indent="0" algn="l" rtl="0">
+              <a:spcBef>
+                <a:spcPts val="0"/>
+              </a:spcBef>
+              <a:spcAft>
+                <a:spcPts val="0"/>
+              </a:spcAft>
+              <a:buNone/>
+            </a:pPr>
+            <a:endParaRPr/>
+          </a:p>
+        </p:txBody>
+      </p:sp>
+    </p:spTree>
+  </p:cSld>
+  <p:clrMapOvr>
+    <a:masterClrMapping/>
+  </p:clrMapOvr>
+</p:notes>
+</file>
+
+<file path=ppt/notesSlides/notesSlide5.xml><?xml version="1.0" encoding="utf-8"?>
 <p:notes xmlns:a="http://schemas.openxmlformats.org/drawingml/2006/main" xmlns:r="http://schemas.openxmlformats.org/officeDocument/2006/relationships" xmlns:p="http://schemas.openxmlformats.org/presentationml/2006/main" showMasterSp="0" showMasterPhAnim="0">
   <p:cSld>
     <p:spTree>
@@ -942,7 +1249,7 @@
 </p:notes>
 </file>
 
-<file path=ppt/notesSlides/notesSlide11.xml><?xml version="1.0" encoding="utf-8"?>
+<file path=ppt/notesSlides/notesSlide6.xml><?xml version="1.0" encoding="utf-8"?>
 <p:notes xmlns:a="http://schemas.openxmlformats.org/drawingml/2006/main" xmlns:r="http://schemas.openxmlformats.org/officeDocument/2006/relationships" xmlns:p="http://schemas.openxmlformats.org/presentationml/2006/main" showMasterSp="0" showMasterPhAnim="0">
   <p:cSld>
     <p:spTree>
@@ -971,7 +1278,7 @@
         </p:nvSpPr>
         <p:spPr>
           <a:xfrm>
-            <a:off x="381300" y="685800"/>
+            <a:off x="381000" y="685800"/>
             <a:ext cx="6096000" cy="3429000"/>
           </a:xfrm>
           <a:custGeom>
@@ -1046,111 +1353,7 @@
 </p:notes>
 </file>
 
-<file path=ppt/notesSlides/notesSlide12.xml><?xml version="1.0" encoding="utf-8"?>
-<p:notes xmlns:a="http://schemas.openxmlformats.org/drawingml/2006/main" xmlns:r="http://schemas.openxmlformats.org/officeDocument/2006/relationships" xmlns:p="http://schemas.openxmlformats.org/presentationml/2006/main" showMasterSp="0" showMasterPhAnim="0">
-  <p:cSld>
-    <p:spTree>
-      <p:nvGrpSpPr>
-        <p:cNvPr id="1" name="Shape 140"/>
-        <p:cNvGrpSpPr/>
-        <p:nvPr/>
-      </p:nvGrpSpPr>
-      <p:grpSpPr>
-        <a:xfrm>
-          <a:off x="0" y="0"/>
-          <a:ext cx="0" cy="0"/>
-          <a:chOff x="0" y="0"/>
-          <a:chExt cx="0" cy="0"/>
-        </a:xfrm>
-      </p:grpSpPr>
-      <p:sp>
-        <p:nvSpPr>
-          <p:cNvPr id="141" name="Google Shape;141;g30e3b1f18c4_0_139:notes"/>
-          <p:cNvSpPr>
-            <a:spLocks noGrp="1" noRot="1" noChangeAspect="1"/>
-          </p:cNvSpPr>
-          <p:nvPr>
-            <p:ph type="sldImg" idx="2"/>
-          </p:nvPr>
-        </p:nvSpPr>
-        <p:spPr>
-          <a:xfrm>
-            <a:off x="381300" y="685800"/>
-            <a:ext cx="6096000" cy="3429000"/>
-          </a:xfrm>
-          <a:custGeom>
-            <a:avLst/>
-            <a:gdLst/>
-            <a:ahLst/>
-            <a:cxnLst/>
-            <a:rect l="l" t="t" r="r" b="b"/>
-            <a:pathLst>
-              <a:path w="120000" h="120000" extrusionOk="0">
-                <a:moveTo>
-                  <a:pt x="0" y="0"/>
-                </a:moveTo>
-                <a:lnTo>
-                  <a:pt x="120000" y="0"/>
-                </a:lnTo>
-                <a:lnTo>
-                  <a:pt x="120000" y="120000"/>
-                </a:lnTo>
-                <a:lnTo>
-                  <a:pt x="0" y="120000"/>
-                </a:lnTo>
-                <a:close/>
-              </a:path>
-            </a:pathLst>
-          </a:custGeom>
-        </p:spPr>
-      </p:sp>
-      <p:sp>
-        <p:nvSpPr>
-          <p:cNvPr id="142" name="Google Shape;142;g30e3b1f18c4_0_139:notes"/>
-          <p:cNvSpPr txBox="1">
-            <a:spLocks noGrp="1"/>
-          </p:cNvSpPr>
-          <p:nvPr>
-            <p:ph type="body" idx="1"/>
-          </p:nvPr>
-        </p:nvSpPr>
-        <p:spPr>
-          <a:xfrm>
-            <a:off x="685800" y="4343400"/>
-            <a:ext cx="5486400" cy="4114800"/>
-          </a:xfrm>
-          <a:prstGeom prst="rect">
-            <a:avLst/>
-          </a:prstGeom>
-        </p:spPr>
-        <p:txBody>
-          <a:bodyPr spcFirstLastPara="1" wrap="square" lIns="91425" tIns="91425" rIns="91425" bIns="91425" anchor="t" anchorCtr="0">
-            <a:noAutofit/>
-          </a:bodyPr>
-          <a:lstStyle/>
-          <a:p>
-            <a:pPr marL="0" lvl="0" indent="0" algn="l" rtl="0">
-              <a:spcBef>
-                <a:spcPts val="0"/>
-              </a:spcBef>
-              <a:spcAft>
-                <a:spcPts val="0"/>
-              </a:spcAft>
-              <a:buNone/>
-            </a:pPr>
-            <a:endParaRPr/>
-          </a:p>
-        </p:txBody>
-      </p:sp>
-    </p:spTree>
-  </p:cSld>
-  <p:clrMapOvr>
-    <a:masterClrMapping/>
-  </p:clrMapOvr>
-</p:notes>
-</file>
-
-<file path=ppt/notesSlides/notesSlide13.xml><?xml version="1.0" encoding="utf-8"?>
+<file path=ppt/notesSlides/notesSlide7.xml><?xml version="1.0" encoding="utf-8"?>
 <p:notes xmlns:a="http://schemas.openxmlformats.org/drawingml/2006/main" xmlns:r="http://schemas.openxmlformats.org/officeDocument/2006/relationships" xmlns:p="http://schemas.openxmlformats.org/presentationml/2006/main" showMasterSp="0" showMasterPhAnim="0">
   <p:cSld>
     <p:spTree>
@@ -1179,7 +1382,7 @@
         </p:nvSpPr>
         <p:spPr>
           <a:xfrm>
-            <a:off x="381300" y="685800"/>
+            <a:off x="381000" y="685800"/>
             <a:ext cx="6096000" cy="3429000"/>
           </a:xfrm>
           <a:custGeom>
@@ -1254,849 +1457,9 @@
 </p:notes>
 </file>
 
-<file path=ppt/notesSlides/notesSlide2.xml><?xml version="1.0" encoding="utf-8"?>
-<p:notes xmlns:a="http://schemas.openxmlformats.org/drawingml/2006/main" xmlns:r="http://schemas.openxmlformats.org/officeDocument/2006/relationships" xmlns:p="http://schemas.openxmlformats.org/presentationml/2006/main" showMasterSp="0" showMasterPhAnim="0">
-  <p:cSld>
-    <p:spTree>
-      <p:nvGrpSpPr>
-        <p:cNvPr id="1" name="Shape 74"/>
-        <p:cNvGrpSpPr/>
-        <p:nvPr/>
-      </p:nvGrpSpPr>
-      <p:grpSpPr>
-        <a:xfrm>
-          <a:off x="0" y="0"/>
-          <a:ext cx="0" cy="0"/>
-          <a:chOff x="0" y="0"/>
-          <a:chExt cx="0" cy="0"/>
-        </a:xfrm>
-      </p:grpSpPr>
-      <p:sp>
-        <p:nvSpPr>
-          <p:cNvPr id="75" name="Google Shape;75;g30e3b1f18c4_0_78:notes"/>
-          <p:cNvSpPr>
-            <a:spLocks noGrp="1" noRot="1" noChangeAspect="1"/>
-          </p:cNvSpPr>
-          <p:nvPr>
-            <p:ph type="sldImg" idx="2"/>
-          </p:nvPr>
-        </p:nvSpPr>
-        <p:spPr>
-          <a:xfrm>
-            <a:off x="381300" y="685800"/>
-            <a:ext cx="6096000" cy="3429000"/>
-          </a:xfrm>
-          <a:custGeom>
-            <a:avLst/>
-            <a:gdLst/>
-            <a:ahLst/>
-            <a:cxnLst/>
-            <a:rect l="l" t="t" r="r" b="b"/>
-            <a:pathLst>
-              <a:path w="120000" h="120000" extrusionOk="0">
-                <a:moveTo>
-                  <a:pt x="0" y="0"/>
-                </a:moveTo>
-                <a:lnTo>
-                  <a:pt x="120000" y="0"/>
-                </a:lnTo>
-                <a:lnTo>
-                  <a:pt x="120000" y="120000"/>
-                </a:lnTo>
-                <a:lnTo>
-                  <a:pt x="0" y="120000"/>
-                </a:lnTo>
-                <a:close/>
-              </a:path>
-            </a:pathLst>
-          </a:custGeom>
-        </p:spPr>
-      </p:sp>
-      <p:sp>
-        <p:nvSpPr>
-          <p:cNvPr id="76" name="Google Shape;76;g30e3b1f18c4_0_78:notes"/>
-          <p:cNvSpPr txBox="1">
-            <a:spLocks noGrp="1"/>
-          </p:cNvSpPr>
-          <p:nvPr>
-            <p:ph type="body" idx="1"/>
-          </p:nvPr>
-        </p:nvSpPr>
-        <p:spPr>
-          <a:xfrm>
-            <a:off x="685800" y="4343400"/>
-            <a:ext cx="5486400" cy="4114800"/>
-          </a:xfrm>
-          <a:prstGeom prst="rect">
-            <a:avLst/>
-          </a:prstGeom>
-        </p:spPr>
-        <p:txBody>
-          <a:bodyPr spcFirstLastPara="1" wrap="square" lIns="91425" tIns="91425" rIns="91425" bIns="91425" anchor="t" anchorCtr="0">
-            <a:noAutofit/>
-          </a:bodyPr>
-          <a:lstStyle/>
-          <a:p>
-            <a:pPr marL="0" lvl="0" indent="0" algn="l" rtl="0">
-              <a:spcBef>
-                <a:spcPts val="0"/>
-              </a:spcBef>
-              <a:spcAft>
-                <a:spcPts val="0"/>
-              </a:spcAft>
-              <a:buNone/>
-            </a:pPr>
-            <a:endParaRPr/>
-          </a:p>
-        </p:txBody>
-      </p:sp>
-    </p:spTree>
-  </p:cSld>
-  <p:clrMapOvr>
-    <a:masterClrMapping/>
-  </p:clrMapOvr>
-</p:notes>
-</file>
-
-<file path=ppt/notesSlides/notesSlide3.xml><?xml version="1.0" encoding="utf-8"?>
-<p:notes xmlns:a="http://schemas.openxmlformats.org/drawingml/2006/main" xmlns:r="http://schemas.openxmlformats.org/officeDocument/2006/relationships" xmlns:p="http://schemas.openxmlformats.org/presentationml/2006/main" showMasterSp="0" showMasterPhAnim="0">
-  <p:cSld>
-    <p:spTree>
-      <p:nvGrpSpPr>
-        <p:cNvPr id="1" name="Shape 80"/>
-        <p:cNvGrpSpPr/>
-        <p:nvPr/>
-      </p:nvGrpSpPr>
-      <p:grpSpPr>
-        <a:xfrm>
-          <a:off x="0" y="0"/>
-          <a:ext cx="0" cy="0"/>
-          <a:chOff x="0" y="0"/>
-          <a:chExt cx="0" cy="0"/>
-        </a:xfrm>
-      </p:grpSpPr>
-      <p:sp>
-        <p:nvSpPr>
-          <p:cNvPr id="81" name="Google Shape;81;g31395230ebd_0_11:notes"/>
-          <p:cNvSpPr>
-            <a:spLocks noGrp="1" noRot="1" noChangeAspect="1"/>
-          </p:cNvSpPr>
-          <p:nvPr>
-            <p:ph type="sldImg" idx="2"/>
-          </p:nvPr>
-        </p:nvSpPr>
-        <p:spPr>
-          <a:xfrm>
-            <a:off x="381300" y="685800"/>
-            <a:ext cx="6096000" cy="3429000"/>
-          </a:xfrm>
-          <a:custGeom>
-            <a:avLst/>
-            <a:gdLst/>
-            <a:ahLst/>
-            <a:cxnLst/>
-            <a:rect l="l" t="t" r="r" b="b"/>
-            <a:pathLst>
-              <a:path w="120000" h="120000" extrusionOk="0">
-                <a:moveTo>
-                  <a:pt x="0" y="0"/>
-                </a:moveTo>
-                <a:lnTo>
-                  <a:pt x="120000" y="0"/>
-                </a:lnTo>
-                <a:lnTo>
-                  <a:pt x="120000" y="120000"/>
-                </a:lnTo>
-                <a:lnTo>
-                  <a:pt x="0" y="120000"/>
-                </a:lnTo>
-                <a:close/>
-              </a:path>
-            </a:pathLst>
-          </a:custGeom>
-        </p:spPr>
-      </p:sp>
-      <p:sp>
-        <p:nvSpPr>
-          <p:cNvPr id="82" name="Google Shape;82;g31395230ebd_0_11:notes"/>
-          <p:cNvSpPr txBox="1">
-            <a:spLocks noGrp="1"/>
-          </p:cNvSpPr>
-          <p:nvPr>
-            <p:ph type="body" idx="1"/>
-          </p:nvPr>
-        </p:nvSpPr>
-        <p:spPr>
-          <a:xfrm>
-            <a:off x="685800" y="4343400"/>
-            <a:ext cx="5486400" cy="4114800"/>
-          </a:xfrm>
-          <a:prstGeom prst="rect">
-            <a:avLst/>
-          </a:prstGeom>
-        </p:spPr>
-        <p:txBody>
-          <a:bodyPr spcFirstLastPara="1" wrap="square" lIns="91425" tIns="91425" rIns="91425" bIns="91425" anchor="t" anchorCtr="0">
-            <a:noAutofit/>
-          </a:bodyPr>
-          <a:lstStyle/>
-          <a:p>
-            <a:pPr marL="0" lvl="0" indent="0" algn="l" rtl="0">
-              <a:spcBef>
-                <a:spcPts val="0"/>
-              </a:spcBef>
-              <a:spcAft>
-                <a:spcPts val="0"/>
-              </a:spcAft>
-              <a:buNone/>
-            </a:pPr>
-            <a:endParaRPr/>
-          </a:p>
-        </p:txBody>
-      </p:sp>
-    </p:spTree>
-  </p:cSld>
-  <p:clrMapOvr>
-    <a:masterClrMapping/>
-  </p:clrMapOvr>
-</p:notes>
-</file>
-
-<file path=ppt/notesSlides/notesSlide4.xml><?xml version="1.0" encoding="utf-8"?>
-<p:notes xmlns:a="http://schemas.openxmlformats.org/drawingml/2006/main" xmlns:r="http://schemas.openxmlformats.org/officeDocument/2006/relationships" xmlns:p="http://schemas.openxmlformats.org/presentationml/2006/main" showMasterSp="0" showMasterPhAnim="0">
-  <p:cSld>
-    <p:spTree>
-      <p:nvGrpSpPr>
-        <p:cNvPr id="1" name="Shape 87"/>
-        <p:cNvGrpSpPr/>
-        <p:nvPr/>
-      </p:nvGrpSpPr>
-      <p:grpSpPr>
-        <a:xfrm>
-          <a:off x="0" y="0"/>
-          <a:ext cx="0" cy="0"/>
-          <a:chOff x="0" y="0"/>
-          <a:chExt cx="0" cy="0"/>
-        </a:xfrm>
-      </p:grpSpPr>
-      <p:sp>
-        <p:nvSpPr>
-          <p:cNvPr id="88" name="Google Shape;88;g30e3b1f18c4_0_83:notes"/>
-          <p:cNvSpPr>
-            <a:spLocks noGrp="1" noRot="1" noChangeAspect="1"/>
-          </p:cNvSpPr>
-          <p:nvPr>
-            <p:ph type="sldImg" idx="2"/>
-          </p:nvPr>
-        </p:nvSpPr>
-        <p:spPr>
-          <a:xfrm>
-            <a:off x="381300" y="685800"/>
-            <a:ext cx="6096000" cy="3429000"/>
-          </a:xfrm>
-          <a:custGeom>
-            <a:avLst/>
-            <a:gdLst/>
-            <a:ahLst/>
-            <a:cxnLst/>
-            <a:rect l="l" t="t" r="r" b="b"/>
-            <a:pathLst>
-              <a:path w="120000" h="120000" extrusionOk="0">
-                <a:moveTo>
-                  <a:pt x="0" y="0"/>
-                </a:moveTo>
-                <a:lnTo>
-                  <a:pt x="120000" y="0"/>
-                </a:lnTo>
-                <a:lnTo>
-                  <a:pt x="120000" y="120000"/>
-                </a:lnTo>
-                <a:lnTo>
-                  <a:pt x="0" y="120000"/>
-                </a:lnTo>
-                <a:close/>
-              </a:path>
-            </a:pathLst>
-          </a:custGeom>
-        </p:spPr>
-      </p:sp>
-      <p:sp>
-        <p:nvSpPr>
-          <p:cNvPr id="89" name="Google Shape;89;g30e3b1f18c4_0_83:notes"/>
-          <p:cNvSpPr txBox="1">
-            <a:spLocks noGrp="1"/>
-          </p:cNvSpPr>
-          <p:nvPr>
-            <p:ph type="body" idx="1"/>
-          </p:nvPr>
-        </p:nvSpPr>
-        <p:spPr>
-          <a:xfrm>
-            <a:off x="685800" y="4343400"/>
-            <a:ext cx="5486400" cy="4114800"/>
-          </a:xfrm>
-          <a:prstGeom prst="rect">
-            <a:avLst/>
-          </a:prstGeom>
-        </p:spPr>
-        <p:txBody>
-          <a:bodyPr spcFirstLastPara="1" wrap="square" lIns="91425" tIns="91425" rIns="91425" bIns="91425" anchor="t" anchorCtr="0">
-            <a:noAutofit/>
-          </a:bodyPr>
-          <a:lstStyle/>
-          <a:p>
-            <a:pPr marL="0" lvl="0" indent="0" algn="l" rtl="0">
-              <a:spcBef>
-                <a:spcPts val="0"/>
-              </a:spcBef>
-              <a:spcAft>
-                <a:spcPts val="0"/>
-              </a:spcAft>
-              <a:buNone/>
-            </a:pPr>
-            <a:endParaRPr/>
-          </a:p>
-        </p:txBody>
-      </p:sp>
-    </p:spTree>
-  </p:cSld>
-  <p:clrMapOvr>
-    <a:masterClrMapping/>
-  </p:clrMapOvr>
-</p:notes>
-</file>
-
-<file path=ppt/notesSlides/notesSlide5.xml><?xml version="1.0" encoding="utf-8"?>
-<p:notes xmlns:a="http://schemas.openxmlformats.org/drawingml/2006/main" xmlns:r="http://schemas.openxmlformats.org/officeDocument/2006/relationships" xmlns:p="http://schemas.openxmlformats.org/presentationml/2006/main" showMasterSp="0" showMasterPhAnim="0">
-  <p:cSld>
-    <p:spTree>
-      <p:nvGrpSpPr>
-        <p:cNvPr id="1" name="Shape 95"/>
-        <p:cNvGrpSpPr/>
-        <p:nvPr/>
-      </p:nvGrpSpPr>
-      <p:grpSpPr>
-        <a:xfrm>
-          <a:off x="0" y="0"/>
-          <a:ext cx="0" cy="0"/>
-          <a:chOff x="0" y="0"/>
-          <a:chExt cx="0" cy="0"/>
-        </a:xfrm>
-      </p:grpSpPr>
-      <p:sp>
-        <p:nvSpPr>
-          <p:cNvPr id="96" name="Google Shape;96;g30e3b1f18c4_0_90:notes"/>
-          <p:cNvSpPr>
-            <a:spLocks noGrp="1" noRot="1" noChangeAspect="1"/>
-          </p:cNvSpPr>
-          <p:nvPr>
-            <p:ph type="sldImg" idx="2"/>
-          </p:nvPr>
-        </p:nvSpPr>
-        <p:spPr>
-          <a:xfrm>
-            <a:off x="381300" y="685800"/>
-            <a:ext cx="6096000" cy="3429000"/>
-          </a:xfrm>
-          <a:custGeom>
-            <a:avLst/>
-            <a:gdLst/>
-            <a:ahLst/>
-            <a:cxnLst/>
-            <a:rect l="l" t="t" r="r" b="b"/>
-            <a:pathLst>
-              <a:path w="120000" h="120000" extrusionOk="0">
-                <a:moveTo>
-                  <a:pt x="0" y="0"/>
-                </a:moveTo>
-                <a:lnTo>
-                  <a:pt x="120000" y="0"/>
-                </a:lnTo>
-                <a:lnTo>
-                  <a:pt x="120000" y="120000"/>
-                </a:lnTo>
-                <a:lnTo>
-                  <a:pt x="0" y="120000"/>
-                </a:lnTo>
-                <a:close/>
-              </a:path>
-            </a:pathLst>
-          </a:custGeom>
-        </p:spPr>
-      </p:sp>
-      <p:sp>
-        <p:nvSpPr>
-          <p:cNvPr id="97" name="Google Shape;97;g30e3b1f18c4_0_90:notes"/>
-          <p:cNvSpPr txBox="1">
-            <a:spLocks noGrp="1"/>
-          </p:cNvSpPr>
-          <p:nvPr>
-            <p:ph type="body" idx="1"/>
-          </p:nvPr>
-        </p:nvSpPr>
-        <p:spPr>
-          <a:xfrm>
-            <a:off x="685800" y="4343400"/>
-            <a:ext cx="5486400" cy="4114800"/>
-          </a:xfrm>
-          <a:prstGeom prst="rect">
-            <a:avLst/>
-          </a:prstGeom>
-        </p:spPr>
-        <p:txBody>
-          <a:bodyPr spcFirstLastPara="1" wrap="square" lIns="91425" tIns="91425" rIns="91425" bIns="91425" anchor="t" anchorCtr="0">
-            <a:noAutofit/>
-          </a:bodyPr>
-          <a:lstStyle/>
-          <a:p>
-            <a:pPr marL="0" lvl="0" indent="0" algn="l" rtl="0">
-              <a:spcBef>
-                <a:spcPts val="0"/>
-              </a:spcBef>
-              <a:spcAft>
-                <a:spcPts val="0"/>
-              </a:spcAft>
-              <a:buNone/>
-            </a:pPr>
-            <a:endParaRPr/>
-          </a:p>
-        </p:txBody>
-      </p:sp>
-    </p:spTree>
-  </p:cSld>
-  <p:clrMapOvr>
-    <a:masterClrMapping/>
-  </p:clrMapOvr>
-</p:notes>
-</file>
-
-<file path=ppt/notesSlides/notesSlide6.xml><?xml version="1.0" encoding="utf-8"?>
-<p:notes xmlns:a="http://schemas.openxmlformats.org/drawingml/2006/main" xmlns:r="http://schemas.openxmlformats.org/officeDocument/2006/relationships" xmlns:p="http://schemas.openxmlformats.org/presentationml/2006/main" showMasterSp="0" showMasterPhAnim="0">
-  <p:cSld>
-    <p:spTree>
-      <p:nvGrpSpPr>
-        <p:cNvPr id="1" name="Shape 101"/>
-        <p:cNvGrpSpPr/>
-        <p:nvPr/>
-      </p:nvGrpSpPr>
-      <p:grpSpPr>
-        <a:xfrm>
-          <a:off x="0" y="0"/>
-          <a:ext cx="0" cy="0"/>
-          <a:chOff x="0" y="0"/>
-          <a:chExt cx="0" cy="0"/>
-        </a:xfrm>
-      </p:grpSpPr>
-      <p:sp>
-        <p:nvSpPr>
-          <p:cNvPr id="102" name="Google Shape;102;g31395230ebd_0_20:notes"/>
-          <p:cNvSpPr>
-            <a:spLocks noGrp="1" noRot="1" noChangeAspect="1"/>
-          </p:cNvSpPr>
-          <p:nvPr>
-            <p:ph type="sldImg" idx="2"/>
-          </p:nvPr>
-        </p:nvSpPr>
-        <p:spPr>
-          <a:xfrm>
-            <a:off x="381300" y="685800"/>
-            <a:ext cx="6096000" cy="3429000"/>
-          </a:xfrm>
-          <a:custGeom>
-            <a:avLst/>
-            <a:gdLst/>
-            <a:ahLst/>
-            <a:cxnLst/>
-            <a:rect l="l" t="t" r="r" b="b"/>
-            <a:pathLst>
-              <a:path w="120000" h="120000" extrusionOk="0">
-                <a:moveTo>
-                  <a:pt x="0" y="0"/>
-                </a:moveTo>
-                <a:lnTo>
-                  <a:pt x="120000" y="0"/>
-                </a:lnTo>
-                <a:lnTo>
-                  <a:pt x="120000" y="120000"/>
-                </a:lnTo>
-                <a:lnTo>
-                  <a:pt x="0" y="120000"/>
-                </a:lnTo>
-                <a:close/>
-              </a:path>
-            </a:pathLst>
-          </a:custGeom>
-        </p:spPr>
-      </p:sp>
-      <p:sp>
-        <p:nvSpPr>
-          <p:cNvPr id="103" name="Google Shape;103;g31395230ebd_0_20:notes"/>
-          <p:cNvSpPr txBox="1">
-            <a:spLocks noGrp="1"/>
-          </p:cNvSpPr>
-          <p:nvPr>
-            <p:ph type="body" idx="1"/>
-          </p:nvPr>
-        </p:nvSpPr>
-        <p:spPr>
-          <a:xfrm>
-            <a:off x="685800" y="4343400"/>
-            <a:ext cx="5486400" cy="4114800"/>
-          </a:xfrm>
-          <a:prstGeom prst="rect">
-            <a:avLst/>
-          </a:prstGeom>
-        </p:spPr>
-        <p:txBody>
-          <a:bodyPr spcFirstLastPara="1" wrap="square" lIns="91425" tIns="91425" rIns="91425" bIns="91425" anchor="t" anchorCtr="0">
-            <a:noAutofit/>
-          </a:bodyPr>
-          <a:lstStyle/>
-          <a:p>
-            <a:pPr marL="0" lvl="0" indent="0" algn="l" rtl="0">
-              <a:spcBef>
-                <a:spcPts val="0"/>
-              </a:spcBef>
-              <a:spcAft>
-                <a:spcPts val="0"/>
-              </a:spcAft>
-              <a:buNone/>
-            </a:pPr>
-            <a:endParaRPr/>
-          </a:p>
-        </p:txBody>
-      </p:sp>
-    </p:spTree>
-  </p:cSld>
-  <p:clrMapOvr>
-    <a:masterClrMapping/>
-  </p:clrMapOvr>
-</p:notes>
-</file>
-
-<file path=ppt/notesSlides/notesSlide7.xml><?xml version="1.0" encoding="utf-8"?>
-<p:notes xmlns:a="http://schemas.openxmlformats.org/drawingml/2006/main" xmlns:r="http://schemas.openxmlformats.org/officeDocument/2006/relationships" xmlns:p="http://schemas.openxmlformats.org/presentationml/2006/main" showMasterSp="0" showMasterPhAnim="0">
-  <p:cSld>
-    <p:spTree>
-      <p:nvGrpSpPr>
-        <p:cNvPr id="1" name="Shape 109"/>
-        <p:cNvGrpSpPr/>
-        <p:nvPr/>
-      </p:nvGrpSpPr>
-      <p:grpSpPr>
-        <a:xfrm>
-          <a:off x="0" y="0"/>
-          <a:ext cx="0" cy="0"/>
-          <a:chOff x="0" y="0"/>
-          <a:chExt cx="0" cy="0"/>
-        </a:xfrm>
-      </p:grpSpPr>
-      <p:sp>
-        <p:nvSpPr>
-          <p:cNvPr id="110" name="Google Shape;110;g30e3b1f18c4_0_100:notes"/>
-          <p:cNvSpPr>
-            <a:spLocks noGrp="1" noRot="1" noChangeAspect="1"/>
-          </p:cNvSpPr>
-          <p:nvPr>
-            <p:ph type="sldImg" idx="2"/>
-          </p:nvPr>
-        </p:nvSpPr>
-        <p:spPr>
-          <a:xfrm>
-            <a:off x="381300" y="685800"/>
-            <a:ext cx="6096000" cy="3429000"/>
-          </a:xfrm>
-          <a:custGeom>
-            <a:avLst/>
-            <a:gdLst/>
-            <a:ahLst/>
-            <a:cxnLst/>
-            <a:rect l="l" t="t" r="r" b="b"/>
-            <a:pathLst>
-              <a:path w="120000" h="120000" extrusionOk="0">
-                <a:moveTo>
-                  <a:pt x="0" y="0"/>
-                </a:moveTo>
-                <a:lnTo>
-                  <a:pt x="120000" y="0"/>
-                </a:lnTo>
-                <a:lnTo>
-                  <a:pt x="120000" y="120000"/>
-                </a:lnTo>
-                <a:lnTo>
-                  <a:pt x="0" y="120000"/>
-                </a:lnTo>
-                <a:close/>
-              </a:path>
-            </a:pathLst>
-          </a:custGeom>
-        </p:spPr>
-      </p:sp>
-      <p:sp>
-        <p:nvSpPr>
-          <p:cNvPr id="111" name="Google Shape;111;g30e3b1f18c4_0_100:notes"/>
-          <p:cNvSpPr txBox="1">
-            <a:spLocks noGrp="1"/>
-          </p:cNvSpPr>
-          <p:nvPr>
-            <p:ph type="body" idx="1"/>
-          </p:nvPr>
-        </p:nvSpPr>
-        <p:spPr>
-          <a:xfrm>
-            <a:off x="685800" y="4343400"/>
-            <a:ext cx="5486400" cy="4114800"/>
-          </a:xfrm>
-          <a:prstGeom prst="rect">
-            <a:avLst/>
-          </a:prstGeom>
-        </p:spPr>
-        <p:txBody>
-          <a:bodyPr spcFirstLastPara="1" wrap="square" lIns="91425" tIns="91425" rIns="91425" bIns="91425" anchor="t" anchorCtr="0">
-            <a:noAutofit/>
-          </a:bodyPr>
-          <a:lstStyle/>
-          <a:p>
-            <a:pPr marL="0" lvl="0" indent="0" algn="l" rtl="0">
-              <a:spcBef>
-                <a:spcPts val="0"/>
-              </a:spcBef>
-              <a:spcAft>
-                <a:spcPts val="0"/>
-              </a:spcAft>
-              <a:buNone/>
-            </a:pPr>
-            <a:endParaRPr/>
-          </a:p>
-        </p:txBody>
-      </p:sp>
-    </p:spTree>
-  </p:cSld>
-  <p:clrMapOvr>
-    <a:masterClrMapping/>
-  </p:clrMapOvr>
-</p:notes>
-</file>
-
-<file path=ppt/notesSlides/notesSlide8.xml><?xml version="1.0" encoding="utf-8"?>
-<p:notes xmlns:a="http://schemas.openxmlformats.org/drawingml/2006/main" xmlns:r="http://schemas.openxmlformats.org/officeDocument/2006/relationships" xmlns:p="http://schemas.openxmlformats.org/presentationml/2006/main" showMasterSp="0" showMasterPhAnim="0">
-  <p:cSld>
-    <p:spTree>
-      <p:nvGrpSpPr>
-        <p:cNvPr id="1" name="Shape 115"/>
-        <p:cNvGrpSpPr/>
-        <p:nvPr/>
-      </p:nvGrpSpPr>
-      <p:grpSpPr>
-        <a:xfrm>
-          <a:off x="0" y="0"/>
-          <a:ext cx="0" cy="0"/>
-          <a:chOff x="0" y="0"/>
-          <a:chExt cx="0" cy="0"/>
-        </a:xfrm>
-      </p:grpSpPr>
-      <p:sp>
-        <p:nvSpPr>
-          <p:cNvPr id="116" name="Google Shape;116;g30e3b1f18c4_0_107:notes"/>
-          <p:cNvSpPr>
-            <a:spLocks noGrp="1" noRot="1" noChangeAspect="1"/>
-          </p:cNvSpPr>
-          <p:nvPr>
-            <p:ph type="sldImg" idx="2"/>
-          </p:nvPr>
-        </p:nvSpPr>
-        <p:spPr>
-          <a:xfrm>
-            <a:off x="381300" y="685800"/>
-            <a:ext cx="6096000" cy="3429000"/>
-          </a:xfrm>
-          <a:custGeom>
-            <a:avLst/>
-            <a:gdLst/>
-            <a:ahLst/>
-            <a:cxnLst/>
-            <a:rect l="l" t="t" r="r" b="b"/>
-            <a:pathLst>
-              <a:path w="120000" h="120000" extrusionOk="0">
-                <a:moveTo>
-                  <a:pt x="0" y="0"/>
-                </a:moveTo>
-                <a:lnTo>
-                  <a:pt x="120000" y="0"/>
-                </a:lnTo>
-                <a:lnTo>
-                  <a:pt x="120000" y="120000"/>
-                </a:lnTo>
-                <a:lnTo>
-                  <a:pt x="0" y="120000"/>
-                </a:lnTo>
-                <a:close/>
-              </a:path>
-            </a:pathLst>
-          </a:custGeom>
-        </p:spPr>
-      </p:sp>
-      <p:sp>
-        <p:nvSpPr>
-          <p:cNvPr id="117" name="Google Shape;117;g30e3b1f18c4_0_107:notes"/>
-          <p:cNvSpPr txBox="1">
-            <a:spLocks noGrp="1"/>
-          </p:cNvSpPr>
-          <p:nvPr>
-            <p:ph type="body" idx="1"/>
-          </p:nvPr>
-        </p:nvSpPr>
-        <p:spPr>
-          <a:xfrm>
-            <a:off x="685800" y="4343400"/>
-            <a:ext cx="5486400" cy="4114800"/>
-          </a:xfrm>
-          <a:prstGeom prst="rect">
-            <a:avLst/>
-          </a:prstGeom>
-        </p:spPr>
-        <p:txBody>
-          <a:bodyPr spcFirstLastPara="1" wrap="square" lIns="91425" tIns="91425" rIns="91425" bIns="91425" anchor="t" anchorCtr="0">
-            <a:noAutofit/>
-          </a:bodyPr>
-          <a:lstStyle/>
-          <a:p>
-            <a:pPr marL="0" lvl="0" indent="0" algn="l" rtl="0">
-              <a:spcBef>
-                <a:spcPts val="0"/>
-              </a:spcBef>
-              <a:spcAft>
-                <a:spcPts val="0"/>
-              </a:spcAft>
-              <a:buNone/>
-            </a:pPr>
-            <a:endParaRPr/>
-          </a:p>
-        </p:txBody>
-      </p:sp>
-    </p:spTree>
-  </p:cSld>
-  <p:clrMapOvr>
-    <a:masterClrMapping/>
-  </p:clrMapOvr>
-</p:notes>
-</file>
-
-<file path=ppt/notesSlides/notesSlide9.xml><?xml version="1.0" encoding="utf-8"?>
-<p:notes xmlns:a="http://schemas.openxmlformats.org/drawingml/2006/main" xmlns:r="http://schemas.openxmlformats.org/officeDocument/2006/relationships" xmlns:p="http://schemas.openxmlformats.org/presentationml/2006/main" showMasterSp="0" showMasterPhAnim="0">
-  <p:cSld>
-    <p:spTree>
-      <p:nvGrpSpPr>
-        <p:cNvPr id="1" name="Shape 122"/>
-        <p:cNvGrpSpPr/>
-        <p:nvPr/>
-      </p:nvGrpSpPr>
-      <p:grpSpPr>
-        <a:xfrm>
-          <a:off x="0" y="0"/>
-          <a:ext cx="0" cy="0"/>
-          <a:chOff x="0" y="0"/>
-          <a:chExt cx="0" cy="0"/>
-        </a:xfrm>
-      </p:grpSpPr>
-      <p:sp>
-        <p:nvSpPr>
-          <p:cNvPr id="123" name="Google Shape;123;g313bef51e5b_0_2:notes"/>
-          <p:cNvSpPr>
-            <a:spLocks noGrp="1" noRot="1" noChangeAspect="1"/>
-          </p:cNvSpPr>
-          <p:nvPr>
-            <p:ph type="sldImg" idx="2"/>
-          </p:nvPr>
-        </p:nvSpPr>
-        <p:spPr>
-          <a:xfrm>
-            <a:off x="381300" y="685800"/>
-            <a:ext cx="6096000" cy="3429000"/>
-          </a:xfrm>
-          <a:custGeom>
-            <a:avLst/>
-            <a:gdLst/>
-            <a:ahLst/>
-            <a:cxnLst/>
-            <a:rect l="l" t="t" r="r" b="b"/>
-            <a:pathLst>
-              <a:path w="120000" h="120000" extrusionOk="0">
-                <a:moveTo>
-                  <a:pt x="0" y="0"/>
-                </a:moveTo>
-                <a:lnTo>
-                  <a:pt x="120000" y="0"/>
-                </a:lnTo>
-                <a:lnTo>
-                  <a:pt x="120000" y="120000"/>
-                </a:lnTo>
-                <a:lnTo>
-                  <a:pt x="0" y="120000"/>
-                </a:lnTo>
-                <a:close/>
-              </a:path>
-            </a:pathLst>
-          </a:custGeom>
-        </p:spPr>
-      </p:sp>
-      <p:sp>
-        <p:nvSpPr>
-          <p:cNvPr id="124" name="Google Shape;124;g313bef51e5b_0_2:notes"/>
-          <p:cNvSpPr txBox="1">
-            <a:spLocks noGrp="1"/>
-          </p:cNvSpPr>
-          <p:nvPr>
-            <p:ph type="body" idx="1"/>
-          </p:nvPr>
-        </p:nvSpPr>
-        <p:spPr>
-          <a:xfrm>
-            <a:off x="685800" y="4343400"/>
-            <a:ext cx="5486400" cy="4114800"/>
-          </a:xfrm>
-          <a:prstGeom prst="rect">
-            <a:avLst/>
-          </a:prstGeom>
-        </p:spPr>
-        <p:txBody>
-          <a:bodyPr spcFirstLastPara="1" wrap="square" lIns="91425" tIns="91425" rIns="91425" bIns="91425" anchor="t" anchorCtr="0">
-            <a:noAutofit/>
-          </a:bodyPr>
-          <a:lstStyle/>
-          <a:p>
-            <a:pPr marL="0" lvl="0" indent="0" algn="l" rtl="0">
-              <a:spcBef>
-                <a:spcPts val="0"/>
-              </a:spcBef>
-              <a:spcAft>
-                <a:spcPts val="0"/>
-              </a:spcAft>
-              <a:buNone/>
-            </a:pPr>
-            <a:endParaRPr/>
-          </a:p>
-        </p:txBody>
-      </p:sp>
-    </p:spTree>
-  </p:cSld>
-  <p:clrMapOvr>
-    <a:masterClrMapping/>
-  </p:clrMapOvr>
-</p:notes>
-</file>
-
 <file path=ppt/slideLayouts/slideLayout1.xml><?xml version="1.0" encoding="utf-8"?>
 <p:sldLayout xmlns:a="http://schemas.openxmlformats.org/drawingml/2006/main" xmlns:r="http://schemas.openxmlformats.org/officeDocument/2006/relationships" xmlns:p="http://schemas.openxmlformats.org/presentationml/2006/main" matchingName="Title slide" type="title">
   <p:cSld name="TITLE">
-    <p:bg>
-      <p:bgPr>
-        <a:solidFill>
-          <a:schemeClr val="dk1"/>
-        </a:solidFill>
-        <a:effectLst/>
-      </p:bgPr>
-    </p:bg>
     <p:spTree>
       <p:nvGrpSpPr>
         <p:cNvPr id="1" name="Shape 9"/>
@@ -3354,14 +2717,6 @@
 <file path=ppt/slideLayouts/slideLayout2.xml><?xml version="1.0" encoding="utf-8"?>
 <p:sldLayout xmlns:a="http://schemas.openxmlformats.org/drawingml/2006/main" xmlns:r="http://schemas.openxmlformats.org/officeDocument/2006/relationships" xmlns:p="http://schemas.openxmlformats.org/presentationml/2006/main" matchingName="Section header" type="secHead">
   <p:cSld name="SECTION_HEADER">
-    <p:bg>
-      <p:bgPr>
-        <a:solidFill>
-          <a:schemeClr val="dk1"/>
-        </a:solidFill>
-        <a:effectLst/>
-      </p:bgPr>
-    </p:bg>
     <p:spTree>
       <p:nvGrpSpPr>
         <p:cNvPr id="1" name="Shape 16"/>
@@ -5376,14 +4731,6 @@
 <file path=ppt/slideLayouts/slideLayout7.xml><?xml version="1.0" encoding="utf-8"?>
 <p:sldLayout xmlns:a="http://schemas.openxmlformats.org/drawingml/2006/main" xmlns:r="http://schemas.openxmlformats.org/officeDocument/2006/relationships" xmlns:p="http://schemas.openxmlformats.org/presentationml/2006/main" matchingName="Main point">
   <p:cSld name="MAIN_POINT">
-    <p:bg>
-      <p:bgPr>
-        <a:solidFill>
-          <a:schemeClr val="lt2"/>
-        </a:solidFill>
-        <a:effectLst/>
-      </p:bgPr>
-    </p:bg>
     <p:spTree>
       <p:nvGrpSpPr>
         <p:cNvPr id="1" name="Shape 44"/>
@@ -6691,7 +6038,9 @@
     <p:bg>
       <p:bgPr>
         <a:solidFill>
-          <a:schemeClr val="lt1"/>
+          <a:schemeClr val="tx1">
+            <a:lumMod val="75000"/>
+          </a:schemeClr>
         </a:solidFill>
         <a:effectLst/>
       </p:bgPr>
@@ -7396,7 +6745,7 @@
         <p:push/>
       </p:transition>
     </mc:Choice>
-    <mc:Fallback xmlns:ahyp="http://schemas.microsoft.com/office/drawing/2018/hyperlinkcolor" xmlns:p15="http://schemas.microsoft.com/office/powerpoint/2012/main" xmlns:com="http://schemas.openxmlformats.org/drawingml/2006/compatibility" xmlns:pvml="urn:schemas-microsoft-com:office:powerpoint" xmlns:v="urn:schemas-microsoft-com:vml" xmlns:o="urn:schemas-microsoft-com:office:office" xmlns:dgm="http://schemas.openxmlformats.org/drawingml/2006/diagram" xmlns:c="http://schemas.openxmlformats.org/drawingml/2006/chart" xmlns:mv="urn:schemas-microsoft-com:mac:vml" xmlns="">
+    <mc:Fallback xmlns="" xmlns:mv="urn:schemas-microsoft-com:mac:vml" xmlns:c="http://schemas.openxmlformats.org/drawingml/2006/chart" xmlns:dgm="http://schemas.openxmlformats.org/drawingml/2006/diagram" xmlns:o="urn:schemas-microsoft-com:office:office" xmlns:v="urn:schemas-microsoft-com:vml" xmlns:pvml="urn:schemas-microsoft-com:office:powerpoint" xmlns:com="http://schemas.openxmlformats.org/drawingml/2006/compatibility" xmlns:p15="http://schemas.microsoft.com/office/powerpoint/2012/main" xmlns:ahyp="http://schemas.microsoft.com/office/drawing/2018/hyperlinkcolor">
       <p:transition spd="slow">
         <p:fade/>
       </p:transition>
@@ -8098,22 +7447,6 @@
 <file path=ppt/slides/slide1.xml><?xml version="1.0" encoding="utf-8"?>
 <p:sld xmlns:a="http://schemas.openxmlformats.org/drawingml/2006/main" xmlns:r="http://schemas.openxmlformats.org/officeDocument/2006/relationships" xmlns:p="http://schemas.openxmlformats.org/presentationml/2006/main">
   <p:cSld>
-    <p:bg>
-      <p:bgPr>
-        <a:gradFill>
-          <a:gsLst>
-            <a:gs pos="0">
-              <a:schemeClr val="accent3"/>
-            </a:gs>
-            <a:gs pos="100000">
-              <a:schemeClr val="dk1"/>
-            </a:gs>
-          </a:gsLst>
-          <a:lin ang="5400012" scaled="0"/>
-        </a:gradFill>
-        <a:effectLst/>
-      </p:bgPr>
-    </p:bg>
     <p:spTree>
       <p:nvGrpSpPr>
         <p:cNvPr id="1" name="Shape 71"/>
@@ -8252,25 +7585,708 @@
 </p:sld>
 </file>
 
-<file path=ppt/slides/slide10.xml><?xml version="1.0" encoding="utf-8"?>
+<file path=ppt/slides/slide2.xml><?xml version="1.0" encoding="utf-8"?>
 <p:sld xmlns:a="http://schemas.openxmlformats.org/drawingml/2006/main" xmlns:r="http://schemas.openxmlformats.org/officeDocument/2006/relationships" xmlns:p="http://schemas.openxmlformats.org/presentationml/2006/main">
   <p:cSld>
-    <p:bg>
-      <p:bgPr>
-        <a:gradFill>
-          <a:gsLst>
-            <a:gs pos="0">
-              <a:schemeClr val="accent3"/>
-            </a:gs>
-            <a:gs pos="100000">
-              <a:schemeClr val="dk1"/>
-            </a:gs>
-          </a:gsLst>
-          <a:lin ang="5400012" scaled="0"/>
-        </a:gradFill>
-        <a:effectLst/>
-      </p:bgPr>
-    </p:bg>
+    <p:spTree>
+      <p:nvGrpSpPr>
+        <p:cNvPr id="1" name="Shape 77"/>
+        <p:cNvGrpSpPr/>
+        <p:nvPr/>
+      </p:nvGrpSpPr>
+      <p:grpSpPr>
+        <a:xfrm>
+          <a:off x="0" y="0"/>
+          <a:ext cx="0" cy="0"/>
+          <a:chOff x="0" y="0"/>
+          <a:chExt cx="0" cy="0"/>
+        </a:xfrm>
+      </p:grpSpPr>
+      <p:sp>
+        <p:nvSpPr>
+          <p:cNvPr id="78" name="Google Shape;78;p14"/>
+          <p:cNvSpPr txBox="1">
+            <a:spLocks noGrp="1"/>
+          </p:cNvSpPr>
+          <p:nvPr>
+            <p:ph type="ctrTitle"/>
+          </p:nvPr>
+        </p:nvSpPr>
+        <p:spPr>
+          <a:xfrm>
+            <a:off x="2371725" y="630225"/>
+            <a:ext cx="6331500" cy="913200"/>
+          </a:xfrm>
+          <a:prstGeom prst="rect">
+            <a:avLst/>
+          </a:prstGeom>
+        </p:spPr>
+        <p:txBody>
+          <a:bodyPr spcFirstLastPara="1" wrap="square" lIns="91425" tIns="91425" rIns="91425" bIns="91425" anchor="t" anchorCtr="0">
+            <a:normAutofit fontScale="90000"/>
+          </a:bodyPr>
+          <a:lstStyle/>
+          <a:p>
+            <a:pPr marL="0" lvl="0" indent="0" algn="l" rtl="0">
+              <a:spcBef>
+                <a:spcPts val="0"/>
+              </a:spcBef>
+              <a:spcAft>
+                <a:spcPts val="0"/>
+              </a:spcAft>
+              <a:buNone/>
+            </a:pPr>
+            <a:r>
+              <a:rPr lang="en" dirty="0"/>
+              <a:t>Overview</a:t>
+            </a:r>
+            <a:endParaRPr dirty="0"/>
+          </a:p>
+        </p:txBody>
+      </p:sp>
+      <p:sp>
+        <p:nvSpPr>
+          <p:cNvPr id="79" name="Google Shape;79;p14"/>
+          <p:cNvSpPr txBox="1">
+            <a:spLocks noGrp="1"/>
+          </p:cNvSpPr>
+          <p:nvPr>
+            <p:ph type="subTitle" idx="1"/>
+          </p:nvPr>
+        </p:nvSpPr>
+        <p:spPr>
+          <a:xfrm>
+            <a:off x="2390275" y="1629150"/>
+            <a:ext cx="6331500" cy="2031900"/>
+          </a:xfrm>
+          <a:prstGeom prst="rect">
+            <a:avLst/>
+          </a:prstGeom>
+        </p:spPr>
+        <p:txBody>
+          <a:bodyPr spcFirstLastPara="1" wrap="square" lIns="91425" tIns="91425" rIns="91425" bIns="91425" anchor="b" anchorCtr="0">
+            <a:spAutoFit/>
+          </a:bodyPr>
+          <a:lstStyle/>
+          <a:p>
+            <a:pPr marL="457200" lvl="0" indent="-355600" algn="l" rtl="0">
+              <a:spcBef>
+                <a:spcPts val="0"/>
+              </a:spcBef>
+              <a:spcAft>
+                <a:spcPts val="0"/>
+              </a:spcAft>
+              <a:buSzPts val="2000"/>
+              <a:buFont typeface="Oswald"/>
+              <a:buChar char="●"/>
+            </a:pPr>
+            <a:r>
+              <a:rPr lang="en" sz="2000" dirty="0">
+                <a:latin typeface="Oswald"/>
+                <a:ea typeface="Oswald"/>
+                <a:cs typeface="Oswald"/>
+                <a:sym typeface="Oswald"/>
+              </a:rPr>
+              <a:t>LingoLizard is a tool designed to help people learn languages using real time lessons and conversations. </a:t>
+            </a:r>
+            <a:endParaRPr sz="2000" dirty="0">
+              <a:latin typeface="Oswald"/>
+              <a:ea typeface="Oswald"/>
+              <a:cs typeface="Oswald"/>
+              <a:sym typeface="Oswald"/>
+            </a:endParaRPr>
+          </a:p>
+          <a:p>
+            <a:pPr marL="457200" lvl="0" indent="-355600" algn="l" rtl="0">
+              <a:spcBef>
+                <a:spcPts val="0"/>
+              </a:spcBef>
+              <a:spcAft>
+                <a:spcPts val="0"/>
+              </a:spcAft>
+              <a:buSzPts val="2000"/>
+              <a:buFont typeface="Oswald"/>
+              <a:buChar char="●"/>
+            </a:pPr>
+            <a:r>
+              <a:rPr lang="en" sz="2000" dirty="0">
+                <a:latin typeface="Oswald"/>
+                <a:ea typeface="Oswald"/>
+                <a:cs typeface="Oswald"/>
+                <a:sym typeface="Oswald"/>
+              </a:rPr>
+              <a:t>It will do this using AI to simulate interactions in different languages.</a:t>
+            </a:r>
+            <a:endParaRPr sz="2000" dirty="0">
+              <a:latin typeface="Oswald"/>
+              <a:ea typeface="Oswald"/>
+              <a:cs typeface="Oswald"/>
+              <a:sym typeface="Oswald"/>
+            </a:endParaRPr>
+          </a:p>
+          <a:p>
+            <a:pPr marL="457200" lvl="0" indent="-355600" algn="l" rtl="0">
+              <a:spcBef>
+                <a:spcPts val="0"/>
+              </a:spcBef>
+              <a:spcAft>
+                <a:spcPts val="0"/>
+              </a:spcAft>
+              <a:buSzPts val="2000"/>
+              <a:buFont typeface="Oswald"/>
+              <a:buChar char="●"/>
+            </a:pPr>
+            <a:r>
+              <a:rPr lang="en" sz="2000" dirty="0">
+                <a:latin typeface="Oswald"/>
+                <a:ea typeface="Oswald"/>
+                <a:cs typeface="Oswald"/>
+                <a:sym typeface="Oswald"/>
+              </a:rPr>
+              <a:t>It will be able to give real time feedback and corrections to spelling and grammar.</a:t>
+            </a:r>
+            <a:endParaRPr sz="2000" dirty="0">
+              <a:latin typeface="Oswald"/>
+              <a:ea typeface="Oswald"/>
+              <a:cs typeface="Oswald"/>
+              <a:sym typeface="Oswald"/>
+            </a:endParaRPr>
+          </a:p>
+        </p:txBody>
+      </p:sp>
+    </p:spTree>
+  </p:cSld>
+  <p:clrMapOvr>
+    <a:masterClrMapping/>
+  </p:clrMapOvr>
+</p:sld>
+</file>
+
+<file path=ppt/slides/slide3.xml><?xml version="1.0" encoding="utf-8"?>
+<p:sld xmlns:a="http://schemas.openxmlformats.org/drawingml/2006/main" xmlns:r="http://schemas.openxmlformats.org/officeDocument/2006/relationships" xmlns:p="http://schemas.openxmlformats.org/presentationml/2006/main">
+  <p:cSld>
+    <p:spTree>
+      <p:nvGrpSpPr>
+        <p:cNvPr id="1" name="Shape 104"/>
+        <p:cNvGrpSpPr/>
+        <p:nvPr/>
+      </p:nvGrpSpPr>
+      <p:grpSpPr>
+        <a:xfrm>
+          <a:off x="0" y="0"/>
+          <a:ext cx="0" cy="0"/>
+          <a:chOff x="0" y="0"/>
+          <a:chExt cx="0" cy="0"/>
+        </a:xfrm>
+      </p:grpSpPr>
+      <p:sp>
+        <p:nvSpPr>
+          <p:cNvPr id="105" name="Google Shape;105;p18"/>
+          <p:cNvSpPr txBox="1">
+            <a:spLocks noGrp="1"/>
+          </p:cNvSpPr>
+          <p:nvPr>
+            <p:ph type="ctrTitle"/>
+          </p:nvPr>
+        </p:nvSpPr>
+        <p:spPr>
+          <a:xfrm>
+            <a:off x="2371725" y="630225"/>
+            <a:ext cx="6331500" cy="905400"/>
+          </a:xfrm>
+          <a:prstGeom prst="rect">
+            <a:avLst/>
+          </a:prstGeom>
+        </p:spPr>
+        <p:txBody>
+          <a:bodyPr spcFirstLastPara="1" wrap="square" lIns="91425" tIns="91425" rIns="91425" bIns="91425" anchor="t" anchorCtr="0">
+            <a:normAutofit fontScale="90000"/>
+          </a:bodyPr>
+          <a:lstStyle/>
+          <a:p>
+            <a:pPr marL="0" lvl="0" indent="0" algn="l" rtl="0">
+              <a:spcBef>
+                <a:spcPts val="0"/>
+              </a:spcBef>
+              <a:spcAft>
+                <a:spcPts val="0"/>
+              </a:spcAft>
+              <a:buClr>
+                <a:schemeClr val="dk2"/>
+              </a:buClr>
+              <a:buSzPts val="990"/>
+              <a:buFont typeface="Arial"/>
+              <a:buNone/>
+            </a:pPr>
+            <a:r>
+              <a:rPr lang="en"/>
+              <a:t>Technologies</a:t>
+            </a:r>
+            <a:endParaRPr/>
+          </a:p>
+          <a:p>
+            <a:pPr marL="0" lvl="0" indent="0" algn="l" rtl="0">
+              <a:spcBef>
+                <a:spcPts val="0"/>
+              </a:spcBef>
+              <a:spcAft>
+                <a:spcPts val="0"/>
+              </a:spcAft>
+              <a:buClr>
+                <a:schemeClr val="dk2"/>
+              </a:buClr>
+              <a:buSzPts val="990"/>
+              <a:buFont typeface="Arial"/>
+              <a:buNone/>
+            </a:pPr>
+            <a:endParaRPr/>
+          </a:p>
+          <a:p>
+            <a:pPr marL="0" lvl="0" indent="0" algn="l" rtl="0">
+              <a:spcBef>
+                <a:spcPts val="0"/>
+              </a:spcBef>
+              <a:spcAft>
+                <a:spcPts val="0"/>
+              </a:spcAft>
+              <a:buNone/>
+            </a:pPr>
+            <a:endParaRPr/>
+          </a:p>
+        </p:txBody>
+      </p:sp>
+      <p:sp>
+        <p:nvSpPr>
+          <p:cNvPr id="106" name="Google Shape;106;p18"/>
+          <p:cNvSpPr txBox="1">
+            <a:spLocks noGrp="1"/>
+          </p:cNvSpPr>
+          <p:nvPr>
+            <p:ph type="subTitle" idx="1"/>
+          </p:nvPr>
+        </p:nvSpPr>
+        <p:spPr>
+          <a:xfrm>
+            <a:off x="2390275" y="1937602"/>
+            <a:ext cx="6331500" cy="2646848"/>
+          </a:xfrm>
+          <a:prstGeom prst="rect">
+            <a:avLst/>
+          </a:prstGeom>
+        </p:spPr>
+        <p:txBody>
+          <a:bodyPr spcFirstLastPara="1" wrap="square" lIns="91425" tIns="91425" rIns="91425" bIns="91425" anchor="b" anchorCtr="0">
+            <a:spAutoFit/>
+          </a:bodyPr>
+          <a:lstStyle/>
+          <a:p>
+            <a:pPr marL="457200" lvl="0" indent="-355600" algn="l" rtl="0">
+              <a:spcBef>
+                <a:spcPts val="0"/>
+              </a:spcBef>
+              <a:spcAft>
+                <a:spcPts val="0"/>
+              </a:spcAft>
+              <a:buSzPts val="2000"/>
+              <a:buFont typeface="Oswald"/>
+              <a:buChar char="●"/>
+            </a:pPr>
+            <a:r>
+              <a:rPr lang="en-IE" sz="2000" dirty="0"/>
+              <a:t>Microsoft Bot Framework: B</a:t>
+            </a:r>
+            <a:r>
+              <a:rPr lang="en-GB" sz="2000" dirty="0" err="1"/>
+              <a:t>uilding</a:t>
+            </a:r>
+            <a:r>
+              <a:rPr lang="en-GB" sz="2000" dirty="0"/>
+              <a:t> enterprise-grade conversational AI experiences</a:t>
+            </a:r>
+            <a:endParaRPr lang="en-IE" sz="2000" dirty="0"/>
+          </a:p>
+          <a:p>
+            <a:pPr marL="457200" lvl="0" indent="-355600" algn="l" rtl="0">
+              <a:spcBef>
+                <a:spcPts val="0"/>
+              </a:spcBef>
+              <a:spcAft>
+                <a:spcPts val="0"/>
+              </a:spcAft>
+              <a:buSzPts val="2000"/>
+              <a:buFont typeface="Oswald"/>
+              <a:buChar char="●"/>
+            </a:pPr>
+            <a:r>
+              <a:rPr lang="en-IE" sz="2000" dirty="0"/>
+              <a:t>Python: Handles Backend with supported AI libraries</a:t>
+            </a:r>
+          </a:p>
+          <a:p>
+            <a:pPr marL="457200" lvl="0" indent="-355600" algn="l" rtl="0">
+              <a:spcBef>
+                <a:spcPts val="0"/>
+              </a:spcBef>
+              <a:spcAft>
+                <a:spcPts val="0"/>
+              </a:spcAft>
+              <a:buSzPts val="2000"/>
+              <a:buFont typeface="Oswald"/>
+              <a:buChar char="●"/>
+            </a:pPr>
+            <a:r>
+              <a:rPr lang="en-IE" sz="2000" dirty="0"/>
+              <a:t>Azure Services: </a:t>
+            </a:r>
+            <a:r>
+              <a:rPr lang="en-GB" sz="2000" dirty="0"/>
+              <a:t>Translation and text analytics with </a:t>
+            </a:r>
+            <a:r>
+              <a:rPr lang="en-IE" sz="2000" dirty="0"/>
+              <a:t>Scalable, secure web hosting</a:t>
+            </a:r>
+          </a:p>
+          <a:p>
+            <a:pPr marL="457200" lvl="0" indent="-355600" algn="l" rtl="0">
+              <a:spcBef>
+                <a:spcPts val="0"/>
+              </a:spcBef>
+              <a:spcAft>
+                <a:spcPts val="0"/>
+              </a:spcAft>
+              <a:buSzPts val="2000"/>
+              <a:buFont typeface="Oswald"/>
+              <a:buChar char="●"/>
+            </a:pPr>
+            <a:r>
+              <a:rPr lang="en-IE" sz="2000" dirty="0"/>
+              <a:t>AI &amp; ML: </a:t>
+            </a:r>
+            <a:r>
+              <a:rPr lang="en-GB" sz="2000" dirty="0"/>
+              <a:t>Sentence Transformer models and cosine similarity</a:t>
+            </a:r>
+            <a:endParaRPr lang="en-IE" sz="2000" dirty="0"/>
+          </a:p>
+        </p:txBody>
+      </p:sp>
+      <p:pic>
+        <p:nvPicPr>
+          <p:cNvPr id="108" name="Google Shape;108;p18"/>
+          <p:cNvPicPr preferRelativeResize="0"/>
+          <p:nvPr/>
+        </p:nvPicPr>
+        <p:blipFill>
+          <a:blip r:embed="rId3">
+            <a:alphaModFix/>
+          </a:blip>
+          <a:stretch>
+            <a:fillRect/>
+          </a:stretch>
+        </p:blipFill>
+        <p:spPr>
+          <a:xfrm>
+            <a:off x="234902" y="512555"/>
+            <a:ext cx="2038350" cy="1742507"/>
+          </a:xfrm>
+          <a:prstGeom prst="rect">
+            <a:avLst/>
+          </a:prstGeom>
+          <a:noFill/>
+          <a:ln>
+            <a:noFill/>
+          </a:ln>
+        </p:spPr>
+      </p:pic>
+      <p:pic>
+        <p:nvPicPr>
+          <p:cNvPr id="3" name="Picture 2" descr="A blue logo with a triangle&#10;&#10;AI-generated content may be incorrect.">
+            <a:extLst>
+              <a:ext uri="{FF2B5EF4-FFF2-40B4-BE49-F238E27FC236}">
+                <a16:creationId xmlns:a16="http://schemas.microsoft.com/office/drawing/2014/main" id="{706FA8BF-996A-C798-BB23-44CA0A3BBC0F}"/>
+              </a:ext>
+            </a:extLst>
+          </p:cNvPr>
+          <p:cNvPicPr>
+            <a:picLocks noChangeAspect="1"/>
+          </p:cNvPicPr>
+          <p:nvPr/>
+        </p:nvPicPr>
+        <p:blipFill>
+          <a:blip r:embed="rId4"/>
+          <a:stretch>
+            <a:fillRect/>
+          </a:stretch>
+        </p:blipFill>
+        <p:spPr>
+          <a:xfrm>
+            <a:off x="422225" y="2571750"/>
+            <a:ext cx="1656520" cy="1882409"/>
+          </a:xfrm>
+          <a:prstGeom prst="rect">
+            <a:avLst/>
+          </a:prstGeom>
+        </p:spPr>
+      </p:pic>
+    </p:spTree>
+  </p:cSld>
+  <p:clrMapOvr>
+    <a:masterClrMapping/>
+  </p:clrMapOvr>
+</p:sld>
+</file>
+
+<file path=ppt/slides/slide4.xml><?xml version="1.0" encoding="utf-8"?>
+<p:sld xmlns:a="http://schemas.openxmlformats.org/drawingml/2006/main" xmlns:r="http://schemas.openxmlformats.org/officeDocument/2006/relationships" xmlns:p="http://schemas.openxmlformats.org/presentationml/2006/main">
+  <p:cSld>
+    <p:spTree>
+      <p:nvGrpSpPr>
+        <p:cNvPr id="1" name="Shape 112"/>
+        <p:cNvGrpSpPr/>
+        <p:nvPr/>
+      </p:nvGrpSpPr>
+      <p:grpSpPr>
+        <a:xfrm>
+          <a:off x="0" y="0"/>
+          <a:ext cx="0" cy="0"/>
+          <a:chOff x="0" y="0"/>
+          <a:chExt cx="0" cy="0"/>
+        </a:xfrm>
+      </p:grpSpPr>
+      <p:sp>
+        <p:nvSpPr>
+          <p:cNvPr id="113" name="Google Shape;113;p19"/>
+          <p:cNvSpPr txBox="1">
+            <a:spLocks noGrp="1"/>
+          </p:cNvSpPr>
+          <p:nvPr>
+            <p:ph type="ctrTitle"/>
+          </p:nvPr>
+        </p:nvSpPr>
+        <p:spPr>
+          <a:xfrm>
+            <a:off x="630382" y="630225"/>
+            <a:ext cx="8072843" cy="905400"/>
+          </a:xfrm>
+          <a:prstGeom prst="rect">
+            <a:avLst/>
+          </a:prstGeom>
+        </p:spPr>
+        <p:txBody>
+          <a:bodyPr spcFirstLastPara="1" wrap="square" lIns="91425" tIns="91425" rIns="91425" bIns="91425" anchor="t" anchorCtr="0">
+            <a:normAutofit fontScale="90000"/>
+          </a:bodyPr>
+          <a:lstStyle/>
+          <a:p>
+            <a:pPr marL="0" lvl="0" indent="0" algn="l" rtl="0">
+              <a:spcBef>
+                <a:spcPts val="0"/>
+              </a:spcBef>
+              <a:spcAft>
+                <a:spcPts val="0"/>
+              </a:spcAft>
+              <a:buClr>
+                <a:schemeClr val="dk2"/>
+              </a:buClr>
+              <a:buSzPts val="990"/>
+              <a:buFont typeface="Arial"/>
+              <a:buNone/>
+            </a:pPr>
+            <a:r>
+              <a:rPr lang="en-GB" dirty="0"/>
+              <a:t>Status of Implementation</a:t>
+            </a:r>
+            <a:endParaRPr dirty="0"/>
+          </a:p>
+          <a:p>
+            <a:pPr marL="0" lvl="0" indent="0" algn="l" rtl="0">
+              <a:spcBef>
+                <a:spcPts val="0"/>
+              </a:spcBef>
+              <a:spcAft>
+                <a:spcPts val="0"/>
+              </a:spcAft>
+              <a:buClr>
+                <a:schemeClr val="dk2"/>
+              </a:buClr>
+              <a:buSzPts val="990"/>
+              <a:buFont typeface="Arial"/>
+              <a:buNone/>
+            </a:pPr>
+            <a:endParaRPr dirty="0"/>
+          </a:p>
+          <a:p>
+            <a:pPr marL="0" lvl="0" indent="0" algn="l" rtl="0">
+              <a:spcBef>
+                <a:spcPts val="0"/>
+              </a:spcBef>
+              <a:spcAft>
+                <a:spcPts val="0"/>
+              </a:spcAft>
+              <a:buNone/>
+            </a:pPr>
+            <a:endParaRPr dirty="0"/>
+          </a:p>
+        </p:txBody>
+      </p:sp>
+      <p:sp>
+        <p:nvSpPr>
+          <p:cNvPr id="114" name="Google Shape;114;p19"/>
+          <p:cNvSpPr txBox="1">
+            <a:spLocks noGrp="1"/>
+          </p:cNvSpPr>
+          <p:nvPr>
+            <p:ph type="subTitle" idx="1"/>
+          </p:nvPr>
+        </p:nvSpPr>
+        <p:spPr>
+          <a:xfrm>
+            <a:off x="482339" y="1664676"/>
+            <a:ext cx="8072844" cy="2377544"/>
+          </a:xfrm>
+          <a:prstGeom prst="rect">
+            <a:avLst/>
+          </a:prstGeom>
+        </p:spPr>
+        <p:txBody>
+          <a:bodyPr spcFirstLastPara="1" wrap="square" lIns="91425" tIns="91425" rIns="91425" bIns="91425" anchor="b" anchorCtr="0">
+            <a:spAutoFit/>
+          </a:bodyPr>
+          <a:lstStyle/>
+          <a:p>
+            <a:pPr marL="342900" lvl="0" rtl="0">
+              <a:lnSpc>
+                <a:spcPct val="150000"/>
+              </a:lnSpc>
+              <a:spcBef>
+                <a:spcPts val="0"/>
+              </a:spcBef>
+              <a:spcAft>
+                <a:spcPts val="0"/>
+              </a:spcAft>
+              <a:buFont typeface="Arial" panose="020B0604020202020204" pitchFamily="34" charset="0"/>
+              <a:buChar char="•"/>
+            </a:pPr>
+            <a:r>
+              <a:rPr lang="en-GB" sz="1900" dirty="0">
+                <a:latin typeface="Oswald"/>
+                <a:ea typeface="Oswald"/>
+                <a:cs typeface="Oswald"/>
+                <a:sym typeface="Oswald"/>
+              </a:rPr>
+              <a:t>Dialog Flows: Conversation paths for scenarios are almost complete and integrated.</a:t>
+            </a:r>
+          </a:p>
+          <a:p>
+            <a:pPr marL="342900" lvl="0" rtl="0">
+              <a:lnSpc>
+                <a:spcPct val="150000"/>
+              </a:lnSpc>
+              <a:spcBef>
+                <a:spcPts val="0"/>
+              </a:spcBef>
+              <a:spcAft>
+                <a:spcPts val="0"/>
+              </a:spcAft>
+              <a:buFont typeface="Arial" panose="020B0604020202020204" pitchFamily="34" charset="0"/>
+              <a:buChar char="•"/>
+            </a:pPr>
+            <a:r>
+              <a:rPr lang="en-GB" sz="1900" dirty="0">
+                <a:latin typeface="Oswald"/>
+                <a:ea typeface="Oswald"/>
+                <a:cs typeface="Oswald"/>
+                <a:sym typeface="Oswald"/>
+              </a:rPr>
+              <a:t>Translation: Successfully integrated with Azure Translator for language conversion.</a:t>
+            </a:r>
+          </a:p>
+          <a:p>
+            <a:pPr marL="342900" lvl="0" rtl="0">
+              <a:lnSpc>
+                <a:spcPct val="150000"/>
+              </a:lnSpc>
+              <a:spcBef>
+                <a:spcPts val="0"/>
+              </a:spcBef>
+              <a:spcAft>
+                <a:spcPts val="0"/>
+              </a:spcAft>
+              <a:buFont typeface="Arial" panose="020B0604020202020204" pitchFamily="34" charset="0"/>
+              <a:buChar char="•"/>
+            </a:pPr>
+            <a:r>
+              <a:rPr lang="en-GB" sz="1900" dirty="0">
+                <a:latin typeface="Oswald"/>
+                <a:ea typeface="Oswald"/>
+                <a:cs typeface="Oswald"/>
+                <a:sym typeface="Oswald"/>
+              </a:rPr>
+              <a:t>Feedback: AI-driven evaluation using machine learning models is operational.</a:t>
+            </a:r>
+          </a:p>
+          <a:p>
+            <a:pPr marL="342900" lvl="0" rtl="0">
+              <a:lnSpc>
+                <a:spcPct val="150000"/>
+              </a:lnSpc>
+              <a:spcBef>
+                <a:spcPts val="0"/>
+              </a:spcBef>
+              <a:spcAft>
+                <a:spcPts val="0"/>
+              </a:spcAft>
+              <a:buFont typeface="Arial" panose="020B0604020202020204" pitchFamily="34" charset="0"/>
+              <a:buChar char="•"/>
+            </a:pPr>
+            <a:r>
+              <a:rPr lang="en-GB" sz="1900" dirty="0">
+                <a:latin typeface="Oswald"/>
+                <a:ea typeface="Oswald"/>
+                <a:cs typeface="Oswald"/>
+                <a:sym typeface="Oswald"/>
+              </a:rPr>
+              <a:t>User State Management: Tracks language, proficiency, and scores effectively.</a:t>
+            </a:r>
+          </a:p>
+          <a:p>
+            <a:pPr marL="342900" lvl="0" rtl="0">
+              <a:lnSpc>
+                <a:spcPct val="150000"/>
+              </a:lnSpc>
+              <a:spcBef>
+                <a:spcPts val="0"/>
+              </a:spcBef>
+              <a:spcAft>
+                <a:spcPts val="0"/>
+              </a:spcAft>
+              <a:buFont typeface="Arial" panose="020B0604020202020204" pitchFamily="34" charset="0"/>
+              <a:buChar char="•"/>
+            </a:pPr>
+            <a:r>
+              <a:rPr lang="en-GB" sz="1900" dirty="0">
+                <a:latin typeface="Oswald"/>
+                <a:ea typeface="Oswald"/>
+                <a:cs typeface="Oswald"/>
+                <a:sym typeface="Oswald"/>
+              </a:rPr>
+              <a:t>Deployment: Web hosting via aiohttp is in progress.</a:t>
+            </a:r>
+          </a:p>
+        </p:txBody>
+      </p:sp>
+    </p:spTree>
+  </p:cSld>
+  <p:clrMapOvr>
+    <a:masterClrMapping/>
+  </p:clrMapOvr>
+</p:sld>
+</file>
+
+<file path=ppt/slides/slide5.xml><?xml version="1.0" encoding="utf-8"?>
+<p:sld xmlns:a="http://schemas.openxmlformats.org/drawingml/2006/main" xmlns:r="http://schemas.openxmlformats.org/officeDocument/2006/relationships" xmlns:p="http://schemas.openxmlformats.org/presentationml/2006/main">
+  <p:cSld>
     <p:spTree>
       <p:nvGrpSpPr>
         <p:cNvPr id="1" name="Shape 131"/>
@@ -8323,25 +8339,129 @@
 </p:sld>
 </file>
 
-<file path=ppt/slides/slide11.xml><?xml version="1.0" encoding="utf-8"?>
+<file path=ppt/slides/slide6.xml><?xml version="1.0" encoding="utf-8"?>
 <p:sld xmlns:a="http://schemas.openxmlformats.org/drawingml/2006/main" xmlns:r="http://schemas.openxmlformats.org/officeDocument/2006/relationships" xmlns:p="http://schemas.openxmlformats.org/presentationml/2006/main">
   <p:cSld>
-    <p:bg>
-      <p:bgPr>
-        <a:gradFill>
-          <a:gsLst>
-            <a:gs pos="0">
-              <a:schemeClr val="accent3"/>
-            </a:gs>
-            <a:gs pos="100000">
-              <a:schemeClr val="dk1"/>
-            </a:gs>
-          </a:gsLst>
-          <a:lin ang="5400012" scaled="0"/>
-        </a:gradFill>
-        <a:effectLst/>
-      </p:bgPr>
-    </p:bg>
+    <p:spTree>
+      <p:nvGrpSpPr>
+        <p:cNvPr id="1" name=""/>
+        <p:cNvGrpSpPr/>
+        <p:nvPr/>
+      </p:nvGrpSpPr>
+      <p:grpSpPr>
+        <a:xfrm>
+          <a:off x="0" y="0"/>
+          <a:ext cx="0" cy="0"/>
+          <a:chOff x="0" y="0"/>
+          <a:chExt cx="0" cy="0"/>
+        </a:xfrm>
+      </p:grpSpPr>
+      <p:pic>
+        <p:nvPicPr>
+          <p:cNvPr id="4" name="Picture 3">
+            <a:extLst>
+              <a:ext uri="{FF2B5EF4-FFF2-40B4-BE49-F238E27FC236}">
+                <a16:creationId xmlns:a16="http://schemas.microsoft.com/office/drawing/2014/main" id="{B1C15978-C315-8295-AA9B-11CD3EAD7C6A}"/>
+              </a:ext>
+            </a:extLst>
+          </p:cNvPr>
+          <p:cNvPicPr>
+            <a:picLocks noChangeAspect="1"/>
+          </p:cNvPicPr>
+          <p:nvPr/>
+        </p:nvPicPr>
+        <p:blipFill>
+          <a:blip r:embed="rId2"/>
+          <a:stretch>
+            <a:fillRect/>
+          </a:stretch>
+        </p:blipFill>
+        <p:spPr>
+          <a:xfrm>
+            <a:off x="236394" y="787978"/>
+            <a:ext cx="2686050" cy="3238500"/>
+          </a:xfrm>
+          <a:prstGeom prst="rect">
+            <a:avLst/>
+          </a:prstGeom>
+        </p:spPr>
+      </p:pic>
+      <p:pic>
+        <p:nvPicPr>
+          <p:cNvPr id="6" name="Picture 5">
+            <a:extLst>
+              <a:ext uri="{FF2B5EF4-FFF2-40B4-BE49-F238E27FC236}">
+                <a16:creationId xmlns:a16="http://schemas.microsoft.com/office/drawing/2014/main" id="{90E61EBE-576F-85EE-48AA-3BE2FA553621}"/>
+              </a:ext>
+            </a:extLst>
+          </p:cNvPr>
+          <p:cNvPicPr>
+            <a:picLocks noChangeAspect="1"/>
+          </p:cNvPicPr>
+          <p:nvPr/>
+        </p:nvPicPr>
+        <p:blipFill>
+          <a:blip r:embed="rId3"/>
+          <a:stretch>
+            <a:fillRect/>
+          </a:stretch>
+        </p:blipFill>
+        <p:spPr>
+          <a:xfrm>
+            <a:off x="3032197" y="783215"/>
+            <a:ext cx="2581275" cy="3238500"/>
+          </a:xfrm>
+          <a:prstGeom prst="rect">
+            <a:avLst/>
+          </a:prstGeom>
+        </p:spPr>
+      </p:pic>
+      <p:pic>
+        <p:nvPicPr>
+          <p:cNvPr id="8" name="Picture 7">
+            <a:extLst>
+              <a:ext uri="{FF2B5EF4-FFF2-40B4-BE49-F238E27FC236}">
+                <a16:creationId xmlns:a16="http://schemas.microsoft.com/office/drawing/2014/main" id="{F8C458CB-AF74-2790-4BBA-4C9269B19A48}"/>
+              </a:ext>
+            </a:extLst>
+          </p:cNvPr>
+          <p:cNvPicPr>
+            <a:picLocks noChangeAspect="1"/>
+          </p:cNvPicPr>
+          <p:nvPr/>
+        </p:nvPicPr>
+        <p:blipFill>
+          <a:blip r:embed="rId4"/>
+          <a:stretch>
+            <a:fillRect/>
+          </a:stretch>
+        </p:blipFill>
+        <p:spPr>
+          <a:xfrm>
+            <a:off x="5723226" y="778453"/>
+            <a:ext cx="2657475" cy="3248025"/>
+          </a:xfrm>
+          <a:prstGeom prst="rect">
+            <a:avLst/>
+          </a:prstGeom>
+        </p:spPr>
+      </p:pic>
+    </p:spTree>
+    <p:extLst>
+      <p:ext uri="{BB962C8B-B14F-4D97-AF65-F5344CB8AC3E}">
+        <p14:creationId xmlns:p14="http://schemas.microsoft.com/office/powerpoint/2010/main" val="86764485"/>
+      </p:ext>
+    </p:extLst>
+  </p:cSld>
+  <p:clrMapOvr>
+    <a:masterClrMapping/>
+  </p:clrMapOvr>
+</p:sld>
+</file>
+
+<file path=ppt/slides/slide7.xml><?xml version="1.0" encoding="utf-8"?>
+<p:sld xmlns:a="http://schemas.openxmlformats.org/drawingml/2006/main" xmlns:r="http://schemas.openxmlformats.org/officeDocument/2006/relationships" xmlns:p="http://schemas.openxmlformats.org/presentationml/2006/main">
+  <p:cSld>
     <p:spTree>
       <p:nvGrpSpPr>
         <p:cNvPr id="1" name="Shape 136"/>
@@ -8571,297 +8691,9 @@
 </p:sld>
 </file>
 
-<file path=ppt/slides/slide12.xml><?xml version="1.0" encoding="utf-8"?>
+<file path=ppt/slides/slide8.xml><?xml version="1.0" encoding="utf-8"?>
 <p:sld xmlns:a="http://schemas.openxmlformats.org/drawingml/2006/main" xmlns:r="http://schemas.openxmlformats.org/officeDocument/2006/relationships" xmlns:p="http://schemas.openxmlformats.org/presentationml/2006/main">
   <p:cSld>
-    <p:bg>
-      <p:bgPr>
-        <a:gradFill>
-          <a:gsLst>
-            <a:gs pos="0">
-              <a:schemeClr val="accent3"/>
-            </a:gs>
-            <a:gs pos="100000">
-              <a:schemeClr val="dk1"/>
-            </a:gs>
-          </a:gsLst>
-          <a:lin ang="5400012" scaled="0"/>
-        </a:gradFill>
-        <a:effectLst/>
-      </p:bgPr>
-    </p:bg>
-    <p:spTree>
-      <p:nvGrpSpPr>
-        <p:cNvPr id="1" name="Shape 143"/>
-        <p:cNvGrpSpPr/>
-        <p:nvPr/>
-      </p:nvGrpSpPr>
-      <p:grpSpPr>
-        <a:xfrm>
-          <a:off x="0" y="0"/>
-          <a:ext cx="0" cy="0"/>
-          <a:chOff x="0" y="0"/>
-          <a:chExt cx="0" cy="0"/>
-        </a:xfrm>
-      </p:grpSpPr>
-      <p:sp>
-        <p:nvSpPr>
-          <p:cNvPr id="144" name="Google Shape;144;p24"/>
-          <p:cNvSpPr txBox="1">
-            <a:spLocks noGrp="1"/>
-          </p:cNvSpPr>
-          <p:nvPr>
-            <p:ph type="ctrTitle"/>
-          </p:nvPr>
-        </p:nvSpPr>
-        <p:spPr>
-          <a:xfrm>
-            <a:off x="2371725" y="630225"/>
-            <a:ext cx="6331500" cy="905400"/>
-          </a:xfrm>
-          <a:prstGeom prst="rect">
-            <a:avLst/>
-          </a:prstGeom>
-        </p:spPr>
-        <p:txBody>
-          <a:bodyPr spcFirstLastPara="1" wrap="square" lIns="91425" tIns="91425" rIns="91425" bIns="91425" anchor="t" anchorCtr="0">
-            <a:normAutofit fontScale="90000"/>
-          </a:bodyPr>
-          <a:lstStyle/>
-          <a:p>
-            <a:pPr marL="0" lvl="0" indent="0" algn="l" rtl="0">
-              <a:spcBef>
-                <a:spcPts val="0"/>
-              </a:spcBef>
-              <a:spcAft>
-                <a:spcPts val="0"/>
-              </a:spcAft>
-              <a:buClr>
-                <a:schemeClr val="dk2"/>
-              </a:buClr>
-              <a:buSzPts val="990"/>
-              <a:buFont typeface="Arial"/>
-              <a:buNone/>
-            </a:pPr>
-            <a:r>
-              <a:rPr lang="en"/>
-              <a:t>References</a:t>
-            </a:r>
-            <a:endParaRPr/>
-          </a:p>
-          <a:p>
-            <a:pPr marL="0" lvl="0" indent="0" algn="l" rtl="0">
-              <a:spcBef>
-                <a:spcPts val="0"/>
-              </a:spcBef>
-              <a:spcAft>
-                <a:spcPts val="0"/>
-              </a:spcAft>
-              <a:buClr>
-                <a:schemeClr val="dk2"/>
-              </a:buClr>
-              <a:buSzPts val="990"/>
-              <a:buFont typeface="Arial"/>
-              <a:buNone/>
-            </a:pPr>
-            <a:endParaRPr/>
-          </a:p>
-          <a:p>
-            <a:pPr marL="0" lvl="0" indent="0" algn="l" rtl="0">
-              <a:spcBef>
-                <a:spcPts val="0"/>
-              </a:spcBef>
-              <a:spcAft>
-                <a:spcPts val="0"/>
-              </a:spcAft>
-              <a:buClr>
-                <a:schemeClr val="dk2"/>
-              </a:buClr>
-              <a:buSzPts val="990"/>
-              <a:buFont typeface="Arial"/>
-              <a:buNone/>
-            </a:pPr>
-            <a:endParaRPr/>
-          </a:p>
-          <a:p>
-            <a:pPr marL="0" lvl="0" indent="0" algn="l" rtl="0">
-              <a:spcBef>
-                <a:spcPts val="0"/>
-              </a:spcBef>
-              <a:spcAft>
-                <a:spcPts val="0"/>
-              </a:spcAft>
-              <a:buNone/>
-            </a:pPr>
-            <a:endParaRPr/>
-          </a:p>
-        </p:txBody>
-      </p:sp>
-      <p:sp>
-        <p:nvSpPr>
-          <p:cNvPr id="145" name="Google Shape;145;p24"/>
-          <p:cNvSpPr txBox="1">
-            <a:spLocks noGrp="1"/>
-          </p:cNvSpPr>
-          <p:nvPr>
-            <p:ph type="subTitle" idx="1"/>
-          </p:nvPr>
-        </p:nvSpPr>
-        <p:spPr>
-          <a:xfrm>
-            <a:off x="497250" y="1717650"/>
-            <a:ext cx="8149500" cy="1908600"/>
-          </a:xfrm>
-          <a:prstGeom prst="rect">
-            <a:avLst/>
-          </a:prstGeom>
-        </p:spPr>
-        <p:txBody>
-          <a:bodyPr spcFirstLastPara="1" wrap="square" lIns="91425" tIns="91425" rIns="91425" bIns="91425" anchor="b" anchorCtr="0">
-            <a:spAutoFit/>
-          </a:bodyPr>
-          <a:lstStyle/>
-          <a:p>
-            <a:pPr marL="0" lvl="0" indent="0" algn="l" rtl="0">
-              <a:spcBef>
-                <a:spcPts val="0"/>
-              </a:spcBef>
-              <a:spcAft>
-                <a:spcPts val="0"/>
-              </a:spcAft>
-              <a:buNone/>
-            </a:pPr>
-            <a:r>
-              <a:rPr lang="en" sz="1600">
-                <a:latin typeface="Oswald"/>
-                <a:ea typeface="Oswald"/>
-                <a:cs typeface="Oswald"/>
-                <a:sym typeface="Oswald"/>
-              </a:rPr>
-              <a:t>[1] Preply. (2021) Multilingual UK adults. Available at: https://preply.com/wp-content/uploads/2021/11/Multilingual-UK-adults.png (Accessed: 17 October 2024).</a:t>
-            </a:r>
-            <a:endParaRPr sz="1600">
-              <a:latin typeface="Oswald"/>
-              <a:ea typeface="Oswald"/>
-              <a:cs typeface="Oswald"/>
-              <a:sym typeface="Oswald"/>
-            </a:endParaRPr>
-          </a:p>
-          <a:p>
-            <a:pPr marL="0" lvl="0" indent="0" algn="l" rtl="0">
-              <a:spcBef>
-                <a:spcPts val="0"/>
-              </a:spcBef>
-              <a:spcAft>
-                <a:spcPts val="0"/>
-              </a:spcAft>
-              <a:buNone/>
-            </a:pPr>
-            <a:r>
-              <a:rPr lang="en" sz="1600">
-                <a:latin typeface="Oswald"/>
-                <a:ea typeface="Oswald"/>
-                <a:cs typeface="Oswald"/>
-                <a:sym typeface="Oswald"/>
-              </a:rPr>
-              <a:t>[2] Preply 2024, Americans’ Foreign Language Learning Survey, Preply. Available at: https://preply.com/en/blog/americans-foreign-language-survey/ (Accessed: 17 October 2024).    </a:t>
-            </a:r>
-            <a:endParaRPr sz="1600">
-              <a:latin typeface="Oswald"/>
-              <a:ea typeface="Oswald"/>
-              <a:cs typeface="Oswald"/>
-              <a:sym typeface="Oswald"/>
-            </a:endParaRPr>
-          </a:p>
-          <a:p>
-            <a:pPr marL="0" lvl="0" indent="0" algn="l" rtl="0">
-              <a:spcBef>
-                <a:spcPts val="0"/>
-              </a:spcBef>
-              <a:spcAft>
-                <a:spcPts val="0"/>
-              </a:spcAft>
-              <a:buNone/>
-            </a:pPr>
-            <a:r>
-              <a:rPr lang="en" sz="1600">
-                <a:latin typeface="Oswald"/>
-                <a:ea typeface="Oswald"/>
-                <a:cs typeface="Oswald"/>
-                <a:sym typeface="Oswald"/>
-              </a:rPr>
-              <a:t>                                  	 </a:t>
-            </a:r>
-            <a:endParaRPr sz="1600">
-              <a:latin typeface="Oswald"/>
-              <a:ea typeface="Oswald"/>
-              <a:cs typeface="Oswald"/>
-              <a:sym typeface="Oswald"/>
-            </a:endParaRPr>
-          </a:p>
-          <a:p>
-            <a:pPr marL="0" lvl="0" indent="0" algn="l" rtl="0">
-              <a:spcBef>
-                <a:spcPts val="0"/>
-              </a:spcBef>
-              <a:spcAft>
-                <a:spcPts val="0"/>
-              </a:spcAft>
-              <a:buNone/>
-            </a:pPr>
-            <a:endParaRPr sz="1600">
-              <a:latin typeface="Oswald"/>
-              <a:ea typeface="Oswald"/>
-              <a:cs typeface="Oswald"/>
-              <a:sym typeface="Oswald"/>
-            </a:endParaRPr>
-          </a:p>
-          <a:p>
-            <a:pPr marL="0" lvl="0" indent="0" algn="l" rtl="0">
-              <a:spcBef>
-                <a:spcPts val="0"/>
-              </a:spcBef>
-              <a:spcAft>
-                <a:spcPts val="0"/>
-              </a:spcAft>
-              <a:buNone/>
-            </a:pPr>
-            <a:endParaRPr sz="1600">
-              <a:latin typeface="Oswald"/>
-              <a:ea typeface="Oswald"/>
-              <a:cs typeface="Oswald"/>
-              <a:sym typeface="Oswald"/>
-            </a:endParaRPr>
-          </a:p>
-        </p:txBody>
-      </p:sp>
-    </p:spTree>
-  </p:cSld>
-  <p:clrMapOvr>
-    <a:masterClrMapping/>
-  </p:clrMapOvr>
-</p:sld>
-</file>
-
-<file path=ppt/slides/slide13.xml><?xml version="1.0" encoding="utf-8"?>
-<p:sld xmlns:a="http://schemas.openxmlformats.org/drawingml/2006/main" xmlns:r="http://schemas.openxmlformats.org/officeDocument/2006/relationships" xmlns:p="http://schemas.openxmlformats.org/presentationml/2006/main">
-  <p:cSld>
-    <p:bg>
-      <p:bgPr>
-        <a:gradFill>
-          <a:gsLst>
-            <a:gs pos="0">
-              <a:schemeClr val="accent3"/>
-            </a:gs>
-            <a:gs pos="100000">
-              <a:schemeClr val="dk1"/>
-            </a:gs>
-          </a:gsLst>
-          <a:lin ang="5400012" scaled="0"/>
-        </a:gradFill>
-        <a:effectLst/>
-      </p:bgPr>
-    </p:bg>
     <p:spTree>
       <p:nvGrpSpPr>
         <p:cNvPr id="1" name="Shape 149"/>
@@ -8966,2260 +8798,6 @@
               <a:buNone/>
             </a:pPr>
             <a:endParaRPr/>
-          </a:p>
-        </p:txBody>
-      </p:sp>
-    </p:spTree>
-  </p:cSld>
-  <p:clrMapOvr>
-    <a:masterClrMapping/>
-  </p:clrMapOvr>
-</p:sld>
-</file>
-
-<file path=ppt/slides/slide2.xml><?xml version="1.0" encoding="utf-8"?>
-<p:sld xmlns:a="http://schemas.openxmlformats.org/drawingml/2006/main" xmlns:r="http://schemas.openxmlformats.org/officeDocument/2006/relationships" xmlns:p="http://schemas.openxmlformats.org/presentationml/2006/main">
-  <p:cSld>
-    <p:bg>
-      <p:bgPr>
-        <a:gradFill>
-          <a:gsLst>
-            <a:gs pos="0">
-              <a:schemeClr val="accent3"/>
-            </a:gs>
-            <a:gs pos="100000">
-              <a:schemeClr val="dk1"/>
-            </a:gs>
-          </a:gsLst>
-          <a:lin ang="5400012" scaled="0"/>
-        </a:gradFill>
-        <a:effectLst/>
-      </p:bgPr>
-    </p:bg>
-    <p:spTree>
-      <p:nvGrpSpPr>
-        <p:cNvPr id="1" name="Shape 77"/>
-        <p:cNvGrpSpPr/>
-        <p:nvPr/>
-      </p:nvGrpSpPr>
-      <p:grpSpPr>
-        <a:xfrm>
-          <a:off x="0" y="0"/>
-          <a:ext cx="0" cy="0"/>
-          <a:chOff x="0" y="0"/>
-          <a:chExt cx="0" cy="0"/>
-        </a:xfrm>
-      </p:grpSpPr>
-      <p:sp>
-        <p:nvSpPr>
-          <p:cNvPr id="78" name="Google Shape;78;p14"/>
-          <p:cNvSpPr txBox="1">
-            <a:spLocks noGrp="1"/>
-          </p:cNvSpPr>
-          <p:nvPr>
-            <p:ph type="ctrTitle"/>
-          </p:nvPr>
-        </p:nvSpPr>
-        <p:spPr>
-          <a:xfrm>
-            <a:off x="2371725" y="630225"/>
-            <a:ext cx="6331500" cy="913200"/>
-          </a:xfrm>
-          <a:prstGeom prst="rect">
-            <a:avLst/>
-          </a:prstGeom>
-        </p:spPr>
-        <p:txBody>
-          <a:bodyPr spcFirstLastPara="1" wrap="square" lIns="91425" tIns="91425" rIns="91425" bIns="91425" anchor="t" anchorCtr="0">
-            <a:normAutofit fontScale="90000"/>
-          </a:bodyPr>
-          <a:lstStyle/>
-          <a:p>
-            <a:pPr marL="0" lvl="0" indent="0" algn="l" rtl="0">
-              <a:spcBef>
-                <a:spcPts val="0"/>
-              </a:spcBef>
-              <a:spcAft>
-                <a:spcPts val="0"/>
-              </a:spcAft>
-              <a:buNone/>
-            </a:pPr>
-            <a:r>
-              <a:rPr lang="en"/>
-              <a:t>Introduction</a:t>
-            </a:r>
-            <a:endParaRPr/>
-          </a:p>
-        </p:txBody>
-      </p:sp>
-      <p:sp>
-        <p:nvSpPr>
-          <p:cNvPr id="79" name="Google Shape;79;p14"/>
-          <p:cNvSpPr txBox="1">
-            <a:spLocks noGrp="1"/>
-          </p:cNvSpPr>
-          <p:nvPr>
-            <p:ph type="subTitle" idx="1"/>
-          </p:nvPr>
-        </p:nvSpPr>
-        <p:spPr>
-          <a:xfrm>
-            <a:off x="2390275" y="1629150"/>
-            <a:ext cx="6331500" cy="2031900"/>
-          </a:xfrm>
-          <a:prstGeom prst="rect">
-            <a:avLst/>
-          </a:prstGeom>
-        </p:spPr>
-        <p:txBody>
-          <a:bodyPr spcFirstLastPara="1" wrap="square" lIns="91425" tIns="91425" rIns="91425" bIns="91425" anchor="b" anchorCtr="0">
-            <a:spAutoFit/>
-          </a:bodyPr>
-          <a:lstStyle/>
-          <a:p>
-            <a:pPr marL="457200" lvl="0" indent="-355600" algn="l" rtl="0">
-              <a:spcBef>
-                <a:spcPts val="0"/>
-              </a:spcBef>
-              <a:spcAft>
-                <a:spcPts val="0"/>
-              </a:spcAft>
-              <a:buSzPts val="2000"/>
-              <a:buFont typeface="Oswald"/>
-              <a:buChar char="●"/>
-            </a:pPr>
-            <a:r>
-              <a:rPr lang="en" sz="2000">
-                <a:latin typeface="Oswald"/>
-                <a:ea typeface="Oswald"/>
-                <a:cs typeface="Oswald"/>
-                <a:sym typeface="Oswald"/>
-              </a:rPr>
-              <a:t>LingoLizard is a tool designed to help people learn languages using real time lessons and conversations. </a:t>
-            </a:r>
-            <a:endParaRPr sz="2000">
-              <a:latin typeface="Oswald"/>
-              <a:ea typeface="Oswald"/>
-              <a:cs typeface="Oswald"/>
-              <a:sym typeface="Oswald"/>
-            </a:endParaRPr>
-          </a:p>
-          <a:p>
-            <a:pPr marL="457200" lvl="0" indent="-355600" algn="l" rtl="0">
-              <a:spcBef>
-                <a:spcPts val="0"/>
-              </a:spcBef>
-              <a:spcAft>
-                <a:spcPts val="0"/>
-              </a:spcAft>
-              <a:buSzPts val="2000"/>
-              <a:buFont typeface="Oswald"/>
-              <a:buChar char="●"/>
-            </a:pPr>
-            <a:r>
-              <a:rPr lang="en" sz="2000">
-                <a:latin typeface="Oswald"/>
-                <a:ea typeface="Oswald"/>
-                <a:cs typeface="Oswald"/>
-                <a:sym typeface="Oswald"/>
-              </a:rPr>
-              <a:t>It will do this using AI to simulate interactions in different languages.</a:t>
-            </a:r>
-            <a:endParaRPr sz="2000">
-              <a:latin typeface="Oswald"/>
-              <a:ea typeface="Oswald"/>
-              <a:cs typeface="Oswald"/>
-              <a:sym typeface="Oswald"/>
-            </a:endParaRPr>
-          </a:p>
-          <a:p>
-            <a:pPr marL="457200" lvl="0" indent="-355600" algn="l" rtl="0">
-              <a:spcBef>
-                <a:spcPts val="0"/>
-              </a:spcBef>
-              <a:spcAft>
-                <a:spcPts val="0"/>
-              </a:spcAft>
-              <a:buSzPts val="2000"/>
-              <a:buFont typeface="Oswald"/>
-              <a:buChar char="●"/>
-            </a:pPr>
-            <a:r>
-              <a:rPr lang="en" sz="2000">
-                <a:latin typeface="Oswald"/>
-                <a:ea typeface="Oswald"/>
-                <a:cs typeface="Oswald"/>
-                <a:sym typeface="Oswald"/>
-              </a:rPr>
-              <a:t>It will be able to give real time feedback and corrections to spelling and grammar.</a:t>
-            </a:r>
-            <a:endParaRPr sz="2000">
-              <a:latin typeface="Oswald"/>
-              <a:ea typeface="Oswald"/>
-              <a:cs typeface="Oswald"/>
-              <a:sym typeface="Oswald"/>
-            </a:endParaRPr>
-          </a:p>
-        </p:txBody>
-      </p:sp>
-    </p:spTree>
-  </p:cSld>
-  <p:clrMapOvr>
-    <a:masterClrMapping/>
-  </p:clrMapOvr>
-</p:sld>
-</file>
-
-<file path=ppt/slides/slide3.xml><?xml version="1.0" encoding="utf-8"?>
-<p:sld xmlns:a="http://schemas.openxmlformats.org/drawingml/2006/main" xmlns:r="http://schemas.openxmlformats.org/officeDocument/2006/relationships" xmlns:p="http://schemas.openxmlformats.org/presentationml/2006/main">
-  <p:cSld>
-    <p:bg>
-      <p:bgPr>
-        <a:gradFill>
-          <a:gsLst>
-            <a:gs pos="0">
-              <a:schemeClr val="accent3"/>
-            </a:gs>
-            <a:gs pos="100000">
-              <a:schemeClr val="dk1"/>
-            </a:gs>
-          </a:gsLst>
-          <a:lin ang="5400012" scaled="0"/>
-        </a:gradFill>
-        <a:effectLst/>
-      </p:bgPr>
-    </p:bg>
-    <p:spTree>
-      <p:nvGrpSpPr>
-        <p:cNvPr id="1" name="Shape 83"/>
-        <p:cNvGrpSpPr/>
-        <p:nvPr/>
-      </p:nvGrpSpPr>
-      <p:grpSpPr>
-        <a:xfrm>
-          <a:off x="0" y="0"/>
-          <a:ext cx="0" cy="0"/>
-          <a:chOff x="0" y="0"/>
-          <a:chExt cx="0" cy="0"/>
-        </a:xfrm>
-      </p:grpSpPr>
-      <p:sp>
-        <p:nvSpPr>
-          <p:cNvPr id="84" name="Google Shape;84;p15"/>
-          <p:cNvSpPr txBox="1">
-            <a:spLocks noGrp="1"/>
-          </p:cNvSpPr>
-          <p:nvPr>
-            <p:ph type="ctrTitle"/>
-          </p:nvPr>
-        </p:nvSpPr>
-        <p:spPr>
-          <a:xfrm>
-            <a:off x="1043225" y="572575"/>
-            <a:ext cx="6331500" cy="913200"/>
-          </a:xfrm>
-          <a:prstGeom prst="rect">
-            <a:avLst/>
-          </a:prstGeom>
-        </p:spPr>
-        <p:txBody>
-          <a:bodyPr spcFirstLastPara="1" wrap="square" lIns="91425" tIns="91425" rIns="91425" bIns="91425" anchor="t" anchorCtr="0">
-            <a:normAutofit fontScale="90000"/>
-          </a:bodyPr>
-          <a:lstStyle/>
-          <a:p>
-            <a:pPr marL="0" lvl="0" indent="0" algn="l" rtl="0">
-              <a:spcBef>
-                <a:spcPts val="0"/>
-              </a:spcBef>
-              <a:spcAft>
-                <a:spcPts val="0"/>
-              </a:spcAft>
-              <a:buNone/>
-            </a:pPr>
-            <a:r>
-              <a:rPr lang="en"/>
-              <a:t>Target Audience</a:t>
-            </a:r>
-            <a:endParaRPr/>
-          </a:p>
-        </p:txBody>
-      </p:sp>
-      <p:sp>
-        <p:nvSpPr>
-          <p:cNvPr id="85" name="Google Shape;85;p15"/>
-          <p:cNvSpPr txBox="1">
-            <a:spLocks noGrp="1"/>
-          </p:cNvSpPr>
-          <p:nvPr>
-            <p:ph type="subTitle" idx="1"/>
-          </p:nvPr>
-        </p:nvSpPr>
-        <p:spPr>
-          <a:xfrm>
-            <a:off x="1043225" y="1629150"/>
-            <a:ext cx="4117500" cy="1723800"/>
-          </a:xfrm>
-          <a:prstGeom prst="rect">
-            <a:avLst/>
-          </a:prstGeom>
-        </p:spPr>
-        <p:txBody>
-          <a:bodyPr spcFirstLastPara="1" wrap="square" lIns="91425" tIns="91425" rIns="91425" bIns="91425" anchor="b" anchorCtr="0">
-            <a:spAutoFit/>
-          </a:bodyPr>
-          <a:lstStyle/>
-          <a:p>
-            <a:pPr marL="457200" lvl="0" indent="-355600" algn="l" rtl="0">
-              <a:spcBef>
-                <a:spcPts val="0"/>
-              </a:spcBef>
-              <a:spcAft>
-                <a:spcPts val="0"/>
-              </a:spcAft>
-              <a:buSzPts val="2000"/>
-              <a:buFont typeface="Oswald"/>
-              <a:buChar char="●"/>
-            </a:pPr>
-            <a:r>
-              <a:rPr lang="en" sz="2000">
-                <a:latin typeface="Oswald"/>
-                <a:ea typeface="Oswald"/>
-                <a:cs typeface="Oswald"/>
-                <a:sym typeface="Oswald"/>
-              </a:rPr>
-              <a:t>Language Learners</a:t>
-            </a:r>
-            <a:br>
-              <a:rPr lang="en" sz="2000">
-                <a:latin typeface="Oswald"/>
-                <a:ea typeface="Oswald"/>
-                <a:cs typeface="Oswald"/>
-                <a:sym typeface="Oswald"/>
-              </a:rPr>
-            </a:br>
-            <a:endParaRPr sz="2000">
-              <a:latin typeface="Oswald"/>
-              <a:ea typeface="Oswald"/>
-              <a:cs typeface="Oswald"/>
-              <a:sym typeface="Oswald"/>
-            </a:endParaRPr>
-          </a:p>
-          <a:p>
-            <a:pPr marL="457200" lvl="0" indent="-355600" algn="l" rtl="0">
-              <a:spcBef>
-                <a:spcPts val="0"/>
-              </a:spcBef>
-              <a:spcAft>
-                <a:spcPts val="0"/>
-              </a:spcAft>
-              <a:buSzPts val="2000"/>
-              <a:buFont typeface="Oswald"/>
-              <a:buChar char="●"/>
-            </a:pPr>
-            <a:r>
-              <a:rPr lang="en" sz="2000">
-                <a:latin typeface="Oswald"/>
-                <a:ea typeface="Oswald"/>
-                <a:cs typeface="Oswald"/>
-                <a:sym typeface="Oswald"/>
-              </a:rPr>
-              <a:t>Teachers and students</a:t>
-            </a:r>
-            <a:br>
-              <a:rPr lang="en" sz="2000">
-                <a:latin typeface="Oswald"/>
-                <a:ea typeface="Oswald"/>
-                <a:cs typeface="Oswald"/>
-                <a:sym typeface="Oswald"/>
-              </a:rPr>
-            </a:br>
-            <a:endParaRPr sz="2000">
-              <a:latin typeface="Oswald"/>
-              <a:ea typeface="Oswald"/>
-              <a:cs typeface="Oswald"/>
-              <a:sym typeface="Oswald"/>
-            </a:endParaRPr>
-          </a:p>
-          <a:p>
-            <a:pPr marL="457200" lvl="0" indent="-355600" algn="l" rtl="0">
-              <a:spcBef>
-                <a:spcPts val="0"/>
-              </a:spcBef>
-              <a:spcAft>
-                <a:spcPts val="0"/>
-              </a:spcAft>
-              <a:buSzPts val="2000"/>
-              <a:buFont typeface="Oswald"/>
-              <a:buChar char="●"/>
-            </a:pPr>
-            <a:r>
-              <a:rPr lang="en" sz="2000">
-                <a:latin typeface="Oswald"/>
-                <a:ea typeface="Oswald"/>
-                <a:cs typeface="Oswald"/>
-                <a:sym typeface="Oswald"/>
-              </a:rPr>
-              <a:t>Travellers and expats</a:t>
-            </a:r>
-            <a:endParaRPr sz="2000">
-              <a:latin typeface="Oswald"/>
-              <a:ea typeface="Oswald"/>
-              <a:cs typeface="Oswald"/>
-              <a:sym typeface="Oswald"/>
-            </a:endParaRPr>
-          </a:p>
-        </p:txBody>
-      </p:sp>
-      <p:pic>
-        <p:nvPicPr>
-          <p:cNvPr id="86" name="Google Shape;86;p15"/>
-          <p:cNvPicPr preferRelativeResize="0"/>
-          <p:nvPr/>
-        </p:nvPicPr>
-        <p:blipFill>
-          <a:blip r:embed="rId3">
-            <a:alphaModFix/>
-          </a:blip>
-          <a:stretch>
-            <a:fillRect/>
-          </a:stretch>
-        </p:blipFill>
-        <p:spPr>
-          <a:xfrm>
-            <a:off x="5439375" y="1485775"/>
-            <a:ext cx="3263850" cy="2171950"/>
-          </a:xfrm>
-          <a:prstGeom prst="rect">
-            <a:avLst/>
-          </a:prstGeom>
-          <a:noFill/>
-          <a:ln>
-            <a:noFill/>
-          </a:ln>
-        </p:spPr>
-      </p:pic>
-    </p:spTree>
-  </p:cSld>
-  <p:clrMapOvr>
-    <a:masterClrMapping/>
-  </p:clrMapOvr>
-</p:sld>
-</file>
-
-<file path=ppt/slides/slide4.xml><?xml version="1.0" encoding="utf-8"?>
-<p:sld xmlns:a="http://schemas.openxmlformats.org/drawingml/2006/main" xmlns:r="http://schemas.openxmlformats.org/officeDocument/2006/relationships" xmlns:p="http://schemas.openxmlformats.org/presentationml/2006/main">
-  <p:cSld>
-    <p:bg>
-      <p:bgPr>
-        <a:gradFill>
-          <a:gsLst>
-            <a:gs pos="0">
-              <a:schemeClr val="accent3"/>
-            </a:gs>
-            <a:gs pos="100000">
-              <a:schemeClr val="dk1"/>
-            </a:gs>
-          </a:gsLst>
-          <a:lin ang="5400012" scaled="0"/>
-        </a:gradFill>
-        <a:effectLst/>
-      </p:bgPr>
-    </p:bg>
-    <p:spTree>
-      <p:nvGrpSpPr>
-        <p:cNvPr id="1" name="Shape 90"/>
-        <p:cNvGrpSpPr/>
-        <p:nvPr/>
-      </p:nvGrpSpPr>
-      <p:grpSpPr>
-        <a:xfrm>
-          <a:off x="0" y="0"/>
-          <a:ext cx="0" cy="0"/>
-          <a:chOff x="0" y="0"/>
-          <a:chExt cx="0" cy="0"/>
-        </a:xfrm>
-      </p:grpSpPr>
-      <p:sp>
-        <p:nvSpPr>
-          <p:cNvPr id="91" name="Google Shape;91;p16"/>
-          <p:cNvSpPr txBox="1">
-            <a:spLocks noGrp="1"/>
-          </p:cNvSpPr>
-          <p:nvPr>
-            <p:ph type="ctrTitle"/>
-          </p:nvPr>
-        </p:nvSpPr>
-        <p:spPr>
-          <a:xfrm>
-            <a:off x="2371725" y="630225"/>
-            <a:ext cx="6331500" cy="905400"/>
-          </a:xfrm>
-          <a:prstGeom prst="rect">
-            <a:avLst/>
-          </a:prstGeom>
-        </p:spPr>
-        <p:txBody>
-          <a:bodyPr spcFirstLastPara="1" wrap="square" lIns="91425" tIns="91425" rIns="91425" bIns="91425" anchor="t" anchorCtr="0">
-            <a:normAutofit fontScale="90000"/>
-          </a:bodyPr>
-          <a:lstStyle/>
-          <a:p>
-            <a:pPr marL="0" lvl="0" indent="0" algn="l" rtl="0">
-              <a:spcBef>
-                <a:spcPts val="0"/>
-              </a:spcBef>
-              <a:spcAft>
-                <a:spcPts val="0"/>
-              </a:spcAft>
-              <a:buClr>
-                <a:schemeClr val="dk2"/>
-              </a:buClr>
-              <a:buSzPts val="990"/>
-              <a:buFont typeface="Arial"/>
-              <a:buNone/>
-            </a:pPr>
-            <a:r>
-              <a:rPr lang="en"/>
-              <a:t>Problem Statement</a:t>
-            </a:r>
-            <a:endParaRPr/>
-          </a:p>
-          <a:p>
-            <a:pPr marL="0" lvl="0" indent="0" algn="l" rtl="0">
-              <a:spcBef>
-                <a:spcPts val="0"/>
-              </a:spcBef>
-              <a:spcAft>
-                <a:spcPts val="0"/>
-              </a:spcAft>
-              <a:buClr>
-                <a:schemeClr val="dk2"/>
-              </a:buClr>
-              <a:buSzPts val="990"/>
-              <a:buFont typeface="Arial"/>
-              <a:buNone/>
-            </a:pPr>
-            <a:endParaRPr/>
-          </a:p>
-          <a:p>
-            <a:pPr marL="0" lvl="0" indent="0" algn="l" rtl="0">
-              <a:spcBef>
-                <a:spcPts val="0"/>
-              </a:spcBef>
-              <a:spcAft>
-                <a:spcPts val="0"/>
-              </a:spcAft>
-              <a:buNone/>
-            </a:pPr>
-            <a:endParaRPr/>
-          </a:p>
-        </p:txBody>
-      </p:sp>
-      <p:sp>
-        <p:nvSpPr>
-          <p:cNvPr id="92" name="Google Shape;92;p16"/>
-          <p:cNvSpPr txBox="1">
-            <a:spLocks noGrp="1"/>
-          </p:cNvSpPr>
-          <p:nvPr>
-            <p:ph type="subTitle" idx="1"/>
-          </p:nvPr>
-        </p:nvSpPr>
-        <p:spPr>
-          <a:xfrm>
-            <a:off x="4152050" y="1629150"/>
-            <a:ext cx="4569600" cy="2647500"/>
-          </a:xfrm>
-          <a:prstGeom prst="rect">
-            <a:avLst/>
-          </a:prstGeom>
-        </p:spPr>
-        <p:txBody>
-          <a:bodyPr spcFirstLastPara="1" wrap="square" lIns="91425" tIns="91425" rIns="91425" bIns="91425" anchor="b" anchorCtr="0">
-            <a:spAutoFit/>
-          </a:bodyPr>
-          <a:lstStyle/>
-          <a:p>
-            <a:pPr marL="0" lvl="0" indent="0" algn="l" rtl="0">
-              <a:spcBef>
-                <a:spcPts val="0"/>
-              </a:spcBef>
-              <a:spcAft>
-                <a:spcPts val="0"/>
-              </a:spcAft>
-              <a:buNone/>
-            </a:pPr>
-            <a:r>
-              <a:rPr lang="en" sz="2000">
-                <a:latin typeface="Oswald"/>
-                <a:ea typeface="Oswald"/>
-                <a:cs typeface="Oswald"/>
-                <a:sym typeface="Oswald"/>
-              </a:rPr>
-              <a:t>“only 20% of public school students have studied foreign languages. By college, this number drops to a staggering 10%.” [2]</a:t>
-            </a:r>
-            <a:endParaRPr sz="2000">
-              <a:latin typeface="Oswald"/>
-              <a:ea typeface="Oswald"/>
-              <a:cs typeface="Oswald"/>
-              <a:sym typeface="Oswald"/>
-            </a:endParaRPr>
-          </a:p>
-          <a:p>
-            <a:pPr marL="0" lvl="0" indent="0" algn="l" rtl="0">
-              <a:spcBef>
-                <a:spcPts val="0"/>
-              </a:spcBef>
-              <a:spcAft>
-                <a:spcPts val="0"/>
-              </a:spcAft>
-              <a:buNone/>
-            </a:pPr>
-            <a:r>
-              <a:rPr lang="en" sz="2000">
-                <a:latin typeface="Oswald"/>
-                <a:ea typeface="Oswald"/>
-                <a:cs typeface="Oswald"/>
-                <a:sym typeface="Oswald"/>
-              </a:rPr>
-              <a:t>School based language learning is not effective for everyone. LingoLizard could be the solution.</a:t>
-            </a:r>
-            <a:endParaRPr sz="2000">
-              <a:latin typeface="Oswald"/>
-              <a:ea typeface="Oswald"/>
-              <a:cs typeface="Oswald"/>
-              <a:sym typeface="Oswald"/>
-            </a:endParaRPr>
-          </a:p>
-          <a:p>
-            <a:pPr marL="0" lvl="0" indent="0" algn="l" rtl="0">
-              <a:spcBef>
-                <a:spcPts val="0"/>
-              </a:spcBef>
-              <a:spcAft>
-                <a:spcPts val="0"/>
-              </a:spcAft>
-              <a:buNone/>
-            </a:pPr>
-            <a:endParaRPr sz="2000">
-              <a:latin typeface="Oswald"/>
-              <a:ea typeface="Oswald"/>
-              <a:cs typeface="Oswald"/>
-              <a:sym typeface="Oswald"/>
-            </a:endParaRPr>
-          </a:p>
-          <a:p>
-            <a:pPr marL="0" lvl="0" indent="0" algn="l" rtl="0">
-              <a:spcBef>
-                <a:spcPts val="0"/>
-              </a:spcBef>
-              <a:spcAft>
-                <a:spcPts val="0"/>
-              </a:spcAft>
-              <a:buNone/>
-            </a:pPr>
-            <a:endParaRPr sz="2000">
-              <a:latin typeface="Oswald"/>
-              <a:ea typeface="Oswald"/>
-              <a:cs typeface="Oswald"/>
-              <a:sym typeface="Oswald"/>
-            </a:endParaRPr>
-          </a:p>
-          <a:p>
-            <a:pPr marL="0" lvl="0" indent="0" algn="l" rtl="0">
-              <a:spcBef>
-                <a:spcPts val="0"/>
-              </a:spcBef>
-              <a:spcAft>
-                <a:spcPts val="0"/>
-              </a:spcAft>
-              <a:buNone/>
-            </a:pPr>
-            <a:endParaRPr sz="2000">
-              <a:latin typeface="Oswald"/>
-              <a:ea typeface="Oswald"/>
-              <a:cs typeface="Oswald"/>
-              <a:sym typeface="Oswald"/>
-            </a:endParaRPr>
-          </a:p>
-        </p:txBody>
-      </p:sp>
-      <p:pic>
-        <p:nvPicPr>
-          <p:cNvPr id="93" name="Google Shape;93;p16"/>
-          <p:cNvPicPr preferRelativeResize="0"/>
-          <p:nvPr/>
-        </p:nvPicPr>
-        <p:blipFill>
-          <a:blip r:embed="rId3">
-            <a:alphaModFix/>
-          </a:blip>
-          <a:stretch>
-            <a:fillRect/>
-          </a:stretch>
-        </p:blipFill>
-        <p:spPr>
-          <a:xfrm>
-            <a:off x="224700" y="1629150"/>
-            <a:ext cx="3845626" cy="2251050"/>
-          </a:xfrm>
-          <a:prstGeom prst="rect">
-            <a:avLst/>
-          </a:prstGeom>
-          <a:noFill/>
-          <a:ln>
-            <a:noFill/>
-          </a:ln>
-        </p:spPr>
-      </p:pic>
-      <p:sp>
-        <p:nvSpPr>
-          <p:cNvPr id="94" name="Google Shape;94;p16"/>
-          <p:cNvSpPr txBox="1"/>
-          <p:nvPr/>
-        </p:nvSpPr>
-        <p:spPr>
-          <a:xfrm>
-            <a:off x="206425" y="3973725"/>
-            <a:ext cx="3963900" cy="481500"/>
-          </a:xfrm>
-          <a:prstGeom prst="rect">
-            <a:avLst/>
-          </a:prstGeom>
-          <a:noFill/>
-          <a:ln>
-            <a:noFill/>
-          </a:ln>
-        </p:spPr>
-        <p:txBody>
-          <a:bodyPr spcFirstLastPara="1" wrap="square" lIns="91425" tIns="91425" rIns="91425" bIns="91425" anchor="t" anchorCtr="0">
-            <a:noAutofit/>
-          </a:bodyPr>
-          <a:lstStyle/>
-          <a:p>
-            <a:pPr marL="0" lvl="0" indent="0" algn="l" rtl="0">
-              <a:spcBef>
-                <a:spcPts val="0"/>
-              </a:spcBef>
-              <a:spcAft>
-                <a:spcPts val="0"/>
-              </a:spcAft>
-              <a:buNone/>
-            </a:pPr>
-            <a:r>
-              <a:rPr lang="en" sz="1200">
-                <a:solidFill>
-                  <a:srgbClr val="FFFFFF"/>
-                </a:solidFill>
-                <a:latin typeface="Lato"/>
-                <a:ea typeface="Lato"/>
-                <a:cs typeface="Lato"/>
-                <a:sym typeface="Lato"/>
-              </a:rPr>
-              <a:t>Fig .2  Graph of non native languages uk adults can speak [1]</a:t>
-            </a:r>
-            <a:endParaRPr sz="1200">
-              <a:solidFill>
-                <a:srgbClr val="FFFFFF"/>
-              </a:solidFill>
-              <a:latin typeface="Lato"/>
-              <a:ea typeface="Lato"/>
-              <a:cs typeface="Lato"/>
-              <a:sym typeface="Lato"/>
-            </a:endParaRPr>
-          </a:p>
-        </p:txBody>
-      </p:sp>
-    </p:spTree>
-  </p:cSld>
-  <p:clrMapOvr>
-    <a:masterClrMapping/>
-  </p:clrMapOvr>
-</p:sld>
-</file>
-
-<file path=ppt/slides/slide5.xml><?xml version="1.0" encoding="utf-8"?>
-<p:sld xmlns:a="http://schemas.openxmlformats.org/drawingml/2006/main" xmlns:r="http://schemas.openxmlformats.org/officeDocument/2006/relationships" xmlns:p="http://schemas.openxmlformats.org/presentationml/2006/main">
-  <p:cSld>
-    <p:bg>
-      <p:bgPr>
-        <a:gradFill>
-          <a:gsLst>
-            <a:gs pos="0">
-              <a:schemeClr val="accent3"/>
-            </a:gs>
-            <a:gs pos="100000">
-              <a:schemeClr val="dk1"/>
-            </a:gs>
-          </a:gsLst>
-          <a:lin ang="5400012" scaled="0"/>
-        </a:gradFill>
-        <a:effectLst/>
-      </p:bgPr>
-    </p:bg>
-    <p:spTree>
-      <p:nvGrpSpPr>
-        <p:cNvPr id="1" name="Shape 98"/>
-        <p:cNvGrpSpPr/>
-        <p:nvPr/>
-      </p:nvGrpSpPr>
-      <p:grpSpPr>
-        <a:xfrm>
-          <a:off x="0" y="0"/>
-          <a:ext cx="0" cy="0"/>
-          <a:chOff x="0" y="0"/>
-          <a:chExt cx="0" cy="0"/>
-        </a:xfrm>
-      </p:grpSpPr>
-      <p:sp>
-        <p:nvSpPr>
-          <p:cNvPr id="99" name="Google Shape;99;p17"/>
-          <p:cNvSpPr txBox="1">
-            <a:spLocks noGrp="1"/>
-          </p:cNvSpPr>
-          <p:nvPr>
-            <p:ph type="ctrTitle"/>
-          </p:nvPr>
-        </p:nvSpPr>
-        <p:spPr>
-          <a:xfrm>
-            <a:off x="2371725" y="630225"/>
-            <a:ext cx="6331500" cy="905400"/>
-          </a:xfrm>
-          <a:prstGeom prst="rect">
-            <a:avLst/>
-          </a:prstGeom>
-        </p:spPr>
-        <p:txBody>
-          <a:bodyPr spcFirstLastPara="1" wrap="square" lIns="91425" tIns="91425" rIns="91425" bIns="91425" anchor="t" anchorCtr="0">
-            <a:normAutofit fontScale="90000"/>
-          </a:bodyPr>
-          <a:lstStyle/>
-          <a:p>
-            <a:pPr marL="0" lvl="0" indent="0" algn="l" rtl="0">
-              <a:spcBef>
-                <a:spcPts val="0"/>
-              </a:spcBef>
-              <a:spcAft>
-                <a:spcPts val="0"/>
-              </a:spcAft>
-              <a:buClr>
-                <a:schemeClr val="dk2"/>
-              </a:buClr>
-              <a:buSzPts val="990"/>
-              <a:buFont typeface="Arial"/>
-              <a:buNone/>
-            </a:pPr>
-            <a:r>
-              <a:rPr lang="en"/>
-              <a:t>Motivation</a:t>
-            </a:r>
-            <a:endParaRPr/>
-          </a:p>
-          <a:p>
-            <a:pPr marL="0" lvl="0" indent="0" algn="l" rtl="0">
-              <a:spcBef>
-                <a:spcPts val="0"/>
-              </a:spcBef>
-              <a:spcAft>
-                <a:spcPts val="0"/>
-              </a:spcAft>
-              <a:buClr>
-                <a:schemeClr val="dk2"/>
-              </a:buClr>
-              <a:buSzPts val="990"/>
-              <a:buFont typeface="Arial"/>
-              <a:buNone/>
-            </a:pPr>
-            <a:endParaRPr/>
-          </a:p>
-          <a:p>
-            <a:pPr marL="0" lvl="0" indent="0" algn="l" rtl="0">
-              <a:spcBef>
-                <a:spcPts val="0"/>
-              </a:spcBef>
-              <a:spcAft>
-                <a:spcPts val="0"/>
-              </a:spcAft>
-              <a:buNone/>
-            </a:pPr>
-            <a:endParaRPr/>
-          </a:p>
-        </p:txBody>
-      </p:sp>
-      <p:sp>
-        <p:nvSpPr>
-          <p:cNvPr id="100" name="Google Shape;100;p17"/>
-          <p:cNvSpPr txBox="1">
-            <a:spLocks noGrp="1"/>
-          </p:cNvSpPr>
-          <p:nvPr>
-            <p:ph type="subTitle" idx="1"/>
-          </p:nvPr>
-        </p:nvSpPr>
-        <p:spPr>
-          <a:xfrm>
-            <a:off x="2390275" y="1629150"/>
-            <a:ext cx="6331500" cy="2955300"/>
-          </a:xfrm>
-          <a:prstGeom prst="rect">
-            <a:avLst/>
-          </a:prstGeom>
-        </p:spPr>
-        <p:txBody>
-          <a:bodyPr spcFirstLastPara="1" wrap="square" lIns="91425" tIns="91425" rIns="91425" bIns="91425" anchor="b" anchorCtr="0">
-            <a:spAutoFit/>
-          </a:bodyPr>
-          <a:lstStyle/>
-          <a:p>
-            <a:pPr marL="457200" lvl="0" indent="-355600" algn="l" rtl="0">
-              <a:spcBef>
-                <a:spcPts val="0"/>
-              </a:spcBef>
-              <a:spcAft>
-                <a:spcPts val="0"/>
-              </a:spcAft>
-              <a:buSzPts val="2000"/>
-              <a:buFont typeface="Oswald"/>
-              <a:buChar char="●"/>
-            </a:pPr>
-            <a:r>
-              <a:rPr lang="en" sz="2000">
-                <a:latin typeface="Oswald"/>
-                <a:ea typeface="Oswald"/>
-                <a:cs typeface="Oswald"/>
-                <a:sym typeface="Oswald"/>
-              </a:rPr>
-              <a:t>The motivation behind Lingolizard is to provide a new approach to practice language that is more engaging and practical.</a:t>
-            </a:r>
-            <a:endParaRPr sz="2000">
-              <a:latin typeface="Oswald"/>
-              <a:ea typeface="Oswald"/>
-              <a:cs typeface="Oswald"/>
-              <a:sym typeface="Oswald"/>
-            </a:endParaRPr>
-          </a:p>
-          <a:p>
-            <a:pPr marL="457200" lvl="0" indent="-355600" algn="l" rtl="0">
-              <a:spcBef>
-                <a:spcPts val="0"/>
-              </a:spcBef>
-              <a:spcAft>
-                <a:spcPts val="0"/>
-              </a:spcAft>
-              <a:buSzPts val="2000"/>
-              <a:buFont typeface="Oswald"/>
-              <a:buChar char="●"/>
-            </a:pPr>
-            <a:r>
-              <a:rPr lang="en" sz="2000">
-                <a:latin typeface="Oswald"/>
-                <a:ea typeface="Oswald"/>
-                <a:cs typeface="Oswald"/>
-                <a:sym typeface="Oswald"/>
-              </a:rPr>
-              <a:t>For many people the school based method of learning languages is either not affordable or not effective for them. </a:t>
-            </a:r>
-            <a:endParaRPr sz="2000">
-              <a:latin typeface="Oswald"/>
-              <a:ea typeface="Oswald"/>
-              <a:cs typeface="Oswald"/>
-              <a:sym typeface="Oswald"/>
-            </a:endParaRPr>
-          </a:p>
-          <a:p>
-            <a:pPr marL="457200" lvl="0" indent="-355600" algn="l" rtl="0">
-              <a:spcBef>
-                <a:spcPts val="0"/>
-              </a:spcBef>
-              <a:spcAft>
-                <a:spcPts val="0"/>
-              </a:spcAft>
-              <a:buSzPts val="2000"/>
-              <a:buFont typeface="Oswald"/>
-              <a:buChar char="●"/>
-            </a:pPr>
-            <a:r>
-              <a:rPr lang="en" sz="2000">
-                <a:latin typeface="Oswald"/>
-                <a:ea typeface="Oswald"/>
-                <a:cs typeface="Oswald"/>
-                <a:sym typeface="Oswald"/>
-              </a:rPr>
-              <a:t>LingoLizard is a tool they can use to get that immersive experience if they do not know a native speaker.</a:t>
-            </a:r>
-            <a:endParaRPr sz="2000">
-              <a:latin typeface="Oswald"/>
-              <a:ea typeface="Oswald"/>
-              <a:cs typeface="Oswald"/>
-              <a:sym typeface="Oswald"/>
-            </a:endParaRPr>
-          </a:p>
-          <a:p>
-            <a:pPr marL="0" lvl="0" indent="0" algn="l" rtl="0">
-              <a:spcBef>
-                <a:spcPts val="0"/>
-              </a:spcBef>
-              <a:spcAft>
-                <a:spcPts val="0"/>
-              </a:spcAft>
-              <a:buNone/>
-            </a:pPr>
-            <a:endParaRPr sz="2000">
-              <a:latin typeface="Oswald"/>
-              <a:ea typeface="Oswald"/>
-              <a:cs typeface="Oswald"/>
-              <a:sym typeface="Oswald"/>
-            </a:endParaRPr>
-          </a:p>
-          <a:p>
-            <a:pPr marL="0" lvl="0" indent="0" algn="l" rtl="0">
-              <a:spcBef>
-                <a:spcPts val="0"/>
-              </a:spcBef>
-              <a:spcAft>
-                <a:spcPts val="0"/>
-              </a:spcAft>
-              <a:buNone/>
-            </a:pPr>
-            <a:endParaRPr sz="2000">
-              <a:latin typeface="Oswald"/>
-              <a:ea typeface="Oswald"/>
-              <a:cs typeface="Oswald"/>
-              <a:sym typeface="Oswald"/>
-            </a:endParaRPr>
-          </a:p>
-        </p:txBody>
-      </p:sp>
-    </p:spTree>
-  </p:cSld>
-  <p:clrMapOvr>
-    <a:masterClrMapping/>
-  </p:clrMapOvr>
-</p:sld>
-</file>
-
-<file path=ppt/slides/slide6.xml><?xml version="1.0" encoding="utf-8"?>
-<p:sld xmlns:a="http://schemas.openxmlformats.org/drawingml/2006/main" xmlns:r="http://schemas.openxmlformats.org/officeDocument/2006/relationships" xmlns:p="http://schemas.openxmlformats.org/presentationml/2006/main">
-  <p:cSld>
-    <p:bg>
-      <p:bgPr>
-        <a:gradFill>
-          <a:gsLst>
-            <a:gs pos="0">
-              <a:schemeClr val="accent3"/>
-            </a:gs>
-            <a:gs pos="100000">
-              <a:schemeClr val="dk1"/>
-            </a:gs>
-          </a:gsLst>
-          <a:lin ang="5400012" scaled="0"/>
-        </a:gradFill>
-        <a:effectLst/>
-      </p:bgPr>
-    </p:bg>
-    <p:spTree>
-      <p:nvGrpSpPr>
-        <p:cNvPr id="1" name="Shape 104"/>
-        <p:cNvGrpSpPr/>
-        <p:nvPr/>
-      </p:nvGrpSpPr>
-      <p:grpSpPr>
-        <a:xfrm>
-          <a:off x="0" y="0"/>
-          <a:ext cx="0" cy="0"/>
-          <a:chOff x="0" y="0"/>
-          <a:chExt cx="0" cy="0"/>
-        </a:xfrm>
-      </p:grpSpPr>
-      <p:sp>
-        <p:nvSpPr>
-          <p:cNvPr id="105" name="Google Shape;105;p18"/>
-          <p:cNvSpPr txBox="1">
-            <a:spLocks noGrp="1"/>
-          </p:cNvSpPr>
-          <p:nvPr>
-            <p:ph type="ctrTitle"/>
-          </p:nvPr>
-        </p:nvSpPr>
-        <p:spPr>
-          <a:xfrm>
-            <a:off x="2371725" y="630225"/>
-            <a:ext cx="6331500" cy="905400"/>
-          </a:xfrm>
-          <a:prstGeom prst="rect">
-            <a:avLst/>
-          </a:prstGeom>
-        </p:spPr>
-        <p:txBody>
-          <a:bodyPr spcFirstLastPara="1" wrap="square" lIns="91425" tIns="91425" rIns="91425" bIns="91425" anchor="t" anchorCtr="0">
-            <a:normAutofit fontScale="90000"/>
-          </a:bodyPr>
-          <a:lstStyle/>
-          <a:p>
-            <a:pPr marL="0" lvl="0" indent="0" algn="l" rtl="0">
-              <a:spcBef>
-                <a:spcPts val="0"/>
-              </a:spcBef>
-              <a:spcAft>
-                <a:spcPts val="0"/>
-              </a:spcAft>
-              <a:buClr>
-                <a:schemeClr val="dk2"/>
-              </a:buClr>
-              <a:buSzPts val="990"/>
-              <a:buFont typeface="Arial"/>
-              <a:buNone/>
-            </a:pPr>
-            <a:r>
-              <a:rPr lang="en"/>
-              <a:t>Technologies</a:t>
-            </a:r>
-            <a:endParaRPr/>
-          </a:p>
-          <a:p>
-            <a:pPr marL="0" lvl="0" indent="0" algn="l" rtl="0">
-              <a:spcBef>
-                <a:spcPts val="0"/>
-              </a:spcBef>
-              <a:spcAft>
-                <a:spcPts val="0"/>
-              </a:spcAft>
-              <a:buClr>
-                <a:schemeClr val="dk2"/>
-              </a:buClr>
-              <a:buSzPts val="990"/>
-              <a:buFont typeface="Arial"/>
-              <a:buNone/>
-            </a:pPr>
-            <a:endParaRPr/>
-          </a:p>
-          <a:p>
-            <a:pPr marL="0" lvl="0" indent="0" algn="l" rtl="0">
-              <a:spcBef>
-                <a:spcPts val="0"/>
-              </a:spcBef>
-              <a:spcAft>
-                <a:spcPts val="0"/>
-              </a:spcAft>
-              <a:buNone/>
-            </a:pPr>
-            <a:endParaRPr/>
-          </a:p>
-        </p:txBody>
-      </p:sp>
-      <p:sp>
-        <p:nvSpPr>
-          <p:cNvPr id="106" name="Google Shape;106;p18"/>
-          <p:cNvSpPr txBox="1">
-            <a:spLocks noGrp="1"/>
-          </p:cNvSpPr>
-          <p:nvPr>
-            <p:ph type="subTitle" idx="1"/>
-          </p:nvPr>
-        </p:nvSpPr>
-        <p:spPr>
-          <a:xfrm>
-            <a:off x="2390275" y="1629150"/>
-            <a:ext cx="6331500" cy="2955300"/>
-          </a:xfrm>
-          <a:prstGeom prst="rect">
-            <a:avLst/>
-          </a:prstGeom>
-        </p:spPr>
-        <p:txBody>
-          <a:bodyPr spcFirstLastPara="1" wrap="square" lIns="91425" tIns="91425" rIns="91425" bIns="91425" anchor="b" anchorCtr="0">
-            <a:spAutoFit/>
-          </a:bodyPr>
-          <a:lstStyle/>
-          <a:p>
-            <a:pPr marL="457200" lvl="0" indent="-355600" algn="l" rtl="0">
-              <a:spcBef>
-                <a:spcPts val="0"/>
-              </a:spcBef>
-              <a:spcAft>
-                <a:spcPts val="0"/>
-              </a:spcAft>
-              <a:buSzPts val="2000"/>
-              <a:buFont typeface="Oswald"/>
-              <a:buChar char="●"/>
-            </a:pPr>
-            <a:r>
-              <a:rPr lang="en" sz="2000" b="1">
-                <a:latin typeface="Oswald"/>
-                <a:ea typeface="Oswald"/>
-                <a:cs typeface="Oswald"/>
-                <a:sym typeface="Oswald"/>
-              </a:rPr>
-              <a:t>Rasa </a:t>
-            </a:r>
-            <a:r>
-              <a:rPr lang="en" sz="2000">
-                <a:latin typeface="Oswald"/>
-                <a:ea typeface="Oswald"/>
-                <a:cs typeface="Oswald"/>
-                <a:sym typeface="Oswald"/>
-              </a:rPr>
-              <a:t>is used to build and manage intelligent conversational systems</a:t>
-            </a:r>
-            <a:endParaRPr sz="2000">
-              <a:latin typeface="Oswald"/>
-              <a:ea typeface="Oswald"/>
-              <a:cs typeface="Oswald"/>
-              <a:sym typeface="Oswald"/>
-            </a:endParaRPr>
-          </a:p>
-          <a:p>
-            <a:pPr marL="457200" lvl="0" indent="-355600" algn="l" rtl="0">
-              <a:spcBef>
-                <a:spcPts val="0"/>
-              </a:spcBef>
-              <a:spcAft>
-                <a:spcPts val="0"/>
-              </a:spcAft>
-              <a:buSzPts val="2000"/>
-              <a:buFont typeface="Oswald"/>
-              <a:buChar char="●"/>
-            </a:pPr>
-            <a:r>
-              <a:rPr lang="en" sz="2000">
-                <a:latin typeface="Oswald"/>
-                <a:ea typeface="Oswald"/>
-                <a:cs typeface="Oswald"/>
-                <a:sym typeface="Oswald"/>
-              </a:rPr>
-              <a:t>It also has built-in Natural Language Understanding (NLU) capabilities that understand user intents and extract information.</a:t>
-            </a:r>
-            <a:endParaRPr sz="2000">
-              <a:latin typeface="Oswald"/>
-              <a:ea typeface="Oswald"/>
-              <a:cs typeface="Oswald"/>
-              <a:sym typeface="Oswald"/>
-            </a:endParaRPr>
-          </a:p>
-          <a:p>
-            <a:pPr marL="457200" lvl="0" indent="-355600" algn="l" rtl="0">
-              <a:spcBef>
-                <a:spcPts val="0"/>
-              </a:spcBef>
-              <a:spcAft>
-                <a:spcPts val="0"/>
-              </a:spcAft>
-              <a:buSzPts val="2000"/>
-              <a:buFont typeface="Oswald"/>
-              <a:buChar char="●"/>
-            </a:pPr>
-            <a:r>
-              <a:rPr lang="en" sz="2000" b="1">
-                <a:latin typeface="Oswald"/>
-                <a:ea typeface="Oswald"/>
-                <a:cs typeface="Oswald"/>
-                <a:sym typeface="Oswald"/>
-              </a:rPr>
-              <a:t>DeepTranslator</a:t>
-            </a:r>
-            <a:r>
-              <a:rPr lang="en" sz="2000">
-                <a:latin typeface="Oswald"/>
-                <a:ea typeface="Oswald"/>
-                <a:cs typeface="Oswald"/>
-                <a:sym typeface="Oswald"/>
-              </a:rPr>
-              <a:t> is a Python library that helps in translating text across multiple languages</a:t>
-            </a:r>
-            <a:endParaRPr sz="2000">
-              <a:latin typeface="Oswald"/>
-              <a:ea typeface="Oswald"/>
-              <a:cs typeface="Oswald"/>
-              <a:sym typeface="Oswald"/>
-            </a:endParaRPr>
-          </a:p>
-          <a:p>
-            <a:pPr marL="457200" lvl="0" indent="-355600" algn="l" rtl="0">
-              <a:spcBef>
-                <a:spcPts val="0"/>
-              </a:spcBef>
-              <a:spcAft>
-                <a:spcPts val="0"/>
-              </a:spcAft>
-              <a:buSzPts val="2000"/>
-              <a:buFont typeface="Oswald"/>
-              <a:buChar char="●"/>
-            </a:pPr>
-            <a:r>
-              <a:rPr lang="en" sz="2000">
-                <a:latin typeface="Oswald"/>
-                <a:ea typeface="Oswald"/>
-                <a:cs typeface="Oswald"/>
-                <a:sym typeface="Oswald"/>
-              </a:rPr>
-              <a:t>It allows the bot to respond in a preferred language, providing a personalised learning experience.</a:t>
-            </a:r>
-            <a:endParaRPr sz="2000">
-              <a:latin typeface="Oswald"/>
-              <a:ea typeface="Oswald"/>
-              <a:cs typeface="Oswald"/>
-              <a:sym typeface="Oswald"/>
-            </a:endParaRPr>
-          </a:p>
-        </p:txBody>
-      </p:sp>
-      <p:pic>
-        <p:nvPicPr>
-          <p:cNvPr id="107" name="Google Shape;107;p18"/>
-          <p:cNvPicPr preferRelativeResize="0"/>
-          <p:nvPr/>
-        </p:nvPicPr>
-        <p:blipFill>
-          <a:blip r:embed="rId3">
-            <a:alphaModFix/>
-          </a:blip>
-          <a:stretch>
-            <a:fillRect/>
-          </a:stretch>
-        </p:blipFill>
-        <p:spPr>
-          <a:xfrm>
-            <a:off x="152400" y="725700"/>
-            <a:ext cx="2038350" cy="1485900"/>
-          </a:xfrm>
-          <a:prstGeom prst="rect">
-            <a:avLst/>
-          </a:prstGeom>
-          <a:noFill/>
-          <a:ln>
-            <a:noFill/>
-          </a:ln>
-        </p:spPr>
-      </p:pic>
-      <p:pic>
-        <p:nvPicPr>
-          <p:cNvPr id="108" name="Google Shape;108;p18"/>
-          <p:cNvPicPr preferRelativeResize="0"/>
-          <p:nvPr/>
-        </p:nvPicPr>
-        <p:blipFill>
-          <a:blip r:embed="rId4">
-            <a:alphaModFix/>
-          </a:blip>
-          <a:stretch>
-            <a:fillRect/>
-          </a:stretch>
-        </p:blipFill>
-        <p:spPr>
-          <a:xfrm>
-            <a:off x="152400" y="2364000"/>
-            <a:ext cx="2038350" cy="2238375"/>
-          </a:xfrm>
-          <a:prstGeom prst="rect">
-            <a:avLst/>
-          </a:prstGeom>
-          <a:noFill/>
-          <a:ln>
-            <a:noFill/>
-          </a:ln>
-        </p:spPr>
-      </p:pic>
-    </p:spTree>
-  </p:cSld>
-  <p:clrMapOvr>
-    <a:masterClrMapping/>
-  </p:clrMapOvr>
-</p:sld>
-</file>
-
-<file path=ppt/slides/slide7.xml><?xml version="1.0" encoding="utf-8"?>
-<p:sld xmlns:a="http://schemas.openxmlformats.org/drawingml/2006/main" xmlns:r="http://schemas.openxmlformats.org/officeDocument/2006/relationships" xmlns:p="http://schemas.openxmlformats.org/presentationml/2006/main">
-  <p:cSld>
-    <p:bg>
-      <p:bgPr>
-        <a:gradFill>
-          <a:gsLst>
-            <a:gs pos="0">
-              <a:schemeClr val="accent3"/>
-            </a:gs>
-            <a:gs pos="100000">
-              <a:schemeClr val="dk1"/>
-            </a:gs>
-          </a:gsLst>
-          <a:lin ang="5400012" scaled="0"/>
-        </a:gradFill>
-        <a:effectLst/>
-      </p:bgPr>
-    </p:bg>
-    <p:spTree>
-      <p:nvGrpSpPr>
-        <p:cNvPr id="1" name="Shape 112"/>
-        <p:cNvGrpSpPr/>
-        <p:nvPr/>
-      </p:nvGrpSpPr>
-      <p:grpSpPr>
-        <a:xfrm>
-          <a:off x="0" y="0"/>
-          <a:ext cx="0" cy="0"/>
-          <a:chOff x="0" y="0"/>
-          <a:chExt cx="0" cy="0"/>
-        </a:xfrm>
-      </p:grpSpPr>
-      <p:sp>
-        <p:nvSpPr>
-          <p:cNvPr id="113" name="Google Shape;113;p19"/>
-          <p:cNvSpPr txBox="1">
-            <a:spLocks noGrp="1"/>
-          </p:cNvSpPr>
-          <p:nvPr>
-            <p:ph type="ctrTitle"/>
-          </p:nvPr>
-        </p:nvSpPr>
-        <p:spPr>
-          <a:xfrm>
-            <a:off x="2371725" y="630225"/>
-            <a:ext cx="6331500" cy="905400"/>
-          </a:xfrm>
-          <a:prstGeom prst="rect">
-            <a:avLst/>
-          </a:prstGeom>
-        </p:spPr>
-        <p:txBody>
-          <a:bodyPr spcFirstLastPara="1" wrap="square" lIns="91425" tIns="91425" rIns="91425" bIns="91425" anchor="t" anchorCtr="0">
-            <a:normAutofit fontScale="90000"/>
-          </a:bodyPr>
-          <a:lstStyle/>
-          <a:p>
-            <a:pPr marL="0" lvl="0" indent="0" algn="l" rtl="0">
-              <a:spcBef>
-                <a:spcPts val="0"/>
-              </a:spcBef>
-              <a:spcAft>
-                <a:spcPts val="0"/>
-              </a:spcAft>
-              <a:buClr>
-                <a:schemeClr val="dk2"/>
-              </a:buClr>
-              <a:buSzPts val="990"/>
-              <a:buFont typeface="Arial"/>
-              <a:buNone/>
-            </a:pPr>
-            <a:r>
-              <a:rPr lang="en"/>
-              <a:t>Features</a:t>
-            </a:r>
-            <a:endParaRPr/>
-          </a:p>
-          <a:p>
-            <a:pPr marL="0" lvl="0" indent="0" algn="l" rtl="0">
-              <a:spcBef>
-                <a:spcPts val="0"/>
-              </a:spcBef>
-              <a:spcAft>
-                <a:spcPts val="0"/>
-              </a:spcAft>
-              <a:buClr>
-                <a:schemeClr val="dk2"/>
-              </a:buClr>
-              <a:buSzPts val="990"/>
-              <a:buFont typeface="Arial"/>
-              <a:buNone/>
-            </a:pPr>
-            <a:endParaRPr/>
-          </a:p>
-          <a:p>
-            <a:pPr marL="0" lvl="0" indent="0" algn="l" rtl="0">
-              <a:spcBef>
-                <a:spcPts val="0"/>
-              </a:spcBef>
-              <a:spcAft>
-                <a:spcPts val="0"/>
-              </a:spcAft>
-              <a:buNone/>
-            </a:pPr>
-            <a:endParaRPr/>
-          </a:p>
-        </p:txBody>
-      </p:sp>
-      <p:sp>
-        <p:nvSpPr>
-          <p:cNvPr id="114" name="Google Shape;114;p19"/>
-          <p:cNvSpPr txBox="1">
-            <a:spLocks noGrp="1"/>
-          </p:cNvSpPr>
-          <p:nvPr>
-            <p:ph type="subTitle" idx="1"/>
-          </p:nvPr>
-        </p:nvSpPr>
-        <p:spPr>
-          <a:xfrm>
-            <a:off x="2371725" y="1436750"/>
-            <a:ext cx="6331500" cy="3879000"/>
-          </a:xfrm>
-          <a:prstGeom prst="rect">
-            <a:avLst/>
-          </a:prstGeom>
-        </p:spPr>
-        <p:txBody>
-          <a:bodyPr spcFirstLastPara="1" wrap="square" lIns="91425" tIns="91425" rIns="91425" bIns="91425" anchor="b" anchorCtr="0">
-            <a:spAutoFit/>
-          </a:bodyPr>
-          <a:lstStyle/>
-          <a:p>
-            <a:pPr marL="457200" lvl="0" indent="-355600" algn="l" rtl="0">
-              <a:spcBef>
-                <a:spcPts val="0"/>
-              </a:spcBef>
-              <a:spcAft>
-                <a:spcPts val="0"/>
-              </a:spcAft>
-              <a:buSzPts val="2000"/>
-              <a:buFont typeface="Oswald"/>
-              <a:buChar char="●"/>
-            </a:pPr>
-            <a:r>
-              <a:rPr lang="en" sz="2000">
-                <a:latin typeface="Oswald"/>
-                <a:ea typeface="Oswald"/>
-                <a:cs typeface="Oswald"/>
-                <a:sym typeface="Oswald"/>
-              </a:rPr>
-              <a:t>Many supported languages for wide audience</a:t>
-            </a:r>
-            <a:endParaRPr sz="2000">
-              <a:latin typeface="Oswald"/>
-              <a:ea typeface="Oswald"/>
-              <a:cs typeface="Oswald"/>
-              <a:sym typeface="Oswald"/>
-            </a:endParaRPr>
-          </a:p>
-          <a:p>
-            <a:pPr marL="914400" lvl="0" indent="0" algn="l" rtl="0">
-              <a:spcBef>
-                <a:spcPts val="0"/>
-              </a:spcBef>
-              <a:spcAft>
-                <a:spcPts val="0"/>
-              </a:spcAft>
-              <a:buNone/>
-            </a:pPr>
-            <a:endParaRPr sz="2000">
-              <a:latin typeface="Oswald"/>
-              <a:ea typeface="Oswald"/>
-              <a:cs typeface="Oswald"/>
-              <a:sym typeface="Oswald"/>
-            </a:endParaRPr>
-          </a:p>
-          <a:p>
-            <a:pPr marL="457200" lvl="0" indent="-355600" algn="l" rtl="0">
-              <a:spcBef>
-                <a:spcPts val="0"/>
-              </a:spcBef>
-              <a:spcAft>
-                <a:spcPts val="0"/>
-              </a:spcAft>
-              <a:buSzPts val="2000"/>
-              <a:buFont typeface="Oswald"/>
-              <a:buChar char="●"/>
-            </a:pPr>
-            <a:r>
-              <a:rPr lang="en" sz="2000">
-                <a:latin typeface="Oswald"/>
-                <a:ea typeface="Oswald"/>
-                <a:cs typeface="Oswald"/>
-                <a:sym typeface="Oswald"/>
-              </a:rPr>
-              <a:t>Gamified features such as streaks, leaderboard and points</a:t>
-            </a:r>
-            <a:br>
-              <a:rPr lang="en" sz="2000">
-                <a:latin typeface="Oswald"/>
-                <a:ea typeface="Oswald"/>
-                <a:cs typeface="Oswald"/>
-                <a:sym typeface="Oswald"/>
-              </a:rPr>
-            </a:br>
-            <a:endParaRPr sz="2000">
-              <a:latin typeface="Oswald"/>
-              <a:ea typeface="Oswald"/>
-              <a:cs typeface="Oswald"/>
-              <a:sym typeface="Oswald"/>
-            </a:endParaRPr>
-          </a:p>
-          <a:p>
-            <a:pPr marL="457200" lvl="0" indent="-355600" algn="l" rtl="0">
-              <a:spcBef>
-                <a:spcPts val="0"/>
-              </a:spcBef>
-              <a:spcAft>
-                <a:spcPts val="0"/>
-              </a:spcAft>
-              <a:buSzPts val="2000"/>
-              <a:buFont typeface="Oswald"/>
-              <a:buChar char="●"/>
-            </a:pPr>
-            <a:r>
-              <a:rPr lang="en" sz="2000">
-                <a:latin typeface="Oswald"/>
-                <a:ea typeface="Oswald"/>
-                <a:cs typeface="Oswald"/>
-                <a:sym typeface="Oswald"/>
-              </a:rPr>
-              <a:t>Provide real time conversation type lessons and corrections</a:t>
-            </a:r>
-            <a:br>
-              <a:rPr lang="en" sz="2000">
-                <a:latin typeface="Oswald"/>
-                <a:ea typeface="Oswald"/>
-                <a:cs typeface="Oswald"/>
-                <a:sym typeface="Oswald"/>
-              </a:rPr>
-            </a:br>
-            <a:endParaRPr sz="2000">
-              <a:latin typeface="Oswald"/>
-              <a:ea typeface="Oswald"/>
-              <a:cs typeface="Oswald"/>
-              <a:sym typeface="Oswald"/>
-            </a:endParaRPr>
-          </a:p>
-          <a:p>
-            <a:pPr marL="457200" lvl="0" indent="-355600" algn="l" rtl="0">
-              <a:spcBef>
-                <a:spcPts val="0"/>
-              </a:spcBef>
-              <a:spcAft>
-                <a:spcPts val="0"/>
-              </a:spcAft>
-              <a:buSzPts val="2000"/>
-              <a:buFont typeface="Oswald"/>
-              <a:buChar char="●"/>
-            </a:pPr>
-            <a:r>
-              <a:rPr lang="en" sz="2000">
-                <a:latin typeface="Oswald"/>
-                <a:ea typeface="Oswald"/>
-                <a:cs typeface="Oswald"/>
-                <a:sym typeface="Oswald"/>
-              </a:rPr>
-              <a:t>Provide reminders and notifications to users</a:t>
-            </a:r>
-            <a:endParaRPr sz="2000">
-              <a:latin typeface="Oswald"/>
-              <a:ea typeface="Oswald"/>
-              <a:cs typeface="Oswald"/>
-              <a:sym typeface="Oswald"/>
-            </a:endParaRPr>
-          </a:p>
-          <a:p>
-            <a:pPr marL="457200" lvl="0" indent="0" algn="l" rtl="0">
-              <a:spcBef>
-                <a:spcPts val="0"/>
-              </a:spcBef>
-              <a:spcAft>
-                <a:spcPts val="0"/>
-              </a:spcAft>
-              <a:buNone/>
-            </a:pPr>
-            <a:endParaRPr sz="2000">
-              <a:latin typeface="Oswald"/>
-              <a:ea typeface="Oswald"/>
-              <a:cs typeface="Oswald"/>
-              <a:sym typeface="Oswald"/>
-            </a:endParaRPr>
-          </a:p>
-          <a:p>
-            <a:pPr marL="457200" lvl="0" indent="-355600" algn="l" rtl="0">
-              <a:spcBef>
-                <a:spcPts val="0"/>
-              </a:spcBef>
-              <a:spcAft>
-                <a:spcPts val="0"/>
-              </a:spcAft>
-              <a:buSzPts val="2000"/>
-              <a:buFont typeface="Oswald"/>
-              <a:buChar char="●"/>
-            </a:pPr>
-            <a:r>
-              <a:rPr lang="en" sz="2000">
-                <a:latin typeface="Oswald"/>
-                <a:ea typeface="Oswald"/>
-                <a:cs typeface="Oswald"/>
-                <a:sym typeface="Oswald"/>
-              </a:rPr>
-              <a:t>LingoLizard will be hosted on the web, making it accessible to users worldwide.</a:t>
-            </a:r>
-            <a:endParaRPr sz="2000">
-              <a:latin typeface="Oswald"/>
-              <a:ea typeface="Oswald"/>
-              <a:cs typeface="Oswald"/>
-              <a:sym typeface="Oswald"/>
-            </a:endParaRPr>
-          </a:p>
-          <a:p>
-            <a:pPr marL="0" lvl="0" indent="0" algn="l" rtl="0">
-              <a:spcBef>
-                <a:spcPts val="0"/>
-              </a:spcBef>
-              <a:spcAft>
-                <a:spcPts val="0"/>
-              </a:spcAft>
-              <a:buNone/>
-            </a:pPr>
-            <a:endParaRPr sz="2000">
-              <a:latin typeface="Oswald"/>
-              <a:ea typeface="Oswald"/>
-              <a:cs typeface="Oswald"/>
-              <a:sym typeface="Oswald"/>
-            </a:endParaRPr>
-          </a:p>
-          <a:p>
-            <a:pPr marL="0" lvl="0" indent="0" algn="l" rtl="0">
-              <a:spcBef>
-                <a:spcPts val="0"/>
-              </a:spcBef>
-              <a:spcAft>
-                <a:spcPts val="0"/>
-              </a:spcAft>
-              <a:buNone/>
-            </a:pPr>
-            <a:endParaRPr sz="2000">
-              <a:latin typeface="Oswald"/>
-              <a:ea typeface="Oswald"/>
-              <a:cs typeface="Oswald"/>
-              <a:sym typeface="Oswald"/>
-            </a:endParaRPr>
-          </a:p>
-        </p:txBody>
-      </p:sp>
-    </p:spTree>
-  </p:cSld>
-  <p:clrMapOvr>
-    <a:masterClrMapping/>
-  </p:clrMapOvr>
-</p:sld>
-</file>
-
-<file path=ppt/slides/slide8.xml><?xml version="1.0" encoding="utf-8"?>
-<p:sld xmlns:a="http://schemas.openxmlformats.org/drawingml/2006/main" xmlns:r="http://schemas.openxmlformats.org/officeDocument/2006/relationships" xmlns:p="http://schemas.openxmlformats.org/presentationml/2006/main">
-  <p:cSld>
-    <p:bg>
-      <p:bgPr>
-        <a:gradFill>
-          <a:gsLst>
-            <a:gs pos="0">
-              <a:schemeClr val="accent3"/>
-            </a:gs>
-            <a:gs pos="100000">
-              <a:schemeClr val="dk1"/>
-            </a:gs>
-          </a:gsLst>
-          <a:lin ang="5400012" scaled="0"/>
-        </a:gradFill>
-        <a:effectLst/>
-      </p:bgPr>
-    </p:bg>
-    <p:spTree>
-      <p:nvGrpSpPr>
-        <p:cNvPr id="1" name="Shape 118"/>
-        <p:cNvGrpSpPr/>
-        <p:nvPr/>
-      </p:nvGrpSpPr>
-      <p:grpSpPr>
-        <a:xfrm>
-          <a:off x="0" y="0"/>
-          <a:ext cx="0" cy="0"/>
-          <a:chOff x="0" y="0"/>
-          <a:chExt cx="0" cy="0"/>
-        </a:xfrm>
-      </p:grpSpPr>
-      <p:sp>
-        <p:nvSpPr>
-          <p:cNvPr id="119" name="Google Shape;119;p20"/>
-          <p:cNvSpPr txBox="1">
-            <a:spLocks noGrp="1"/>
-          </p:cNvSpPr>
-          <p:nvPr>
-            <p:ph type="ctrTitle"/>
-          </p:nvPr>
-        </p:nvSpPr>
-        <p:spPr>
-          <a:xfrm>
-            <a:off x="2371725" y="630225"/>
-            <a:ext cx="6331500" cy="905400"/>
-          </a:xfrm>
-          <a:prstGeom prst="rect">
-            <a:avLst/>
-          </a:prstGeom>
-        </p:spPr>
-        <p:txBody>
-          <a:bodyPr spcFirstLastPara="1" wrap="square" lIns="91425" tIns="91425" rIns="91425" bIns="91425" anchor="t" anchorCtr="0">
-            <a:normAutofit fontScale="90000"/>
-          </a:bodyPr>
-          <a:lstStyle/>
-          <a:p>
-            <a:pPr marL="0" lvl="0" indent="0" algn="l" rtl="0">
-              <a:spcBef>
-                <a:spcPts val="0"/>
-              </a:spcBef>
-              <a:spcAft>
-                <a:spcPts val="0"/>
-              </a:spcAft>
-              <a:buClr>
-                <a:schemeClr val="dk2"/>
-              </a:buClr>
-              <a:buSzPts val="990"/>
-              <a:buFont typeface="Arial"/>
-              <a:buNone/>
-            </a:pPr>
-            <a:r>
-              <a:rPr lang="en"/>
-              <a:t>Related Work Analysis</a:t>
-            </a:r>
-            <a:endParaRPr/>
-          </a:p>
-          <a:p>
-            <a:pPr marL="0" lvl="0" indent="0" algn="l" rtl="0">
-              <a:spcBef>
-                <a:spcPts val="0"/>
-              </a:spcBef>
-              <a:spcAft>
-                <a:spcPts val="0"/>
-              </a:spcAft>
-              <a:buClr>
-                <a:schemeClr val="dk2"/>
-              </a:buClr>
-              <a:buSzPts val="990"/>
-              <a:buFont typeface="Arial"/>
-              <a:buNone/>
-            </a:pPr>
-            <a:endParaRPr/>
-          </a:p>
-          <a:p>
-            <a:pPr marL="0" lvl="0" indent="0" algn="l" rtl="0">
-              <a:spcBef>
-                <a:spcPts val="0"/>
-              </a:spcBef>
-              <a:spcAft>
-                <a:spcPts val="0"/>
-              </a:spcAft>
-              <a:buNone/>
-            </a:pPr>
-            <a:endParaRPr/>
-          </a:p>
-        </p:txBody>
-      </p:sp>
-      <p:sp>
-        <p:nvSpPr>
-          <p:cNvPr id="120" name="Google Shape;120;p20"/>
-          <p:cNvSpPr txBox="1">
-            <a:spLocks noGrp="1"/>
-          </p:cNvSpPr>
-          <p:nvPr>
-            <p:ph type="subTitle" idx="1"/>
-          </p:nvPr>
-        </p:nvSpPr>
-        <p:spPr>
-          <a:xfrm>
-            <a:off x="2789025" y="1629150"/>
-            <a:ext cx="5932800" cy="2955300"/>
-          </a:xfrm>
-          <a:prstGeom prst="rect">
-            <a:avLst/>
-          </a:prstGeom>
-        </p:spPr>
-        <p:txBody>
-          <a:bodyPr spcFirstLastPara="1" wrap="square" lIns="91425" tIns="91425" rIns="91425" bIns="91425" anchor="b" anchorCtr="0">
-            <a:spAutoFit/>
-          </a:bodyPr>
-          <a:lstStyle/>
-          <a:p>
-            <a:pPr marL="0" lvl="0" indent="0" algn="l" rtl="0">
-              <a:spcBef>
-                <a:spcPts val="0"/>
-              </a:spcBef>
-              <a:spcAft>
-                <a:spcPts val="0"/>
-              </a:spcAft>
-              <a:buNone/>
-            </a:pPr>
-            <a:r>
-              <a:rPr lang="en" sz="2000">
-                <a:latin typeface="Oswald"/>
-                <a:ea typeface="Oswald"/>
-                <a:cs typeface="Oswald"/>
-                <a:sym typeface="Oswald"/>
-              </a:rPr>
-              <a:t>Duolingo: offers gamified method to learn languages but is limited to basic phrases and grammar while Lingo lizard will have real time conversations.</a:t>
-            </a:r>
-            <a:endParaRPr sz="2000">
-              <a:latin typeface="Oswald"/>
-              <a:ea typeface="Oswald"/>
-              <a:cs typeface="Oswald"/>
-              <a:sym typeface="Oswald"/>
-            </a:endParaRPr>
-          </a:p>
-          <a:p>
-            <a:pPr marL="0" lvl="0" indent="0" algn="l" rtl="0">
-              <a:spcBef>
-                <a:spcPts val="0"/>
-              </a:spcBef>
-              <a:spcAft>
-                <a:spcPts val="0"/>
-              </a:spcAft>
-              <a:buNone/>
-            </a:pPr>
-            <a:endParaRPr sz="2000">
-              <a:latin typeface="Oswald"/>
-              <a:ea typeface="Oswald"/>
-              <a:cs typeface="Oswald"/>
-              <a:sym typeface="Oswald"/>
-            </a:endParaRPr>
-          </a:p>
-          <a:p>
-            <a:pPr marL="0" lvl="0" indent="0" algn="l" rtl="0">
-              <a:spcBef>
-                <a:spcPts val="0"/>
-              </a:spcBef>
-              <a:spcAft>
-                <a:spcPts val="0"/>
-              </a:spcAft>
-              <a:buNone/>
-            </a:pPr>
-            <a:r>
-              <a:rPr lang="en" sz="2000">
-                <a:latin typeface="Oswald"/>
-                <a:ea typeface="Oswald"/>
-                <a:cs typeface="Oswald"/>
-                <a:sym typeface="Oswald"/>
-              </a:rPr>
-              <a:t>HelloTalk: users practice languages with a native speaker where LingoLizard automates this without depending on others.</a:t>
-            </a:r>
-            <a:endParaRPr sz="2000">
-              <a:latin typeface="Oswald"/>
-              <a:ea typeface="Oswald"/>
-              <a:cs typeface="Oswald"/>
-              <a:sym typeface="Oswald"/>
-            </a:endParaRPr>
-          </a:p>
-          <a:p>
-            <a:pPr marL="0" lvl="0" indent="0" algn="l" rtl="0">
-              <a:spcBef>
-                <a:spcPts val="0"/>
-              </a:spcBef>
-              <a:spcAft>
-                <a:spcPts val="0"/>
-              </a:spcAft>
-              <a:buNone/>
-            </a:pPr>
-            <a:endParaRPr sz="2000">
-              <a:latin typeface="Oswald"/>
-              <a:ea typeface="Oswald"/>
-              <a:cs typeface="Oswald"/>
-              <a:sym typeface="Oswald"/>
-            </a:endParaRPr>
-          </a:p>
-          <a:p>
-            <a:pPr marL="0" lvl="0" indent="0" algn="l" rtl="0">
-              <a:spcBef>
-                <a:spcPts val="0"/>
-              </a:spcBef>
-              <a:spcAft>
-                <a:spcPts val="0"/>
-              </a:spcAft>
-              <a:buNone/>
-            </a:pPr>
-            <a:endParaRPr sz="2000">
-              <a:latin typeface="Oswald"/>
-              <a:ea typeface="Oswald"/>
-              <a:cs typeface="Oswald"/>
-              <a:sym typeface="Oswald"/>
-            </a:endParaRPr>
-          </a:p>
-        </p:txBody>
-      </p:sp>
-      <p:pic>
-        <p:nvPicPr>
-          <p:cNvPr id="121" name="Google Shape;121;p20"/>
-          <p:cNvPicPr preferRelativeResize="0"/>
-          <p:nvPr/>
-        </p:nvPicPr>
-        <p:blipFill>
-          <a:blip r:embed="rId3">
-            <a:alphaModFix/>
-          </a:blip>
-          <a:stretch>
-            <a:fillRect/>
-          </a:stretch>
-        </p:blipFill>
-        <p:spPr>
-          <a:xfrm>
-            <a:off x="250475" y="1615425"/>
-            <a:ext cx="1912640" cy="1912640"/>
-          </a:xfrm>
-          <a:prstGeom prst="rect">
-            <a:avLst/>
-          </a:prstGeom>
-          <a:noFill/>
-          <a:ln>
-            <a:noFill/>
-          </a:ln>
-        </p:spPr>
-      </p:pic>
-    </p:spTree>
-  </p:cSld>
-  <p:clrMapOvr>
-    <a:masterClrMapping/>
-  </p:clrMapOvr>
-</p:sld>
-</file>
-
-<file path=ppt/slides/slide9.xml><?xml version="1.0" encoding="utf-8"?>
-<p:sld xmlns:a="http://schemas.openxmlformats.org/drawingml/2006/main" xmlns:r="http://schemas.openxmlformats.org/officeDocument/2006/relationships" xmlns:p="http://schemas.openxmlformats.org/presentationml/2006/main">
-  <p:cSld>
-    <p:bg>
-      <p:bgPr>
-        <a:gradFill>
-          <a:gsLst>
-            <a:gs pos="0">
-              <a:schemeClr val="accent3"/>
-            </a:gs>
-            <a:gs pos="100000">
-              <a:schemeClr val="dk1"/>
-            </a:gs>
-          </a:gsLst>
-          <a:lin ang="5400012" scaled="0"/>
-        </a:gradFill>
-        <a:effectLst/>
-      </p:bgPr>
-    </p:bg>
-    <p:spTree>
-      <p:nvGrpSpPr>
-        <p:cNvPr id="1" name="Shape 125"/>
-        <p:cNvGrpSpPr/>
-        <p:nvPr/>
-      </p:nvGrpSpPr>
-      <p:grpSpPr>
-        <a:xfrm>
-          <a:off x="0" y="0"/>
-          <a:ext cx="0" cy="0"/>
-          <a:chOff x="0" y="0"/>
-          <a:chExt cx="0" cy="0"/>
-        </a:xfrm>
-      </p:grpSpPr>
-      <p:sp>
-        <p:nvSpPr>
-          <p:cNvPr id="126" name="Google Shape;126;p21"/>
-          <p:cNvSpPr txBox="1">
-            <a:spLocks noGrp="1"/>
-          </p:cNvSpPr>
-          <p:nvPr>
-            <p:ph type="ctrTitle"/>
-          </p:nvPr>
-        </p:nvSpPr>
-        <p:spPr>
-          <a:xfrm>
-            <a:off x="2371725" y="630225"/>
-            <a:ext cx="6331500" cy="905400"/>
-          </a:xfrm>
-          <a:prstGeom prst="rect">
-            <a:avLst/>
-          </a:prstGeom>
-        </p:spPr>
-        <p:txBody>
-          <a:bodyPr spcFirstLastPara="1" wrap="square" lIns="91425" tIns="91425" rIns="91425" bIns="91425" anchor="t" anchorCtr="0">
-            <a:normAutofit fontScale="90000"/>
-          </a:bodyPr>
-          <a:lstStyle/>
-          <a:p>
-            <a:pPr marL="0" lvl="0" indent="0" algn="l" rtl="0">
-              <a:spcBef>
-                <a:spcPts val="0"/>
-              </a:spcBef>
-              <a:spcAft>
-                <a:spcPts val="0"/>
-              </a:spcAft>
-              <a:buClr>
-                <a:schemeClr val="dk2"/>
-              </a:buClr>
-              <a:buSzPts val="990"/>
-              <a:buFont typeface="Arial"/>
-              <a:buNone/>
-            </a:pPr>
-            <a:r>
-              <a:rPr lang="en"/>
-              <a:t>What i have so far?</a:t>
-            </a:r>
-            <a:endParaRPr/>
-          </a:p>
-          <a:p>
-            <a:pPr marL="0" lvl="0" indent="0" algn="l" rtl="0">
-              <a:spcBef>
-                <a:spcPts val="0"/>
-              </a:spcBef>
-              <a:spcAft>
-                <a:spcPts val="0"/>
-              </a:spcAft>
-              <a:buClr>
-                <a:schemeClr val="dk2"/>
-              </a:buClr>
-              <a:buSzPts val="990"/>
-              <a:buFont typeface="Arial"/>
-              <a:buNone/>
-            </a:pPr>
-            <a:endParaRPr/>
-          </a:p>
-          <a:p>
-            <a:pPr marL="0" lvl="0" indent="0" algn="l" rtl="0">
-              <a:spcBef>
-                <a:spcPts val="0"/>
-              </a:spcBef>
-              <a:spcAft>
-                <a:spcPts val="0"/>
-              </a:spcAft>
-              <a:buNone/>
-            </a:pPr>
-            <a:endParaRPr/>
-          </a:p>
-        </p:txBody>
-      </p:sp>
-      <p:sp>
-        <p:nvSpPr>
-          <p:cNvPr id="127" name="Google Shape;127;p21"/>
-          <p:cNvSpPr txBox="1">
-            <a:spLocks noGrp="1"/>
-          </p:cNvSpPr>
-          <p:nvPr>
-            <p:ph type="subTitle" idx="1"/>
-          </p:nvPr>
-        </p:nvSpPr>
-        <p:spPr>
-          <a:xfrm>
-            <a:off x="1814175" y="1535625"/>
-            <a:ext cx="5932800" cy="1723800"/>
-          </a:xfrm>
-          <a:prstGeom prst="rect">
-            <a:avLst/>
-          </a:prstGeom>
-        </p:spPr>
-        <p:txBody>
-          <a:bodyPr spcFirstLastPara="1" wrap="square" lIns="91425" tIns="91425" rIns="91425" bIns="91425" anchor="b" anchorCtr="0">
-            <a:spAutoFit/>
-          </a:bodyPr>
-          <a:lstStyle/>
-          <a:p>
-            <a:pPr marL="457200" lvl="0" indent="-355600" algn="l" rtl="0">
-              <a:spcBef>
-                <a:spcPts val="0"/>
-              </a:spcBef>
-              <a:spcAft>
-                <a:spcPts val="0"/>
-              </a:spcAft>
-              <a:buSzPts val="2000"/>
-              <a:buFont typeface="Oswald"/>
-              <a:buChar char="●"/>
-            </a:pPr>
-            <a:r>
-              <a:rPr lang="en" sz="2000">
-                <a:latin typeface="Oswald"/>
-                <a:ea typeface="Oswald"/>
-                <a:cs typeface="Oswald"/>
-                <a:sym typeface="Oswald"/>
-              </a:rPr>
-              <a:t>Gather understanding of technologies</a:t>
-            </a:r>
-            <a:endParaRPr sz="2000">
-              <a:latin typeface="Oswald"/>
-              <a:ea typeface="Oswald"/>
-              <a:cs typeface="Oswald"/>
-              <a:sym typeface="Oswald"/>
-            </a:endParaRPr>
-          </a:p>
-          <a:p>
-            <a:pPr marL="457200" lvl="0" indent="0" algn="l" rtl="0">
-              <a:spcBef>
-                <a:spcPts val="0"/>
-              </a:spcBef>
-              <a:spcAft>
-                <a:spcPts val="0"/>
-              </a:spcAft>
-              <a:buNone/>
-            </a:pPr>
-            <a:endParaRPr sz="2000">
-              <a:latin typeface="Oswald"/>
-              <a:ea typeface="Oswald"/>
-              <a:cs typeface="Oswald"/>
-              <a:sym typeface="Oswald"/>
-            </a:endParaRPr>
-          </a:p>
-          <a:p>
-            <a:pPr marL="457200" lvl="0" indent="-355600" algn="l" rtl="0">
-              <a:spcBef>
-                <a:spcPts val="0"/>
-              </a:spcBef>
-              <a:spcAft>
-                <a:spcPts val="0"/>
-              </a:spcAft>
-              <a:buSzPts val="2000"/>
-              <a:buFont typeface="Oswald"/>
-              <a:buChar char="●"/>
-            </a:pPr>
-            <a:r>
-              <a:rPr lang="en" sz="2000">
-                <a:latin typeface="Oswald"/>
-                <a:ea typeface="Oswald"/>
-                <a:cs typeface="Oswald"/>
-                <a:sym typeface="Oswald"/>
-              </a:rPr>
-              <a:t>Documentation </a:t>
-            </a:r>
-            <a:endParaRPr sz="2000">
-              <a:latin typeface="Oswald"/>
-              <a:ea typeface="Oswald"/>
-              <a:cs typeface="Oswald"/>
-              <a:sym typeface="Oswald"/>
-            </a:endParaRPr>
-          </a:p>
-          <a:p>
-            <a:pPr marL="457200" lvl="0" indent="0" algn="l" rtl="0">
-              <a:spcBef>
-                <a:spcPts val="0"/>
-              </a:spcBef>
-              <a:spcAft>
-                <a:spcPts val="0"/>
-              </a:spcAft>
-              <a:buNone/>
-            </a:pPr>
-            <a:endParaRPr sz="2000">
-              <a:latin typeface="Oswald"/>
-              <a:ea typeface="Oswald"/>
-              <a:cs typeface="Oswald"/>
-              <a:sym typeface="Oswald"/>
-            </a:endParaRPr>
-          </a:p>
-          <a:p>
-            <a:pPr marL="457200" lvl="0" indent="-355600" algn="l" rtl="0">
-              <a:spcBef>
-                <a:spcPts val="0"/>
-              </a:spcBef>
-              <a:spcAft>
-                <a:spcPts val="0"/>
-              </a:spcAft>
-              <a:buSzPts val="2000"/>
-              <a:buFont typeface="Oswald"/>
-              <a:buChar char="●"/>
-            </a:pPr>
-            <a:r>
-              <a:rPr lang="en" sz="2000">
-                <a:latin typeface="Oswald"/>
-                <a:ea typeface="Oswald"/>
-                <a:cs typeface="Oswald"/>
-                <a:sym typeface="Oswald"/>
-              </a:rPr>
-              <a:t>Developed the greeting </a:t>
-            </a:r>
-            <a:endParaRPr sz="2000">
-              <a:latin typeface="Oswald"/>
-              <a:ea typeface="Oswald"/>
-              <a:cs typeface="Oswald"/>
-              <a:sym typeface="Oswald"/>
-            </a:endParaRPr>
           </a:p>
         </p:txBody>
       </p:sp>

--- a/docs/LingoLizard.pptx
+++ b/docs/LingoLizard.pptx
@@ -5,7 +5,7 @@
     <p:sldMasterId id="2147483659" r:id="rId1"/>
   </p:sldMasterIdLst>
   <p:notesMasterIdLst>
-    <p:notesMasterId r:id="rId10"/>
+    <p:notesMasterId r:id="rId9"/>
   </p:notesMasterIdLst>
   <p:sldIdLst>
     <p:sldId id="256" r:id="rId2"/>
@@ -14,30 +14,29 @@
     <p:sldId id="262" r:id="rId5"/>
     <p:sldId id="265" r:id="rId6"/>
     <p:sldId id="269" r:id="rId7"/>
-    <p:sldId id="266" r:id="rId8"/>
-    <p:sldId id="268" r:id="rId9"/>
+    <p:sldId id="268" r:id="rId8"/>
   </p:sldIdLst>
   <p:sldSz cx="9144000" cy="5143500" type="screen16x9"/>
   <p:notesSz cx="6858000" cy="9144000"/>
   <p:embeddedFontLst>
     <p:embeddedFont>
       <p:font typeface="Lato" panose="020F0502020204030203" pitchFamily="34" charset="0"/>
-      <p:regular r:id="rId11"/>
-      <p:bold r:id="rId12"/>
-      <p:italic r:id="rId13"/>
-      <p:boldItalic r:id="rId14"/>
+      <p:regular r:id="rId10"/>
+      <p:bold r:id="rId11"/>
+      <p:italic r:id="rId12"/>
+      <p:boldItalic r:id="rId13"/>
     </p:embeddedFont>
     <p:embeddedFont>
       <p:font typeface="Oswald" panose="00000500000000000000" pitchFamily="2" charset="0"/>
-      <p:regular r:id="rId15"/>
-      <p:bold r:id="rId16"/>
+      <p:regular r:id="rId14"/>
+      <p:bold r:id="rId15"/>
     </p:embeddedFont>
     <p:embeddedFont>
       <p:font typeface="Raleway" pitchFamily="2" charset="0"/>
-      <p:regular r:id="rId17"/>
-      <p:bold r:id="rId18"/>
-      <p:italic r:id="rId19"/>
-      <p:boldItalic r:id="rId20"/>
+      <p:regular r:id="rId16"/>
+      <p:bold r:id="rId17"/>
+      <p:italic r:id="rId18"/>
+      <p:boldItalic r:id="rId19"/>
     </p:embeddedFont>
   </p:embeddedFontLst>
   <p:defaultTextStyle>
@@ -1254,110 +1253,6 @@
   <p:cSld>
     <p:spTree>
       <p:nvGrpSpPr>
-        <p:cNvPr id="1" name="Shape 133"/>
-        <p:cNvGrpSpPr/>
-        <p:nvPr/>
-      </p:nvGrpSpPr>
-      <p:grpSpPr>
-        <a:xfrm>
-          <a:off x="0" y="0"/>
-          <a:ext cx="0" cy="0"/>
-          <a:chOff x="0" y="0"/>
-          <a:chExt cx="0" cy="0"/>
-        </a:xfrm>
-      </p:grpSpPr>
-      <p:sp>
-        <p:nvSpPr>
-          <p:cNvPr id="134" name="Google Shape;134;g30e3b1f18c4_0_128:notes"/>
-          <p:cNvSpPr>
-            <a:spLocks noGrp="1" noRot="1" noChangeAspect="1"/>
-          </p:cNvSpPr>
-          <p:nvPr>
-            <p:ph type="sldImg" idx="2"/>
-          </p:nvPr>
-        </p:nvSpPr>
-        <p:spPr>
-          <a:xfrm>
-            <a:off x="381000" y="685800"/>
-            <a:ext cx="6096000" cy="3429000"/>
-          </a:xfrm>
-          <a:custGeom>
-            <a:avLst/>
-            <a:gdLst/>
-            <a:ahLst/>
-            <a:cxnLst/>
-            <a:rect l="l" t="t" r="r" b="b"/>
-            <a:pathLst>
-              <a:path w="120000" h="120000" extrusionOk="0">
-                <a:moveTo>
-                  <a:pt x="0" y="0"/>
-                </a:moveTo>
-                <a:lnTo>
-                  <a:pt x="120000" y="0"/>
-                </a:lnTo>
-                <a:lnTo>
-                  <a:pt x="120000" y="120000"/>
-                </a:lnTo>
-                <a:lnTo>
-                  <a:pt x="0" y="120000"/>
-                </a:lnTo>
-                <a:close/>
-              </a:path>
-            </a:pathLst>
-          </a:custGeom>
-        </p:spPr>
-      </p:sp>
-      <p:sp>
-        <p:nvSpPr>
-          <p:cNvPr id="135" name="Google Shape;135;g30e3b1f18c4_0_128:notes"/>
-          <p:cNvSpPr txBox="1">
-            <a:spLocks noGrp="1"/>
-          </p:cNvSpPr>
-          <p:nvPr>
-            <p:ph type="body" idx="1"/>
-          </p:nvPr>
-        </p:nvSpPr>
-        <p:spPr>
-          <a:xfrm>
-            <a:off x="685800" y="4343400"/>
-            <a:ext cx="5486400" cy="4114800"/>
-          </a:xfrm>
-          <a:prstGeom prst="rect">
-            <a:avLst/>
-          </a:prstGeom>
-        </p:spPr>
-        <p:txBody>
-          <a:bodyPr spcFirstLastPara="1" wrap="square" lIns="91425" tIns="91425" rIns="91425" bIns="91425" anchor="t" anchorCtr="0">
-            <a:noAutofit/>
-          </a:bodyPr>
-          <a:lstStyle/>
-          <a:p>
-            <a:pPr marL="0" lvl="0" indent="0" algn="l" rtl="0">
-              <a:spcBef>
-                <a:spcPts val="0"/>
-              </a:spcBef>
-              <a:spcAft>
-                <a:spcPts val="0"/>
-              </a:spcAft>
-              <a:buNone/>
-            </a:pPr>
-            <a:endParaRPr/>
-          </a:p>
-        </p:txBody>
-      </p:sp>
-    </p:spTree>
-  </p:cSld>
-  <p:clrMapOvr>
-    <a:masterClrMapping/>
-  </p:clrMapOvr>
-</p:notes>
-</file>
-
-<file path=ppt/notesSlides/notesSlide7.xml><?xml version="1.0" encoding="utf-8"?>
-<p:notes xmlns:a="http://schemas.openxmlformats.org/drawingml/2006/main" xmlns:r="http://schemas.openxmlformats.org/officeDocument/2006/relationships" xmlns:p="http://schemas.openxmlformats.org/presentationml/2006/main" showMasterSp="0" showMasterPhAnim="0">
-  <p:cSld>
-    <p:spTree>
-      <p:nvGrpSpPr>
         <p:cNvPr id="1" name="Shape 146"/>
         <p:cNvGrpSpPr/>
         <p:nvPr/>
@@ -6745,7 +6640,7 @@
         <p:push/>
       </p:transition>
     </mc:Choice>
-    <mc:Fallback xmlns="" xmlns:mv="urn:schemas-microsoft-com:mac:vml" xmlns:c="http://schemas.openxmlformats.org/drawingml/2006/chart" xmlns:dgm="http://schemas.openxmlformats.org/drawingml/2006/diagram" xmlns:o="urn:schemas-microsoft-com:office:office" xmlns:v="urn:schemas-microsoft-com:vml" xmlns:pvml="urn:schemas-microsoft-com:office:powerpoint" xmlns:com="http://schemas.openxmlformats.org/drawingml/2006/compatibility" xmlns:p15="http://schemas.microsoft.com/office/powerpoint/2012/main" xmlns:ahyp="http://schemas.microsoft.com/office/drawing/2018/hyperlinkcolor">
+    <mc:Fallback xmlns:ahyp="http://schemas.microsoft.com/office/drawing/2018/hyperlinkcolor" xmlns:p15="http://schemas.microsoft.com/office/powerpoint/2012/main" xmlns:com="http://schemas.openxmlformats.org/drawingml/2006/compatibility" xmlns:pvml="urn:schemas-microsoft-com:office:powerpoint" xmlns:v="urn:schemas-microsoft-com:vml" xmlns:o="urn:schemas-microsoft-com:office:office" xmlns:dgm="http://schemas.openxmlformats.org/drawingml/2006/diagram" xmlns:c="http://schemas.openxmlformats.org/drawingml/2006/chart" xmlns:mv="urn:schemas-microsoft-com:mac:vml" xmlns="">
       <p:transition spd="slow">
         <p:fade/>
       </p:transition>
@@ -7754,6 +7649,40 @@
           </a:p>
         </p:txBody>
       </p:sp>
+      <p:pic>
+        <p:nvPicPr>
+          <p:cNvPr id="2" name="Google Shape;139;p23">
+            <a:extLst>
+              <a:ext uri="{FF2B5EF4-FFF2-40B4-BE49-F238E27FC236}">
+                <a16:creationId xmlns:a16="http://schemas.microsoft.com/office/drawing/2014/main" id="{A95BD9D2-C7CE-6BF3-B849-BAF8C356C56D}"/>
+              </a:ext>
+            </a:extLst>
+          </p:cNvPr>
+          <p:cNvPicPr preferRelativeResize="0"/>
+          <p:nvPr/>
+        </p:nvPicPr>
+        <p:blipFill>
+          <a:blip r:embed="rId3">
+            <a:alphaModFix/>
+          </a:blip>
+          <a:stretch>
+            <a:fillRect/>
+          </a:stretch>
+        </p:blipFill>
+        <p:spPr>
+          <a:xfrm>
+            <a:off x="176678" y="1721291"/>
+            <a:ext cx="2213597" cy="1847617"/>
+          </a:xfrm>
+          <a:prstGeom prst="rect">
+            <a:avLst/>
+          </a:prstGeom>
+          <a:noFill/>
+          <a:ln>
+            <a:noFill/>
+          </a:ln>
+        </p:spPr>
+      </p:pic>
     </p:spTree>
   </p:cSld>
   <p:clrMapOvr>
@@ -7819,10 +7748,10 @@
               <a:buNone/>
             </a:pPr>
             <a:r>
-              <a:rPr lang="en"/>
+              <a:rPr lang="en" dirty="0"/>
               <a:t>Technologies</a:t>
             </a:r>
-            <a:endParaRPr/>
+            <a:endParaRPr dirty="0"/>
           </a:p>
           <a:p>
             <a:pPr marL="0" lvl="0" indent="0" algn="l" rtl="0">
@@ -7839,7 +7768,7 @@
               <a:buFont typeface="Arial"/>
               <a:buNone/>
             </a:pPr>
-            <a:endParaRPr/>
+            <a:endParaRPr dirty="0"/>
           </a:p>
           <a:p>
             <a:pPr marL="0" lvl="0" indent="0" algn="l" rtl="0">
@@ -7851,7 +7780,7 @@
               </a:spcAft>
               <a:buNone/>
             </a:pPr>
-            <a:endParaRPr/>
+            <a:endParaRPr dirty="0"/>
           </a:p>
         </p:txBody>
       </p:sp>
@@ -8021,8 +7950,8 @@
         </p:blipFill>
         <p:spPr>
           <a:xfrm>
-            <a:off x="422225" y="2571750"/>
-            <a:ext cx="1656520" cy="1882409"/>
+            <a:off x="234902" y="2702041"/>
+            <a:ext cx="2038350" cy="1882409"/>
           </a:xfrm>
           <a:prstGeom prst="rect">
             <a:avLst/>
@@ -8358,10 +8287,10 @@
       </p:grpSpPr>
       <p:pic>
         <p:nvPicPr>
-          <p:cNvPr id="4" name="Picture 3">
+          <p:cNvPr id="7" name="Picture 6">
             <a:extLst>
               <a:ext uri="{FF2B5EF4-FFF2-40B4-BE49-F238E27FC236}">
-                <a16:creationId xmlns:a16="http://schemas.microsoft.com/office/drawing/2014/main" id="{B1C15978-C315-8295-AA9B-11CD3EAD7C6A}"/>
+                <a16:creationId xmlns:a16="http://schemas.microsoft.com/office/drawing/2014/main" id="{455FB47B-F0C9-BD15-9F91-C6F36359C9AD}"/>
               </a:ext>
             </a:extLst>
           </p:cNvPr>
@@ -8372,14 +8301,13 @@
         </p:nvPicPr>
         <p:blipFill>
           <a:blip r:embed="rId2"/>
-          <a:stretch>
-            <a:fillRect/>
-          </a:stretch>
+          <a:srcRect t="42321"/>
+          <a:stretch/>
         </p:blipFill>
         <p:spPr>
           <a:xfrm>
-            <a:off x="236394" y="787978"/>
-            <a:ext cx="2686050" cy="3238500"/>
+            <a:off x="615797" y="158128"/>
+            <a:ext cx="3474941" cy="1985352"/>
           </a:xfrm>
           <a:prstGeom prst="rect">
             <a:avLst/>
@@ -8388,10 +8316,10 @@
       </p:pic>
       <p:pic>
         <p:nvPicPr>
-          <p:cNvPr id="6" name="Picture 5">
+          <p:cNvPr id="14" name="Picture 13">
             <a:extLst>
               <a:ext uri="{FF2B5EF4-FFF2-40B4-BE49-F238E27FC236}">
-                <a16:creationId xmlns:a16="http://schemas.microsoft.com/office/drawing/2014/main" id="{90E61EBE-576F-85EE-48AA-3BE2FA553621}"/>
+                <a16:creationId xmlns:a16="http://schemas.microsoft.com/office/drawing/2014/main" id="{C7992E59-C5DB-402F-8C00-04B7C7F8D081}"/>
               </a:ext>
             </a:extLst>
           </p:cNvPr>
@@ -8408,8 +8336,8 @@
         </p:blipFill>
         <p:spPr>
           <a:xfrm>
-            <a:off x="3032197" y="783215"/>
-            <a:ext cx="2581275" cy="3238500"/>
+            <a:off x="615796" y="3000020"/>
+            <a:ext cx="3474941" cy="1985352"/>
           </a:xfrm>
           <a:prstGeom prst="rect">
             <a:avLst/>
@@ -8418,10 +8346,10 @@
       </p:pic>
       <p:pic>
         <p:nvPicPr>
-          <p:cNvPr id="8" name="Picture 7">
+          <p:cNvPr id="16" name="Picture 15">
             <a:extLst>
               <a:ext uri="{FF2B5EF4-FFF2-40B4-BE49-F238E27FC236}">
-                <a16:creationId xmlns:a16="http://schemas.microsoft.com/office/drawing/2014/main" id="{F8C458CB-AF74-2790-4BBA-4C9269B19A48}"/>
+                <a16:creationId xmlns:a16="http://schemas.microsoft.com/office/drawing/2014/main" id="{45305ABE-EA21-FE22-B79F-B1E7D213FB4C}"/>
               </a:ext>
             </a:extLst>
           </p:cNvPr>
@@ -8438,8 +8366,8 @@
         </p:blipFill>
         <p:spPr>
           <a:xfrm>
-            <a:off x="5723226" y="778453"/>
-            <a:ext cx="2657475" cy="3248025"/>
+            <a:off x="5053262" y="1579074"/>
+            <a:ext cx="3474941" cy="1985352"/>
           </a:xfrm>
           <a:prstGeom prst="rect">
             <a:avLst/>
@@ -8460,238 +8388,6 @@
 </file>
 
 <file path=ppt/slides/slide7.xml><?xml version="1.0" encoding="utf-8"?>
-<p:sld xmlns:a="http://schemas.openxmlformats.org/drawingml/2006/main" xmlns:r="http://schemas.openxmlformats.org/officeDocument/2006/relationships" xmlns:p="http://schemas.openxmlformats.org/presentationml/2006/main">
-  <p:cSld>
-    <p:spTree>
-      <p:nvGrpSpPr>
-        <p:cNvPr id="1" name="Shape 136"/>
-        <p:cNvGrpSpPr/>
-        <p:nvPr/>
-      </p:nvGrpSpPr>
-      <p:grpSpPr>
-        <a:xfrm>
-          <a:off x="0" y="0"/>
-          <a:ext cx="0" cy="0"/>
-          <a:chOff x="0" y="0"/>
-          <a:chExt cx="0" cy="0"/>
-        </a:xfrm>
-      </p:grpSpPr>
-      <p:sp>
-        <p:nvSpPr>
-          <p:cNvPr id="137" name="Google Shape;137;p23"/>
-          <p:cNvSpPr txBox="1">
-            <a:spLocks noGrp="1"/>
-          </p:cNvSpPr>
-          <p:nvPr>
-            <p:ph type="ctrTitle"/>
-          </p:nvPr>
-        </p:nvSpPr>
-        <p:spPr>
-          <a:xfrm>
-            <a:off x="2371725" y="630225"/>
-            <a:ext cx="6331500" cy="905400"/>
-          </a:xfrm>
-          <a:prstGeom prst="rect">
-            <a:avLst/>
-          </a:prstGeom>
-        </p:spPr>
-        <p:txBody>
-          <a:bodyPr spcFirstLastPara="1" wrap="square" lIns="91425" tIns="91425" rIns="91425" bIns="91425" anchor="t" anchorCtr="0">
-            <a:normAutofit fontScale="90000"/>
-          </a:bodyPr>
-          <a:lstStyle/>
-          <a:p>
-            <a:pPr marL="0" lvl="0" indent="0" algn="l" rtl="0">
-              <a:spcBef>
-                <a:spcPts val="0"/>
-              </a:spcBef>
-              <a:spcAft>
-                <a:spcPts val="0"/>
-              </a:spcAft>
-              <a:buClr>
-                <a:schemeClr val="dk2"/>
-              </a:buClr>
-              <a:buSzPts val="990"/>
-              <a:buFont typeface="Arial"/>
-              <a:buNone/>
-            </a:pPr>
-            <a:r>
-              <a:rPr lang="en"/>
-              <a:t>Conclusions</a:t>
-            </a:r>
-            <a:endParaRPr/>
-          </a:p>
-          <a:p>
-            <a:pPr marL="0" lvl="0" indent="0" algn="l" rtl="0">
-              <a:spcBef>
-                <a:spcPts val="0"/>
-              </a:spcBef>
-              <a:spcAft>
-                <a:spcPts val="0"/>
-              </a:spcAft>
-              <a:buClr>
-                <a:schemeClr val="dk2"/>
-              </a:buClr>
-              <a:buSzPts val="990"/>
-              <a:buFont typeface="Arial"/>
-              <a:buNone/>
-            </a:pPr>
-            <a:endParaRPr/>
-          </a:p>
-          <a:p>
-            <a:pPr marL="0" lvl="0" indent="0" algn="l" rtl="0">
-              <a:spcBef>
-                <a:spcPts val="0"/>
-              </a:spcBef>
-              <a:spcAft>
-                <a:spcPts val="0"/>
-              </a:spcAft>
-              <a:buClr>
-                <a:schemeClr val="dk2"/>
-              </a:buClr>
-              <a:buSzPts val="990"/>
-              <a:buFont typeface="Arial"/>
-              <a:buNone/>
-            </a:pPr>
-            <a:endParaRPr/>
-          </a:p>
-          <a:p>
-            <a:pPr marL="0" lvl="0" indent="0" algn="l" rtl="0">
-              <a:spcBef>
-                <a:spcPts val="0"/>
-              </a:spcBef>
-              <a:spcAft>
-                <a:spcPts val="0"/>
-              </a:spcAft>
-              <a:buNone/>
-            </a:pPr>
-            <a:endParaRPr/>
-          </a:p>
-        </p:txBody>
-      </p:sp>
-      <p:sp>
-        <p:nvSpPr>
-          <p:cNvPr id="138" name="Google Shape;138;p23"/>
-          <p:cNvSpPr txBox="1">
-            <a:spLocks noGrp="1"/>
-          </p:cNvSpPr>
-          <p:nvPr>
-            <p:ph type="subTitle" idx="1"/>
-          </p:nvPr>
-        </p:nvSpPr>
-        <p:spPr>
-          <a:xfrm>
-            <a:off x="4035225" y="1709850"/>
-            <a:ext cx="4668000" cy="2031900"/>
-          </a:xfrm>
-          <a:prstGeom prst="rect">
-            <a:avLst/>
-          </a:prstGeom>
-        </p:spPr>
-        <p:txBody>
-          <a:bodyPr spcFirstLastPara="1" wrap="square" lIns="91425" tIns="91425" rIns="91425" bIns="91425" anchor="b" anchorCtr="0">
-            <a:spAutoFit/>
-          </a:bodyPr>
-          <a:lstStyle/>
-          <a:p>
-            <a:pPr marL="0" lvl="0" indent="0" algn="l" rtl="0">
-              <a:spcBef>
-                <a:spcPts val="0"/>
-              </a:spcBef>
-              <a:spcAft>
-                <a:spcPts val="0"/>
-              </a:spcAft>
-              <a:buNone/>
-            </a:pPr>
-            <a:r>
-              <a:rPr lang="en" sz="2000">
-                <a:latin typeface="Oswald"/>
-                <a:ea typeface="Oswald"/>
-                <a:cs typeface="Oswald"/>
-                <a:sym typeface="Oswald"/>
-              </a:rPr>
-              <a:t>In conclusion, LingoLizard looks to help people learn languages and help decrease the number of people who quit and give up from using the school based method to learn.</a:t>
-            </a:r>
-            <a:endParaRPr sz="2000">
-              <a:latin typeface="Oswald"/>
-              <a:ea typeface="Oswald"/>
-              <a:cs typeface="Oswald"/>
-              <a:sym typeface="Oswald"/>
-            </a:endParaRPr>
-          </a:p>
-          <a:p>
-            <a:pPr marL="0" lvl="0" indent="0" algn="l" rtl="0">
-              <a:spcBef>
-                <a:spcPts val="0"/>
-              </a:spcBef>
-              <a:spcAft>
-                <a:spcPts val="0"/>
-              </a:spcAft>
-              <a:buNone/>
-            </a:pPr>
-            <a:endParaRPr sz="2000">
-              <a:latin typeface="Oswald"/>
-              <a:ea typeface="Oswald"/>
-              <a:cs typeface="Oswald"/>
-              <a:sym typeface="Oswald"/>
-            </a:endParaRPr>
-          </a:p>
-          <a:p>
-            <a:pPr marL="0" lvl="0" indent="0" algn="l" rtl="0">
-              <a:spcBef>
-                <a:spcPts val="0"/>
-              </a:spcBef>
-              <a:spcAft>
-                <a:spcPts val="0"/>
-              </a:spcAft>
-              <a:buNone/>
-            </a:pPr>
-            <a:endParaRPr sz="2000">
-              <a:latin typeface="Oswald"/>
-              <a:ea typeface="Oswald"/>
-              <a:cs typeface="Oswald"/>
-              <a:sym typeface="Oswald"/>
-            </a:endParaRPr>
-          </a:p>
-        </p:txBody>
-      </p:sp>
-      <p:pic>
-        <p:nvPicPr>
-          <p:cNvPr id="139" name="Google Shape;139;p23"/>
-          <p:cNvPicPr preferRelativeResize="0"/>
-          <p:nvPr/>
-        </p:nvPicPr>
-        <p:blipFill>
-          <a:blip r:embed="rId3">
-            <a:alphaModFix/>
-          </a:blip>
-          <a:stretch>
-            <a:fillRect/>
-          </a:stretch>
-        </p:blipFill>
-        <p:spPr>
-          <a:xfrm>
-            <a:off x="492075" y="1505274"/>
-            <a:ext cx="3277699" cy="2132950"/>
-          </a:xfrm>
-          <a:prstGeom prst="rect">
-            <a:avLst/>
-          </a:prstGeom>
-          <a:noFill/>
-          <a:ln>
-            <a:noFill/>
-          </a:ln>
-        </p:spPr>
-      </p:pic>
-    </p:spTree>
-  </p:cSld>
-  <p:clrMapOvr>
-    <a:masterClrMapping/>
-  </p:clrMapOvr>
-</p:sld>
-</file>
-
-<file path=ppt/slides/slide8.xml><?xml version="1.0" encoding="utf-8"?>
 <p:sld xmlns:a="http://schemas.openxmlformats.org/drawingml/2006/main" xmlns:r="http://schemas.openxmlformats.org/officeDocument/2006/relationships" xmlns:p="http://schemas.openxmlformats.org/presentationml/2006/main">
   <p:cSld>
     <p:spTree>

--- a/docs/LingoLizard.pptx
+++ b/docs/LingoLizard.pptx
@@ -5,7 +5,7 @@
     <p:sldMasterId id="2147483659" r:id="rId1"/>
   </p:sldMasterIdLst>
   <p:notesMasterIdLst>
-    <p:notesMasterId r:id="rId9"/>
+    <p:notesMasterId r:id="rId13"/>
   </p:notesMasterIdLst>
   <p:sldIdLst>
     <p:sldId id="256" r:id="rId2"/>
@@ -14,29 +14,33 @@
     <p:sldId id="262" r:id="rId5"/>
     <p:sldId id="265" r:id="rId6"/>
     <p:sldId id="269" r:id="rId7"/>
-    <p:sldId id="268" r:id="rId8"/>
+    <p:sldId id="272" r:id="rId8"/>
+    <p:sldId id="273" r:id="rId9"/>
+    <p:sldId id="270" r:id="rId10"/>
+    <p:sldId id="271" r:id="rId11"/>
+    <p:sldId id="268" r:id="rId12"/>
   </p:sldIdLst>
   <p:sldSz cx="9144000" cy="5143500" type="screen16x9"/>
   <p:notesSz cx="6858000" cy="9144000"/>
   <p:embeddedFontLst>
     <p:embeddedFont>
       <p:font typeface="Lato" panose="020F0502020204030203" pitchFamily="34" charset="0"/>
-      <p:regular r:id="rId10"/>
-      <p:bold r:id="rId11"/>
-      <p:italic r:id="rId12"/>
-      <p:boldItalic r:id="rId13"/>
+      <p:regular r:id="rId14"/>
+      <p:bold r:id="rId15"/>
+      <p:italic r:id="rId16"/>
+      <p:boldItalic r:id="rId17"/>
     </p:embeddedFont>
     <p:embeddedFont>
       <p:font typeface="Oswald" panose="00000500000000000000" pitchFamily="2" charset="0"/>
-      <p:regular r:id="rId14"/>
-      <p:bold r:id="rId15"/>
+      <p:regular r:id="rId18"/>
+      <p:bold r:id="rId19"/>
     </p:embeddedFont>
     <p:embeddedFont>
       <p:font typeface="Raleway" pitchFamily="2" charset="0"/>
-      <p:regular r:id="rId16"/>
-      <p:bold r:id="rId17"/>
-      <p:italic r:id="rId18"/>
-      <p:boldItalic r:id="rId19"/>
+      <p:regular r:id="rId20"/>
+      <p:bold r:id="rId21"/>
+      <p:italic r:id="rId22"/>
+      <p:boldItalic r:id="rId23"/>
     </p:embeddedFont>
   </p:embeddedFontLst>
   <p:defaultTextStyle>
@@ -1253,6 +1257,260 @@
   <p:cSld>
     <p:spTree>
       <p:nvGrpSpPr>
+        <p:cNvPr id="1" name="Shape 109">
+          <a:extLst>
+            <a:ext uri="{FF2B5EF4-FFF2-40B4-BE49-F238E27FC236}">
+              <a16:creationId xmlns:a16="http://schemas.microsoft.com/office/drawing/2014/main" id="{B5753C2F-63D7-C5C9-30A1-475785FBB14F}"/>
+            </a:ext>
+          </a:extLst>
+        </p:cNvPr>
+        <p:cNvGrpSpPr/>
+        <p:nvPr/>
+      </p:nvGrpSpPr>
+      <p:grpSpPr>
+        <a:xfrm>
+          <a:off x="0" y="0"/>
+          <a:ext cx="0" cy="0"/>
+          <a:chOff x="0" y="0"/>
+          <a:chExt cx="0" cy="0"/>
+        </a:xfrm>
+      </p:grpSpPr>
+      <p:sp>
+        <p:nvSpPr>
+          <p:cNvPr id="110" name="Google Shape;110;g30e3b1f18c4_0_100:notes">
+            <a:extLst>
+              <a:ext uri="{FF2B5EF4-FFF2-40B4-BE49-F238E27FC236}">
+                <a16:creationId xmlns:a16="http://schemas.microsoft.com/office/drawing/2014/main" id="{E61D4511-59B9-A5A3-F938-F2D30BA1334D}"/>
+              </a:ext>
+            </a:extLst>
+          </p:cNvPr>
+          <p:cNvSpPr>
+            <a:spLocks noGrp="1" noRot="1" noChangeAspect="1"/>
+          </p:cNvSpPr>
+          <p:nvPr>
+            <p:ph type="sldImg" idx="2"/>
+          </p:nvPr>
+        </p:nvSpPr>
+        <p:spPr>
+          <a:xfrm>
+            <a:off x="381000" y="685800"/>
+            <a:ext cx="6096000" cy="3429000"/>
+          </a:xfrm>
+          <a:custGeom>
+            <a:avLst/>
+            <a:gdLst/>
+            <a:ahLst/>
+            <a:cxnLst/>
+            <a:rect l="l" t="t" r="r" b="b"/>
+            <a:pathLst>
+              <a:path w="120000" h="120000" extrusionOk="0">
+                <a:moveTo>
+                  <a:pt x="0" y="0"/>
+                </a:moveTo>
+                <a:lnTo>
+                  <a:pt x="120000" y="0"/>
+                </a:lnTo>
+                <a:lnTo>
+                  <a:pt x="120000" y="120000"/>
+                </a:lnTo>
+                <a:lnTo>
+                  <a:pt x="0" y="120000"/>
+                </a:lnTo>
+                <a:close/>
+              </a:path>
+            </a:pathLst>
+          </a:custGeom>
+        </p:spPr>
+      </p:sp>
+      <p:sp>
+        <p:nvSpPr>
+          <p:cNvPr id="111" name="Google Shape;111;g30e3b1f18c4_0_100:notes">
+            <a:extLst>
+              <a:ext uri="{FF2B5EF4-FFF2-40B4-BE49-F238E27FC236}">
+                <a16:creationId xmlns:a16="http://schemas.microsoft.com/office/drawing/2014/main" id="{0F4ED7A5-6E91-0C34-CE45-78390E269CC5}"/>
+              </a:ext>
+            </a:extLst>
+          </p:cNvPr>
+          <p:cNvSpPr txBox="1">
+            <a:spLocks noGrp="1"/>
+          </p:cNvSpPr>
+          <p:nvPr>
+            <p:ph type="body" idx="1"/>
+          </p:nvPr>
+        </p:nvSpPr>
+        <p:spPr>
+          <a:xfrm>
+            <a:off x="685800" y="4343400"/>
+            <a:ext cx="5486400" cy="4114800"/>
+          </a:xfrm>
+          <a:prstGeom prst="rect">
+            <a:avLst/>
+          </a:prstGeom>
+        </p:spPr>
+        <p:txBody>
+          <a:bodyPr spcFirstLastPara="1" wrap="square" lIns="91425" tIns="91425" rIns="91425" bIns="91425" anchor="t" anchorCtr="0">
+            <a:noAutofit/>
+          </a:bodyPr>
+          <a:lstStyle/>
+          <a:p>
+            <a:pPr marL="0" lvl="0" indent="0" algn="l" rtl="0">
+              <a:spcBef>
+                <a:spcPts val="0"/>
+              </a:spcBef>
+              <a:spcAft>
+                <a:spcPts val="0"/>
+              </a:spcAft>
+              <a:buNone/>
+            </a:pPr>
+            <a:endParaRPr/>
+          </a:p>
+        </p:txBody>
+      </p:sp>
+    </p:spTree>
+    <p:extLst>
+      <p:ext uri="{BB962C8B-B14F-4D97-AF65-F5344CB8AC3E}">
+        <p14:creationId xmlns:p14="http://schemas.microsoft.com/office/powerpoint/2010/main" val="1143064791"/>
+      </p:ext>
+    </p:extLst>
+  </p:cSld>
+  <p:clrMapOvr>
+    <a:masterClrMapping/>
+  </p:clrMapOvr>
+</p:notes>
+</file>
+
+<file path=ppt/notesSlides/notesSlide7.xml><?xml version="1.0" encoding="utf-8"?>
+<p:notes xmlns:a="http://schemas.openxmlformats.org/drawingml/2006/main" xmlns:r="http://schemas.openxmlformats.org/officeDocument/2006/relationships" xmlns:p="http://schemas.openxmlformats.org/presentationml/2006/main" showMasterSp="0" showMasterPhAnim="0">
+  <p:cSld>
+    <p:spTree>
+      <p:nvGrpSpPr>
+        <p:cNvPr id="1" name="Shape 109">
+          <a:extLst>
+            <a:ext uri="{FF2B5EF4-FFF2-40B4-BE49-F238E27FC236}">
+              <a16:creationId xmlns:a16="http://schemas.microsoft.com/office/drawing/2014/main" id="{46E9784B-CADE-BA5A-64E5-2D8F8963FAA6}"/>
+            </a:ext>
+          </a:extLst>
+        </p:cNvPr>
+        <p:cNvGrpSpPr/>
+        <p:nvPr/>
+      </p:nvGrpSpPr>
+      <p:grpSpPr>
+        <a:xfrm>
+          <a:off x="0" y="0"/>
+          <a:ext cx="0" cy="0"/>
+          <a:chOff x="0" y="0"/>
+          <a:chExt cx="0" cy="0"/>
+        </a:xfrm>
+      </p:grpSpPr>
+      <p:sp>
+        <p:nvSpPr>
+          <p:cNvPr id="110" name="Google Shape;110;g30e3b1f18c4_0_100:notes">
+            <a:extLst>
+              <a:ext uri="{FF2B5EF4-FFF2-40B4-BE49-F238E27FC236}">
+                <a16:creationId xmlns:a16="http://schemas.microsoft.com/office/drawing/2014/main" id="{05477D42-A301-D32C-8EBF-AE837BEE011E}"/>
+              </a:ext>
+            </a:extLst>
+          </p:cNvPr>
+          <p:cNvSpPr>
+            <a:spLocks noGrp="1" noRot="1" noChangeAspect="1"/>
+          </p:cNvSpPr>
+          <p:nvPr>
+            <p:ph type="sldImg" idx="2"/>
+          </p:nvPr>
+        </p:nvSpPr>
+        <p:spPr>
+          <a:xfrm>
+            <a:off x="381000" y="685800"/>
+            <a:ext cx="6096000" cy="3429000"/>
+          </a:xfrm>
+          <a:custGeom>
+            <a:avLst/>
+            <a:gdLst/>
+            <a:ahLst/>
+            <a:cxnLst/>
+            <a:rect l="l" t="t" r="r" b="b"/>
+            <a:pathLst>
+              <a:path w="120000" h="120000" extrusionOk="0">
+                <a:moveTo>
+                  <a:pt x="0" y="0"/>
+                </a:moveTo>
+                <a:lnTo>
+                  <a:pt x="120000" y="0"/>
+                </a:lnTo>
+                <a:lnTo>
+                  <a:pt x="120000" y="120000"/>
+                </a:lnTo>
+                <a:lnTo>
+                  <a:pt x="0" y="120000"/>
+                </a:lnTo>
+                <a:close/>
+              </a:path>
+            </a:pathLst>
+          </a:custGeom>
+        </p:spPr>
+      </p:sp>
+      <p:sp>
+        <p:nvSpPr>
+          <p:cNvPr id="111" name="Google Shape;111;g30e3b1f18c4_0_100:notes">
+            <a:extLst>
+              <a:ext uri="{FF2B5EF4-FFF2-40B4-BE49-F238E27FC236}">
+                <a16:creationId xmlns:a16="http://schemas.microsoft.com/office/drawing/2014/main" id="{27070309-4AEC-1A3F-69E4-F2E54BF32575}"/>
+              </a:ext>
+            </a:extLst>
+          </p:cNvPr>
+          <p:cNvSpPr txBox="1">
+            <a:spLocks noGrp="1"/>
+          </p:cNvSpPr>
+          <p:nvPr>
+            <p:ph type="body" idx="1"/>
+          </p:nvPr>
+        </p:nvSpPr>
+        <p:spPr>
+          <a:xfrm>
+            <a:off x="685800" y="4343400"/>
+            <a:ext cx="5486400" cy="4114800"/>
+          </a:xfrm>
+          <a:prstGeom prst="rect">
+            <a:avLst/>
+          </a:prstGeom>
+        </p:spPr>
+        <p:txBody>
+          <a:bodyPr spcFirstLastPara="1" wrap="square" lIns="91425" tIns="91425" rIns="91425" bIns="91425" anchor="t" anchorCtr="0">
+            <a:noAutofit/>
+          </a:bodyPr>
+          <a:lstStyle/>
+          <a:p>
+            <a:pPr marL="0" lvl="0" indent="0" algn="l" rtl="0">
+              <a:spcBef>
+                <a:spcPts val="0"/>
+              </a:spcBef>
+              <a:spcAft>
+                <a:spcPts val="0"/>
+              </a:spcAft>
+              <a:buNone/>
+            </a:pPr>
+            <a:endParaRPr/>
+          </a:p>
+        </p:txBody>
+      </p:sp>
+    </p:spTree>
+    <p:extLst>
+      <p:ext uri="{BB962C8B-B14F-4D97-AF65-F5344CB8AC3E}">
+        <p14:creationId xmlns:p14="http://schemas.microsoft.com/office/powerpoint/2010/main" val="3957190704"/>
+      </p:ext>
+    </p:extLst>
+  </p:cSld>
+  <p:clrMapOvr>
+    <a:masterClrMapping/>
+  </p:clrMapOvr>
+</p:notes>
+</file>
+
+<file path=ppt/notesSlides/notesSlide8.xml><?xml version="1.0" encoding="utf-8"?>
+<p:notes xmlns:a="http://schemas.openxmlformats.org/drawingml/2006/main" xmlns:r="http://schemas.openxmlformats.org/officeDocument/2006/relationships" xmlns:p="http://schemas.openxmlformats.org/presentationml/2006/main" showMasterSp="0" showMasterPhAnim="0">
+  <p:cSld>
+    <p:spTree>
+      <p:nvGrpSpPr>
         <p:cNvPr id="1" name="Shape 146"/>
         <p:cNvGrpSpPr/>
         <p:nvPr/>
@@ -1982,530 +2240,6 @@
 </file>
 
 <file path=ppt/slideLayouts/slideLayout10.xml><?xml version="1.0" encoding="utf-8"?>
-<p:sldLayout xmlns:a="http://schemas.openxmlformats.org/drawingml/2006/main" xmlns:r="http://schemas.openxmlformats.org/officeDocument/2006/relationships" xmlns:p="http://schemas.openxmlformats.org/presentationml/2006/main" matchingName="Big number">
-  <p:cSld name="BIG_NUMBER">
-    <p:spTree>
-      <p:nvGrpSpPr>
-        <p:cNvPr id="1" name="Shape 60"/>
-        <p:cNvGrpSpPr/>
-        <p:nvPr/>
-      </p:nvGrpSpPr>
-      <p:grpSpPr>
-        <a:xfrm>
-          <a:off x="0" y="0"/>
-          <a:ext cx="0" cy="0"/>
-          <a:chOff x="0" y="0"/>
-          <a:chExt cx="0" cy="0"/>
-        </a:xfrm>
-      </p:grpSpPr>
-      <p:cxnSp>
-        <p:nvCxnSpPr>
-          <p:cNvPr id="61" name="Google Shape;61;p11"/>
-          <p:cNvCxnSpPr/>
-          <p:nvPr/>
-        </p:nvCxnSpPr>
-        <p:spPr>
-          <a:xfrm>
-            <a:off x="425200" y="4740000"/>
-            <a:ext cx="8296800" cy="0"/>
-          </a:xfrm>
-          <a:prstGeom prst="straightConnector1">
-            <a:avLst/>
-          </a:prstGeom>
-          <a:noFill/>
-          <a:ln w="19050" cap="flat" cmpd="sng">
-            <a:solidFill>
-              <a:schemeClr val="dk2"/>
-            </a:solidFill>
-            <a:prstDash val="solid"/>
-            <a:round/>
-            <a:headEnd type="none" w="sm" len="sm"/>
-            <a:tailEnd type="none" w="sm" len="sm"/>
-          </a:ln>
-        </p:spPr>
-      </p:cxnSp>
-      <p:cxnSp>
-        <p:nvCxnSpPr>
-          <p:cNvPr id="62" name="Google Shape;62;p11"/>
-          <p:cNvCxnSpPr/>
-          <p:nvPr/>
-        </p:nvCxnSpPr>
-        <p:spPr>
-          <a:xfrm>
-            <a:off x="425200" y="415650"/>
-            <a:ext cx="8296800" cy="0"/>
-          </a:xfrm>
-          <a:prstGeom prst="straightConnector1">
-            <a:avLst/>
-          </a:prstGeom>
-          <a:noFill/>
-          <a:ln w="38100" cap="flat" cmpd="sng">
-            <a:solidFill>
-              <a:schemeClr val="dk2"/>
-            </a:solidFill>
-            <a:prstDash val="solid"/>
-            <a:round/>
-            <a:headEnd type="none" w="sm" len="sm"/>
-            <a:tailEnd type="none" w="sm" len="sm"/>
-          </a:ln>
-        </p:spPr>
-      </p:cxnSp>
-      <p:sp>
-        <p:nvSpPr>
-          <p:cNvPr id="63" name="Google Shape;63;p11"/>
-          <p:cNvSpPr txBox="1">
-            <a:spLocks noGrp="1"/>
-          </p:cNvSpPr>
-          <p:nvPr>
-            <p:ph type="title" hasCustomPrompt="1"/>
-          </p:nvPr>
-        </p:nvSpPr>
-        <p:spPr>
-          <a:xfrm>
-            <a:off x="853950" y="1304850"/>
-            <a:ext cx="7436100" cy="1538400"/>
-          </a:xfrm>
-          <a:prstGeom prst="rect">
-            <a:avLst/>
-          </a:prstGeom>
-        </p:spPr>
-        <p:txBody>
-          <a:bodyPr spcFirstLastPara="1" wrap="square" lIns="91425" tIns="91425" rIns="91425" bIns="91425" anchor="ctr" anchorCtr="0">
-            <a:normAutofit/>
-          </a:bodyPr>
-          <a:lstStyle>
-            <a:lvl1pPr lvl="0" algn="ctr">
-              <a:spcBef>
-                <a:spcPts val="0"/>
-              </a:spcBef>
-              <a:spcAft>
-                <a:spcPts val="0"/>
-              </a:spcAft>
-              <a:buClr>
-                <a:schemeClr val="dk1"/>
-              </a:buClr>
-              <a:buSzPts val="9600"/>
-              <a:buFont typeface="Lato"/>
-              <a:buNone/>
-              <a:defRPr sz="9600">
-                <a:solidFill>
-                  <a:schemeClr val="dk1"/>
-                </a:solidFill>
-                <a:latin typeface="Lato"/>
-                <a:ea typeface="Lato"/>
-                <a:cs typeface="Lato"/>
-                <a:sym typeface="Lato"/>
-              </a:defRPr>
-            </a:lvl1pPr>
-            <a:lvl2pPr lvl="1" algn="ctr">
-              <a:spcBef>
-                <a:spcPts val="0"/>
-              </a:spcBef>
-              <a:spcAft>
-                <a:spcPts val="0"/>
-              </a:spcAft>
-              <a:buClr>
-                <a:schemeClr val="dk1"/>
-              </a:buClr>
-              <a:buSzPts val="9600"/>
-              <a:buFont typeface="Lato"/>
-              <a:buNone/>
-              <a:defRPr sz="9600">
-                <a:solidFill>
-                  <a:schemeClr val="dk1"/>
-                </a:solidFill>
-                <a:latin typeface="Lato"/>
-                <a:ea typeface="Lato"/>
-                <a:cs typeface="Lato"/>
-                <a:sym typeface="Lato"/>
-              </a:defRPr>
-            </a:lvl2pPr>
-            <a:lvl3pPr lvl="2" algn="ctr">
-              <a:spcBef>
-                <a:spcPts val="0"/>
-              </a:spcBef>
-              <a:spcAft>
-                <a:spcPts val="0"/>
-              </a:spcAft>
-              <a:buClr>
-                <a:schemeClr val="dk1"/>
-              </a:buClr>
-              <a:buSzPts val="9600"/>
-              <a:buFont typeface="Lato"/>
-              <a:buNone/>
-              <a:defRPr sz="9600">
-                <a:solidFill>
-                  <a:schemeClr val="dk1"/>
-                </a:solidFill>
-                <a:latin typeface="Lato"/>
-                <a:ea typeface="Lato"/>
-                <a:cs typeface="Lato"/>
-                <a:sym typeface="Lato"/>
-              </a:defRPr>
-            </a:lvl3pPr>
-            <a:lvl4pPr lvl="3" algn="ctr">
-              <a:spcBef>
-                <a:spcPts val="0"/>
-              </a:spcBef>
-              <a:spcAft>
-                <a:spcPts val="0"/>
-              </a:spcAft>
-              <a:buClr>
-                <a:schemeClr val="dk1"/>
-              </a:buClr>
-              <a:buSzPts val="9600"/>
-              <a:buFont typeface="Lato"/>
-              <a:buNone/>
-              <a:defRPr sz="9600">
-                <a:solidFill>
-                  <a:schemeClr val="dk1"/>
-                </a:solidFill>
-                <a:latin typeface="Lato"/>
-                <a:ea typeface="Lato"/>
-                <a:cs typeface="Lato"/>
-                <a:sym typeface="Lato"/>
-              </a:defRPr>
-            </a:lvl4pPr>
-            <a:lvl5pPr lvl="4" algn="ctr">
-              <a:spcBef>
-                <a:spcPts val="0"/>
-              </a:spcBef>
-              <a:spcAft>
-                <a:spcPts val="0"/>
-              </a:spcAft>
-              <a:buClr>
-                <a:schemeClr val="dk1"/>
-              </a:buClr>
-              <a:buSzPts val="9600"/>
-              <a:buFont typeface="Lato"/>
-              <a:buNone/>
-              <a:defRPr sz="9600">
-                <a:solidFill>
-                  <a:schemeClr val="dk1"/>
-                </a:solidFill>
-                <a:latin typeface="Lato"/>
-                <a:ea typeface="Lato"/>
-                <a:cs typeface="Lato"/>
-                <a:sym typeface="Lato"/>
-              </a:defRPr>
-            </a:lvl5pPr>
-            <a:lvl6pPr lvl="5" algn="ctr">
-              <a:spcBef>
-                <a:spcPts val="0"/>
-              </a:spcBef>
-              <a:spcAft>
-                <a:spcPts val="0"/>
-              </a:spcAft>
-              <a:buClr>
-                <a:schemeClr val="dk1"/>
-              </a:buClr>
-              <a:buSzPts val="9600"/>
-              <a:buFont typeface="Lato"/>
-              <a:buNone/>
-              <a:defRPr sz="9600">
-                <a:solidFill>
-                  <a:schemeClr val="dk1"/>
-                </a:solidFill>
-                <a:latin typeface="Lato"/>
-                <a:ea typeface="Lato"/>
-                <a:cs typeface="Lato"/>
-                <a:sym typeface="Lato"/>
-              </a:defRPr>
-            </a:lvl6pPr>
-            <a:lvl7pPr lvl="6" algn="ctr">
-              <a:spcBef>
-                <a:spcPts val="0"/>
-              </a:spcBef>
-              <a:spcAft>
-                <a:spcPts val="0"/>
-              </a:spcAft>
-              <a:buClr>
-                <a:schemeClr val="dk1"/>
-              </a:buClr>
-              <a:buSzPts val="9600"/>
-              <a:buFont typeface="Lato"/>
-              <a:buNone/>
-              <a:defRPr sz="9600">
-                <a:solidFill>
-                  <a:schemeClr val="dk1"/>
-                </a:solidFill>
-                <a:latin typeface="Lato"/>
-                <a:ea typeface="Lato"/>
-                <a:cs typeface="Lato"/>
-                <a:sym typeface="Lato"/>
-              </a:defRPr>
-            </a:lvl7pPr>
-            <a:lvl8pPr lvl="7" algn="ctr">
-              <a:spcBef>
-                <a:spcPts val="0"/>
-              </a:spcBef>
-              <a:spcAft>
-                <a:spcPts val="0"/>
-              </a:spcAft>
-              <a:buClr>
-                <a:schemeClr val="dk1"/>
-              </a:buClr>
-              <a:buSzPts val="9600"/>
-              <a:buFont typeface="Lato"/>
-              <a:buNone/>
-              <a:defRPr sz="9600">
-                <a:solidFill>
-                  <a:schemeClr val="dk1"/>
-                </a:solidFill>
-                <a:latin typeface="Lato"/>
-                <a:ea typeface="Lato"/>
-                <a:cs typeface="Lato"/>
-                <a:sym typeface="Lato"/>
-              </a:defRPr>
-            </a:lvl8pPr>
-            <a:lvl9pPr lvl="8" algn="ctr">
-              <a:spcBef>
-                <a:spcPts val="0"/>
-              </a:spcBef>
-              <a:spcAft>
-                <a:spcPts val="0"/>
-              </a:spcAft>
-              <a:buClr>
-                <a:schemeClr val="dk1"/>
-              </a:buClr>
-              <a:buSzPts val="9600"/>
-              <a:buFont typeface="Lato"/>
-              <a:buNone/>
-              <a:defRPr sz="9600">
-                <a:solidFill>
-                  <a:schemeClr val="dk1"/>
-                </a:solidFill>
-                <a:latin typeface="Lato"/>
-                <a:ea typeface="Lato"/>
-                <a:cs typeface="Lato"/>
-                <a:sym typeface="Lato"/>
-              </a:defRPr>
-            </a:lvl9pPr>
-          </a:lstStyle>
-          <a:p>
-            <a:r>
-              <a:t>xx%</a:t>
-            </a:r>
-          </a:p>
-        </p:txBody>
-      </p:sp>
-      <p:sp>
-        <p:nvSpPr>
-          <p:cNvPr id="64" name="Google Shape;64;p11"/>
-          <p:cNvSpPr txBox="1">
-            <a:spLocks noGrp="1"/>
-          </p:cNvSpPr>
-          <p:nvPr>
-            <p:ph type="body" idx="1"/>
-          </p:nvPr>
-        </p:nvSpPr>
-        <p:spPr>
-          <a:xfrm>
-            <a:off x="853950" y="2919450"/>
-            <a:ext cx="7436100" cy="1071600"/>
-          </a:xfrm>
-          <a:prstGeom prst="rect">
-            <a:avLst/>
-          </a:prstGeom>
-        </p:spPr>
-        <p:txBody>
-          <a:bodyPr spcFirstLastPara="1" wrap="square" lIns="91425" tIns="91425" rIns="91425" bIns="91425" anchor="t" anchorCtr="0">
-            <a:normAutofit/>
-          </a:bodyPr>
-          <a:lstStyle>
-            <a:lvl1pPr marL="457200" lvl="0" indent="-342900" algn="ctr">
-              <a:spcBef>
-                <a:spcPts val="0"/>
-              </a:spcBef>
-              <a:spcAft>
-                <a:spcPts val="0"/>
-              </a:spcAft>
-              <a:buSzPts val="1800"/>
-              <a:buChar char="●"/>
-              <a:defRPr/>
-            </a:lvl1pPr>
-            <a:lvl2pPr marL="914400" lvl="1" indent="-317500" algn="ctr">
-              <a:spcBef>
-                <a:spcPts val="0"/>
-              </a:spcBef>
-              <a:spcAft>
-                <a:spcPts val="0"/>
-              </a:spcAft>
-              <a:buSzPts val="1400"/>
-              <a:buChar char="○"/>
-              <a:defRPr/>
-            </a:lvl2pPr>
-            <a:lvl3pPr marL="1371600" lvl="2" indent="-317500" algn="ctr">
-              <a:spcBef>
-                <a:spcPts val="0"/>
-              </a:spcBef>
-              <a:spcAft>
-                <a:spcPts val="0"/>
-              </a:spcAft>
-              <a:buSzPts val="1400"/>
-              <a:buChar char="■"/>
-              <a:defRPr/>
-            </a:lvl3pPr>
-            <a:lvl4pPr marL="1828800" lvl="3" indent="-317500" algn="ctr">
-              <a:spcBef>
-                <a:spcPts val="0"/>
-              </a:spcBef>
-              <a:spcAft>
-                <a:spcPts val="0"/>
-              </a:spcAft>
-              <a:buSzPts val="1400"/>
-              <a:buChar char="●"/>
-              <a:defRPr/>
-            </a:lvl4pPr>
-            <a:lvl5pPr marL="2286000" lvl="4" indent="-317500" algn="ctr">
-              <a:spcBef>
-                <a:spcPts val="0"/>
-              </a:spcBef>
-              <a:spcAft>
-                <a:spcPts val="0"/>
-              </a:spcAft>
-              <a:buSzPts val="1400"/>
-              <a:buChar char="○"/>
-              <a:defRPr/>
-            </a:lvl5pPr>
-            <a:lvl6pPr marL="2743200" lvl="5" indent="-317500" algn="ctr">
-              <a:spcBef>
-                <a:spcPts val="0"/>
-              </a:spcBef>
-              <a:spcAft>
-                <a:spcPts val="0"/>
-              </a:spcAft>
-              <a:buSzPts val="1400"/>
-              <a:buChar char="■"/>
-              <a:defRPr/>
-            </a:lvl6pPr>
-            <a:lvl7pPr marL="3200400" lvl="6" indent="-317500" algn="ctr">
-              <a:spcBef>
-                <a:spcPts val="0"/>
-              </a:spcBef>
-              <a:spcAft>
-                <a:spcPts val="0"/>
-              </a:spcAft>
-              <a:buSzPts val="1400"/>
-              <a:buChar char="●"/>
-              <a:defRPr/>
-            </a:lvl7pPr>
-            <a:lvl8pPr marL="3657600" lvl="7" indent="-317500" algn="ctr">
-              <a:spcBef>
-                <a:spcPts val="0"/>
-              </a:spcBef>
-              <a:spcAft>
-                <a:spcPts val="0"/>
-              </a:spcAft>
-              <a:buSzPts val="1400"/>
-              <a:buChar char="○"/>
-              <a:defRPr/>
-            </a:lvl8pPr>
-            <a:lvl9pPr marL="4114800" lvl="8" indent="-317500" algn="ctr">
-              <a:spcBef>
-                <a:spcPts val="0"/>
-              </a:spcBef>
-              <a:spcAft>
-                <a:spcPts val="0"/>
-              </a:spcAft>
-              <a:buSzPts val="1400"/>
-              <a:buChar char="■"/>
-              <a:defRPr/>
-            </a:lvl9pPr>
-          </a:lstStyle>
-          <a:p>
-            <a:endParaRPr/>
-          </a:p>
-        </p:txBody>
-      </p:sp>
-      <p:sp>
-        <p:nvSpPr>
-          <p:cNvPr id="65" name="Google Shape;65;p11"/>
-          <p:cNvSpPr txBox="1">
-            <a:spLocks noGrp="1"/>
-          </p:cNvSpPr>
-          <p:nvPr>
-            <p:ph type="sldNum" idx="12"/>
-          </p:nvPr>
-        </p:nvSpPr>
-        <p:spPr>
-          <a:xfrm>
-            <a:off x="8497999" y="4688759"/>
-            <a:ext cx="548700" cy="393600"/>
-          </a:xfrm>
-          <a:prstGeom prst="rect">
-            <a:avLst/>
-          </a:prstGeom>
-        </p:spPr>
-        <p:txBody>
-          <a:bodyPr spcFirstLastPara="1" wrap="square" lIns="91425" tIns="91425" rIns="91425" bIns="91425" anchor="ctr" anchorCtr="0">
-            <a:normAutofit/>
-          </a:bodyPr>
-          <a:lstStyle>
-            <a:lvl1pPr lvl="0">
-              <a:buNone/>
-              <a:defRPr/>
-            </a:lvl1pPr>
-            <a:lvl2pPr lvl="1">
-              <a:buNone/>
-              <a:defRPr/>
-            </a:lvl2pPr>
-            <a:lvl3pPr lvl="2">
-              <a:buNone/>
-              <a:defRPr/>
-            </a:lvl3pPr>
-            <a:lvl4pPr lvl="3">
-              <a:buNone/>
-              <a:defRPr/>
-            </a:lvl4pPr>
-            <a:lvl5pPr lvl="4">
-              <a:buNone/>
-              <a:defRPr/>
-            </a:lvl5pPr>
-            <a:lvl6pPr lvl="5">
-              <a:buNone/>
-              <a:defRPr/>
-            </a:lvl6pPr>
-            <a:lvl7pPr lvl="6">
-              <a:buNone/>
-              <a:defRPr/>
-            </a:lvl7pPr>
-            <a:lvl8pPr lvl="7">
-              <a:buNone/>
-              <a:defRPr/>
-            </a:lvl8pPr>
-            <a:lvl9pPr lvl="8">
-              <a:buNone/>
-              <a:defRPr/>
-            </a:lvl9pPr>
-          </a:lstStyle>
-          <a:p>
-            <a:pPr marL="0" lvl="0" indent="0" algn="r" rtl="0">
-              <a:spcBef>
-                <a:spcPts val="0"/>
-              </a:spcBef>
-              <a:spcAft>
-                <a:spcPts val="0"/>
-              </a:spcAft>
-              <a:buNone/>
-            </a:pPr>
-            <a:fld id="{00000000-1234-1234-1234-123412341234}" type="slidenum">
-              <a:rPr lang="en"/>
-              <a:t>‹#›</a:t>
-            </a:fld>
-            <a:endParaRPr/>
-          </a:p>
-        </p:txBody>
-      </p:sp>
-    </p:spTree>
-  </p:cSld>
-  <p:clrMapOvr>
-    <a:masterClrMapping/>
-  </p:clrMapOvr>
-</p:sldLayout>
-</file>
-
-<file path=ppt/slideLayouts/slideLayout11.xml><?xml version="1.0" encoding="utf-8"?>
 <p:sldLayout xmlns:a="http://schemas.openxmlformats.org/drawingml/2006/main" xmlns:r="http://schemas.openxmlformats.org/officeDocument/2006/relationships" xmlns:p="http://schemas.openxmlformats.org/presentationml/2006/main" matchingName="Blank" type="blank">
   <p:cSld name="BLANK">
     <p:spTree>
@@ -2994,446 +2728,6 @@
 </file>
 
 <file path=ppt/slideLayouts/slideLayout3.xml><?xml version="1.0" encoding="utf-8"?>
-<p:sldLayout xmlns:a="http://schemas.openxmlformats.org/drawingml/2006/main" xmlns:r="http://schemas.openxmlformats.org/officeDocument/2006/relationships" xmlns:p="http://schemas.openxmlformats.org/presentationml/2006/main" matchingName="Title and body" type="tx">
-  <p:cSld name="TITLE_AND_BODY">
-    <p:spTree>
-      <p:nvGrpSpPr>
-        <p:cNvPr id="1" name="Shape 21"/>
-        <p:cNvGrpSpPr/>
-        <p:nvPr/>
-      </p:nvGrpSpPr>
-      <p:grpSpPr>
-        <a:xfrm>
-          <a:off x="0" y="0"/>
-          <a:ext cx="0" cy="0"/>
-          <a:chOff x="0" y="0"/>
-          <a:chExt cx="0" cy="0"/>
-        </a:xfrm>
-      </p:grpSpPr>
-      <p:cxnSp>
-        <p:nvCxnSpPr>
-          <p:cNvPr id="22" name="Google Shape;22;p4"/>
-          <p:cNvCxnSpPr/>
-          <p:nvPr/>
-        </p:nvCxnSpPr>
-        <p:spPr>
-          <a:xfrm>
-            <a:off x="2477724" y="415650"/>
-            <a:ext cx="6244200" cy="0"/>
-          </a:xfrm>
-          <a:prstGeom prst="straightConnector1">
-            <a:avLst/>
-          </a:prstGeom>
-          <a:noFill/>
-          <a:ln w="38100" cap="flat" cmpd="sng">
-            <a:solidFill>
-              <a:schemeClr val="dk2"/>
-            </a:solidFill>
-            <a:prstDash val="solid"/>
-            <a:round/>
-            <a:headEnd type="none" w="sm" len="sm"/>
-            <a:tailEnd type="none" w="sm" len="sm"/>
-          </a:ln>
-        </p:spPr>
-      </p:cxnSp>
-      <p:cxnSp>
-        <p:nvCxnSpPr>
-          <p:cNvPr id="23" name="Google Shape;23;p4"/>
-          <p:cNvCxnSpPr/>
-          <p:nvPr/>
-        </p:nvCxnSpPr>
-        <p:spPr>
-          <a:xfrm>
-            <a:off x="2477724" y="4740000"/>
-            <a:ext cx="6244200" cy="0"/>
-          </a:xfrm>
-          <a:prstGeom prst="straightConnector1">
-            <a:avLst/>
-          </a:prstGeom>
-          <a:noFill/>
-          <a:ln w="19050" cap="flat" cmpd="sng">
-            <a:solidFill>
-              <a:schemeClr val="dk2"/>
-            </a:solidFill>
-            <a:prstDash val="solid"/>
-            <a:round/>
-            <a:headEnd type="none" w="sm" len="sm"/>
-            <a:tailEnd type="none" w="sm" len="sm"/>
-          </a:ln>
-        </p:spPr>
-      </p:cxnSp>
-      <p:cxnSp>
-        <p:nvCxnSpPr>
-          <p:cNvPr id="24" name="Google Shape;24;p4"/>
-          <p:cNvCxnSpPr/>
-          <p:nvPr/>
-        </p:nvCxnSpPr>
-        <p:spPr>
-          <a:xfrm>
-            <a:off x="425198" y="415650"/>
-            <a:ext cx="183300" cy="0"/>
-          </a:xfrm>
-          <a:prstGeom prst="straightConnector1">
-            <a:avLst/>
-          </a:prstGeom>
-          <a:noFill/>
-          <a:ln w="19050" cap="flat" cmpd="sng">
-            <a:solidFill>
-              <a:schemeClr val="dk2"/>
-            </a:solidFill>
-            <a:prstDash val="solid"/>
-            <a:round/>
-            <a:headEnd type="none" w="sm" len="sm"/>
-            <a:tailEnd type="none" w="sm" len="sm"/>
-          </a:ln>
-        </p:spPr>
-      </p:cxnSp>
-      <p:sp>
-        <p:nvSpPr>
-          <p:cNvPr id="25" name="Google Shape;25;p4"/>
-          <p:cNvSpPr txBox="1">
-            <a:spLocks noGrp="1"/>
-          </p:cNvSpPr>
-          <p:nvPr>
-            <p:ph type="title"/>
-          </p:nvPr>
-        </p:nvSpPr>
-        <p:spPr>
-          <a:xfrm>
-            <a:off x="2400250" y="575950"/>
-            <a:ext cx="6321600" cy="635400"/>
-          </a:xfrm>
-          <a:prstGeom prst="rect">
-            <a:avLst/>
-          </a:prstGeom>
-        </p:spPr>
-        <p:txBody>
-          <a:bodyPr spcFirstLastPara="1" wrap="square" lIns="91425" tIns="91425" rIns="91425" bIns="91425" anchor="t" anchorCtr="0">
-            <a:normAutofit/>
-          </a:bodyPr>
-          <a:lstStyle>
-            <a:lvl1pPr lvl="0">
-              <a:spcBef>
-                <a:spcPts val="0"/>
-              </a:spcBef>
-              <a:spcAft>
-                <a:spcPts val="0"/>
-              </a:spcAft>
-              <a:buSzPts val="3000"/>
-              <a:buNone/>
-              <a:defRPr/>
-            </a:lvl1pPr>
-            <a:lvl2pPr lvl="1">
-              <a:spcBef>
-                <a:spcPts val="0"/>
-              </a:spcBef>
-              <a:spcAft>
-                <a:spcPts val="0"/>
-              </a:spcAft>
-              <a:buSzPts val="3000"/>
-              <a:buNone/>
-              <a:defRPr/>
-            </a:lvl2pPr>
-            <a:lvl3pPr lvl="2">
-              <a:spcBef>
-                <a:spcPts val="0"/>
-              </a:spcBef>
-              <a:spcAft>
-                <a:spcPts val="0"/>
-              </a:spcAft>
-              <a:buSzPts val="3000"/>
-              <a:buNone/>
-              <a:defRPr/>
-            </a:lvl3pPr>
-            <a:lvl4pPr lvl="3">
-              <a:spcBef>
-                <a:spcPts val="0"/>
-              </a:spcBef>
-              <a:spcAft>
-                <a:spcPts val="0"/>
-              </a:spcAft>
-              <a:buSzPts val="3000"/>
-              <a:buNone/>
-              <a:defRPr/>
-            </a:lvl4pPr>
-            <a:lvl5pPr lvl="4">
-              <a:spcBef>
-                <a:spcPts val="0"/>
-              </a:spcBef>
-              <a:spcAft>
-                <a:spcPts val="0"/>
-              </a:spcAft>
-              <a:buSzPts val="3000"/>
-              <a:buNone/>
-              <a:defRPr/>
-            </a:lvl5pPr>
-            <a:lvl6pPr lvl="5">
-              <a:spcBef>
-                <a:spcPts val="0"/>
-              </a:spcBef>
-              <a:spcAft>
-                <a:spcPts val="0"/>
-              </a:spcAft>
-              <a:buSzPts val="3000"/>
-              <a:buNone/>
-              <a:defRPr/>
-            </a:lvl6pPr>
-            <a:lvl7pPr lvl="6">
-              <a:spcBef>
-                <a:spcPts val="0"/>
-              </a:spcBef>
-              <a:spcAft>
-                <a:spcPts val="0"/>
-              </a:spcAft>
-              <a:buSzPts val="3000"/>
-              <a:buNone/>
-              <a:defRPr/>
-            </a:lvl7pPr>
-            <a:lvl8pPr lvl="7">
-              <a:spcBef>
-                <a:spcPts val="0"/>
-              </a:spcBef>
-              <a:spcAft>
-                <a:spcPts val="0"/>
-              </a:spcAft>
-              <a:buSzPts val="3000"/>
-              <a:buNone/>
-              <a:defRPr/>
-            </a:lvl8pPr>
-            <a:lvl9pPr lvl="8">
-              <a:spcBef>
-                <a:spcPts val="0"/>
-              </a:spcBef>
-              <a:spcAft>
-                <a:spcPts val="0"/>
-              </a:spcAft>
-              <a:buSzPts val="3000"/>
-              <a:buNone/>
-              <a:defRPr/>
-            </a:lvl9pPr>
-          </a:lstStyle>
-          <a:p>
-            <a:endParaRPr/>
-          </a:p>
-        </p:txBody>
-      </p:sp>
-      <p:sp>
-        <p:nvSpPr>
-          <p:cNvPr id="26" name="Google Shape;26;p4"/>
-          <p:cNvSpPr txBox="1">
-            <a:spLocks noGrp="1"/>
-          </p:cNvSpPr>
-          <p:nvPr>
-            <p:ph type="body" idx="1"/>
-          </p:nvPr>
-        </p:nvSpPr>
-        <p:spPr>
-          <a:xfrm>
-            <a:off x="2410112" y="1595776"/>
-            <a:ext cx="6321600" cy="3002400"/>
-          </a:xfrm>
-          <a:prstGeom prst="rect">
-            <a:avLst/>
-          </a:prstGeom>
-        </p:spPr>
-        <p:txBody>
-          <a:bodyPr spcFirstLastPara="1" wrap="square" lIns="91425" tIns="91425" rIns="91425" bIns="91425" anchor="t" anchorCtr="0">
-            <a:normAutofit/>
-          </a:bodyPr>
-          <a:lstStyle>
-            <a:lvl1pPr marL="457200" lvl="0" indent="-342900">
-              <a:spcBef>
-                <a:spcPts val="0"/>
-              </a:spcBef>
-              <a:spcAft>
-                <a:spcPts val="0"/>
-              </a:spcAft>
-              <a:buSzPts val="1800"/>
-              <a:buChar char="●"/>
-              <a:defRPr/>
-            </a:lvl1pPr>
-            <a:lvl2pPr marL="914400" lvl="1" indent="-317500">
-              <a:spcBef>
-                <a:spcPts val="0"/>
-              </a:spcBef>
-              <a:spcAft>
-                <a:spcPts val="0"/>
-              </a:spcAft>
-              <a:buSzPts val="1400"/>
-              <a:buChar char="○"/>
-              <a:defRPr/>
-            </a:lvl2pPr>
-            <a:lvl3pPr marL="1371600" lvl="2" indent="-317500">
-              <a:spcBef>
-                <a:spcPts val="0"/>
-              </a:spcBef>
-              <a:spcAft>
-                <a:spcPts val="0"/>
-              </a:spcAft>
-              <a:buSzPts val="1400"/>
-              <a:buChar char="■"/>
-              <a:defRPr/>
-            </a:lvl3pPr>
-            <a:lvl4pPr marL="1828800" lvl="3" indent="-317500">
-              <a:spcBef>
-                <a:spcPts val="0"/>
-              </a:spcBef>
-              <a:spcAft>
-                <a:spcPts val="0"/>
-              </a:spcAft>
-              <a:buSzPts val="1400"/>
-              <a:buChar char="●"/>
-              <a:defRPr/>
-            </a:lvl4pPr>
-            <a:lvl5pPr marL="2286000" lvl="4" indent="-317500">
-              <a:spcBef>
-                <a:spcPts val="0"/>
-              </a:spcBef>
-              <a:spcAft>
-                <a:spcPts val="0"/>
-              </a:spcAft>
-              <a:buSzPts val="1400"/>
-              <a:buChar char="○"/>
-              <a:defRPr/>
-            </a:lvl5pPr>
-            <a:lvl6pPr marL="2743200" lvl="5" indent="-317500">
-              <a:spcBef>
-                <a:spcPts val="0"/>
-              </a:spcBef>
-              <a:spcAft>
-                <a:spcPts val="0"/>
-              </a:spcAft>
-              <a:buSzPts val="1400"/>
-              <a:buChar char="■"/>
-              <a:defRPr/>
-            </a:lvl6pPr>
-            <a:lvl7pPr marL="3200400" lvl="6" indent="-317500">
-              <a:spcBef>
-                <a:spcPts val="0"/>
-              </a:spcBef>
-              <a:spcAft>
-                <a:spcPts val="0"/>
-              </a:spcAft>
-              <a:buSzPts val="1400"/>
-              <a:buChar char="●"/>
-              <a:defRPr/>
-            </a:lvl7pPr>
-            <a:lvl8pPr marL="3657600" lvl="7" indent="-317500">
-              <a:spcBef>
-                <a:spcPts val="0"/>
-              </a:spcBef>
-              <a:spcAft>
-                <a:spcPts val="0"/>
-              </a:spcAft>
-              <a:buSzPts val="1400"/>
-              <a:buChar char="○"/>
-              <a:defRPr/>
-            </a:lvl8pPr>
-            <a:lvl9pPr marL="4114800" lvl="8" indent="-317500">
-              <a:spcBef>
-                <a:spcPts val="0"/>
-              </a:spcBef>
-              <a:spcAft>
-                <a:spcPts val="0"/>
-              </a:spcAft>
-              <a:buSzPts val="1400"/>
-              <a:buChar char="■"/>
-              <a:defRPr/>
-            </a:lvl9pPr>
-          </a:lstStyle>
-          <a:p>
-            <a:endParaRPr/>
-          </a:p>
-        </p:txBody>
-      </p:sp>
-      <p:sp>
-        <p:nvSpPr>
-          <p:cNvPr id="27" name="Google Shape;27;p4"/>
-          <p:cNvSpPr txBox="1">
-            <a:spLocks noGrp="1"/>
-          </p:cNvSpPr>
-          <p:nvPr>
-            <p:ph type="sldNum" idx="12"/>
-          </p:nvPr>
-        </p:nvSpPr>
-        <p:spPr>
-          <a:xfrm>
-            <a:off x="8497999" y="4688759"/>
-            <a:ext cx="548700" cy="393600"/>
-          </a:xfrm>
-          <a:prstGeom prst="rect">
-            <a:avLst/>
-          </a:prstGeom>
-        </p:spPr>
-        <p:txBody>
-          <a:bodyPr spcFirstLastPara="1" wrap="square" lIns="91425" tIns="91425" rIns="91425" bIns="91425" anchor="ctr" anchorCtr="0">
-            <a:normAutofit/>
-          </a:bodyPr>
-          <a:lstStyle>
-            <a:lvl1pPr lvl="0">
-              <a:buNone/>
-              <a:defRPr/>
-            </a:lvl1pPr>
-            <a:lvl2pPr lvl="1">
-              <a:buNone/>
-              <a:defRPr/>
-            </a:lvl2pPr>
-            <a:lvl3pPr lvl="2">
-              <a:buNone/>
-              <a:defRPr/>
-            </a:lvl3pPr>
-            <a:lvl4pPr lvl="3">
-              <a:buNone/>
-              <a:defRPr/>
-            </a:lvl4pPr>
-            <a:lvl5pPr lvl="4">
-              <a:buNone/>
-              <a:defRPr/>
-            </a:lvl5pPr>
-            <a:lvl6pPr lvl="5">
-              <a:buNone/>
-              <a:defRPr/>
-            </a:lvl6pPr>
-            <a:lvl7pPr lvl="6">
-              <a:buNone/>
-              <a:defRPr/>
-            </a:lvl7pPr>
-            <a:lvl8pPr lvl="7">
-              <a:buNone/>
-              <a:defRPr/>
-            </a:lvl8pPr>
-            <a:lvl9pPr lvl="8">
-              <a:buNone/>
-              <a:defRPr/>
-            </a:lvl9pPr>
-          </a:lstStyle>
-          <a:p>
-            <a:pPr marL="0" lvl="0" indent="0" algn="r" rtl="0">
-              <a:spcBef>
-                <a:spcPts val="0"/>
-              </a:spcBef>
-              <a:spcAft>
-                <a:spcPts val="0"/>
-              </a:spcAft>
-              <a:buNone/>
-            </a:pPr>
-            <a:fld id="{00000000-1234-1234-1234-123412341234}" type="slidenum">
-              <a:rPr lang="en"/>
-              <a:t>‹#›</a:t>
-            </a:fld>
-            <a:endParaRPr/>
-          </a:p>
-        </p:txBody>
-      </p:sp>
-    </p:spTree>
-  </p:cSld>
-  <p:clrMapOvr>
-    <a:masterClrMapping/>
-  </p:clrMapOvr>
-</p:sldLayout>
-</file>
-
-<file path=ppt/slideLayouts/slideLayout4.xml><?xml version="1.0" encoding="utf-8"?>
 <p:sldLayout xmlns:a="http://schemas.openxmlformats.org/drawingml/2006/main" xmlns:r="http://schemas.openxmlformats.org/officeDocument/2006/relationships" xmlns:p="http://schemas.openxmlformats.org/presentationml/2006/main" matchingName="Title and two columns" type="twoColTx">
   <p:cSld name="TITLE_AND_TWO_COLUMNS">
     <p:spTree>
@@ -4002,7 +3296,7 @@
 </p:sldLayout>
 </file>
 
-<file path=ppt/slideLayouts/slideLayout5.xml><?xml version="1.0" encoding="utf-8"?>
+<file path=ppt/slideLayouts/slideLayout4.xml><?xml version="1.0" encoding="utf-8"?>
 <p:sldLayout xmlns:a="http://schemas.openxmlformats.org/drawingml/2006/main" xmlns:r="http://schemas.openxmlformats.org/officeDocument/2006/relationships" xmlns:p="http://schemas.openxmlformats.org/presentationml/2006/main" matchingName="Title only" type="titleOnly">
   <p:cSld name="TITLE_ONLY">
     <p:spTree>
@@ -4235,7 +3529,7 @@
 </p:sldLayout>
 </file>
 
-<file path=ppt/slideLayouts/slideLayout6.xml><?xml version="1.0" encoding="utf-8"?>
+<file path=ppt/slideLayouts/slideLayout5.xml><?xml version="1.0" encoding="utf-8"?>
 <p:sldLayout xmlns:a="http://schemas.openxmlformats.org/drawingml/2006/main" xmlns:r="http://schemas.openxmlformats.org/officeDocument/2006/relationships" xmlns:p="http://schemas.openxmlformats.org/presentationml/2006/main" matchingName="One column text">
   <p:cSld name="ONE_COLUMN_TEXT">
     <p:spTree>
@@ -4623,7 +3917,7 @@
 </p:sldLayout>
 </file>
 
-<file path=ppt/slideLayouts/slideLayout7.xml><?xml version="1.0" encoding="utf-8"?>
+<file path=ppt/slideLayouts/slideLayout6.xml><?xml version="1.0" encoding="utf-8"?>
 <p:sldLayout xmlns:a="http://schemas.openxmlformats.org/drawingml/2006/main" xmlns:r="http://schemas.openxmlformats.org/officeDocument/2006/relationships" xmlns:p="http://schemas.openxmlformats.org/presentationml/2006/main" matchingName="Main point">
   <p:cSld name="MAIN_POINT">
     <p:spTree>
@@ -4981,7 +4275,7 @@
 </p:sldLayout>
 </file>
 
-<file path=ppt/slideLayouts/slideLayout8.xml><?xml version="1.0" encoding="utf-8"?>
+<file path=ppt/slideLayouts/slideLayout7.xml><?xml version="1.0" encoding="utf-8"?>
 <p:sldLayout xmlns:a="http://schemas.openxmlformats.org/drawingml/2006/main" xmlns:r="http://schemas.openxmlformats.org/officeDocument/2006/relationships" xmlns:p="http://schemas.openxmlformats.org/presentationml/2006/main" matchingName="Section title and description">
   <p:cSld name="SECTION_TITLE_AND_DESCRIPTION">
     <p:spTree>
@@ -5727,7 +5021,7 @@
 </p:sldLayout>
 </file>
 
-<file path=ppt/slideLayouts/slideLayout9.xml><?xml version="1.0" encoding="utf-8"?>
+<file path=ppt/slideLayouts/slideLayout8.xml><?xml version="1.0" encoding="utf-8"?>
 <p:sldLayout xmlns:a="http://schemas.openxmlformats.org/drawingml/2006/main" xmlns:r="http://schemas.openxmlformats.org/officeDocument/2006/relationships" xmlns:p="http://schemas.openxmlformats.org/presentationml/2006/main" matchingName="Caption">
   <p:cSld name="CAPTION_ONLY">
     <p:spTree>
@@ -5927,6 +5221,530 @@
 </p:sldLayout>
 </file>
 
+<file path=ppt/slideLayouts/slideLayout9.xml><?xml version="1.0" encoding="utf-8"?>
+<p:sldLayout xmlns:a="http://schemas.openxmlformats.org/drawingml/2006/main" xmlns:r="http://schemas.openxmlformats.org/officeDocument/2006/relationships" xmlns:p="http://schemas.openxmlformats.org/presentationml/2006/main" matchingName="Big number">
+  <p:cSld name="BIG_NUMBER">
+    <p:spTree>
+      <p:nvGrpSpPr>
+        <p:cNvPr id="1" name="Shape 60"/>
+        <p:cNvGrpSpPr/>
+        <p:nvPr/>
+      </p:nvGrpSpPr>
+      <p:grpSpPr>
+        <a:xfrm>
+          <a:off x="0" y="0"/>
+          <a:ext cx="0" cy="0"/>
+          <a:chOff x="0" y="0"/>
+          <a:chExt cx="0" cy="0"/>
+        </a:xfrm>
+      </p:grpSpPr>
+      <p:cxnSp>
+        <p:nvCxnSpPr>
+          <p:cNvPr id="61" name="Google Shape;61;p11"/>
+          <p:cNvCxnSpPr/>
+          <p:nvPr/>
+        </p:nvCxnSpPr>
+        <p:spPr>
+          <a:xfrm>
+            <a:off x="425200" y="4740000"/>
+            <a:ext cx="8296800" cy="0"/>
+          </a:xfrm>
+          <a:prstGeom prst="straightConnector1">
+            <a:avLst/>
+          </a:prstGeom>
+          <a:noFill/>
+          <a:ln w="19050" cap="flat" cmpd="sng">
+            <a:solidFill>
+              <a:schemeClr val="dk2"/>
+            </a:solidFill>
+            <a:prstDash val="solid"/>
+            <a:round/>
+            <a:headEnd type="none" w="sm" len="sm"/>
+            <a:tailEnd type="none" w="sm" len="sm"/>
+          </a:ln>
+        </p:spPr>
+      </p:cxnSp>
+      <p:cxnSp>
+        <p:nvCxnSpPr>
+          <p:cNvPr id="62" name="Google Shape;62;p11"/>
+          <p:cNvCxnSpPr/>
+          <p:nvPr/>
+        </p:nvCxnSpPr>
+        <p:spPr>
+          <a:xfrm>
+            <a:off x="425200" y="415650"/>
+            <a:ext cx="8296800" cy="0"/>
+          </a:xfrm>
+          <a:prstGeom prst="straightConnector1">
+            <a:avLst/>
+          </a:prstGeom>
+          <a:noFill/>
+          <a:ln w="38100" cap="flat" cmpd="sng">
+            <a:solidFill>
+              <a:schemeClr val="dk2"/>
+            </a:solidFill>
+            <a:prstDash val="solid"/>
+            <a:round/>
+            <a:headEnd type="none" w="sm" len="sm"/>
+            <a:tailEnd type="none" w="sm" len="sm"/>
+          </a:ln>
+        </p:spPr>
+      </p:cxnSp>
+      <p:sp>
+        <p:nvSpPr>
+          <p:cNvPr id="63" name="Google Shape;63;p11"/>
+          <p:cNvSpPr txBox="1">
+            <a:spLocks noGrp="1"/>
+          </p:cNvSpPr>
+          <p:nvPr>
+            <p:ph type="title" hasCustomPrompt="1"/>
+          </p:nvPr>
+        </p:nvSpPr>
+        <p:spPr>
+          <a:xfrm>
+            <a:off x="853950" y="1304850"/>
+            <a:ext cx="7436100" cy="1538400"/>
+          </a:xfrm>
+          <a:prstGeom prst="rect">
+            <a:avLst/>
+          </a:prstGeom>
+        </p:spPr>
+        <p:txBody>
+          <a:bodyPr spcFirstLastPara="1" wrap="square" lIns="91425" tIns="91425" rIns="91425" bIns="91425" anchor="ctr" anchorCtr="0">
+            <a:normAutofit/>
+          </a:bodyPr>
+          <a:lstStyle>
+            <a:lvl1pPr lvl="0" algn="ctr">
+              <a:spcBef>
+                <a:spcPts val="0"/>
+              </a:spcBef>
+              <a:spcAft>
+                <a:spcPts val="0"/>
+              </a:spcAft>
+              <a:buClr>
+                <a:schemeClr val="dk1"/>
+              </a:buClr>
+              <a:buSzPts val="9600"/>
+              <a:buFont typeface="Lato"/>
+              <a:buNone/>
+              <a:defRPr sz="9600">
+                <a:solidFill>
+                  <a:schemeClr val="dk1"/>
+                </a:solidFill>
+                <a:latin typeface="Lato"/>
+                <a:ea typeface="Lato"/>
+                <a:cs typeface="Lato"/>
+                <a:sym typeface="Lato"/>
+              </a:defRPr>
+            </a:lvl1pPr>
+            <a:lvl2pPr lvl="1" algn="ctr">
+              <a:spcBef>
+                <a:spcPts val="0"/>
+              </a:spcBef>
+              <a:spcAft>
+                <a:spcPts val="0"/>
+              </a:spcAft>
+              <a:buClr>
+                <a:schemeClr val="dk1"/>
+              </a:buClr>
+              <a:buSzPts val="9600"/>
+              <a:buFont typeface="Lato"/>
+              <a:buNone/>
+              <a:defRPr sz="9600">
+                <a:solidFill>
+                  <a:schemeClr val="dk1"/>
+                </a:solidFill>
+                <a:latin typeface="Lato"/>
+                <a:ea typeface="Lato"/>
+                <a:cs typeface="Lato"/>
+                <a:sym typeface="Lato"/>
+              </a:defRPr>
+            </a:lvl2pPr>
+            <a:lvl3pPr lvl="2" algn="ctr">
+              <a:spcBef>
+                <a:spcPts val="0"/>
+              </a:spcBef>
+              <a:spcAft>
+                <a:spcPts val="0"/>
+              </a:spcAft>
+              <a:buClr>
+                <a:schemeClr val="dk1"/>
+              </a:buClr>
+              <a:buSzPts val="9600"/>
+              <a:buFont typeface="Lato"/>
+              <a:buNone/>
+              <a:defRPr sz="9600">
+                <a:solidFill>
+                  <a:schemeClr val="dk1"/>
+                </a:solidFill>
+                <a:latin typeface="Lato"/>
+                <a:ea typeface="Lato"/>
+                <a:cs typeface="Lato"/>
+                <a:sym typeface="Lato"/>
+              </a:defRPr>
+            </a:lvl3pPr>
+            <a:lvl4pPr lvl="3" algn="ctr">
+              <a:spcBef>
+                <a:spcPts val="0"/>
+              </a:spcBef>
+              <a:spcAft>
+                <a:spcPts val="0"/>
+              </a:spcAft>
+              <a:buClr>
+                <a:schemeClr val="dk1"/>
+              </a:buClr>
+              <a:buSzPts val="9600"/>
+              <a:buFont typeface="Lato"/>
+              <a:buNone/>
+              <a:defRPr sz="9600">
+                <a:solidFill>
+                  <a:schemeClr val="dk1"/>
+                </a:solidFill>
+                <a:latin typeface="Lato"/>
+                <a:ea typeface="Lato"/>
+                <a:cs typeface="Lato"/>
+                <a:sym typeface="Lato"/>
+              </a:defRPr>
+            </a:lvl4pPr>
+            <a:lvl5pPr lvl="4" algn="ctr">
+              <a:spcBef>
+                <a:spcPts val="0"/>
+              </a:spcBef>
+              <a:spcAft>
+                <a:spcPts val="0"/>
+              </a:spcAft>
+              <a:buClr>
+                <a:schemeClr val="dk1"/>
+              </a:buClr>
+              <a:buSzPts val="9600"/>
+              <a:buFont typeface="Lato"/>
+              <a:buNone/>
+              <a:defRPr sz="9600">
+                <a:solidFill>
+                  <a:schemeClr val="dk1"/>
+                </a:solidFill>
+                <a:latin typeface="Lato"/>
+                <a:ea typeface="Lato"/>
+                <a:cs typeface="Lato"/>
+                <a:sym typeface="Lato"/>
+              </a:defRPr>
+            </a:lvl5pPr>
+            <a:lvl6pPr lvl="5" algn="ctr">
+              <a:spcBef>
+                <a:spcPts val="0"/>
+              </a:spcBef>
+              <a:spcAft>
+                <a:spcPts val="0"/>
+              </a:spcAft>
+              <a:buClr>
+                <a:schemeClr val="dk1"/>
+              </a:buClr>
+              <a:buSzPts val="9600"/>
+              <a:buFont typeface="Lato"/>
+              <a:buNone/>
+              <a:defRPr sz="9600">
+                <a:solidFill>
+                  <a:schemeClr val="dk1"/>
+                </a:solidFill>
+                <a:latin typeface="Lato"/>
+                <a:ea typeface="Lato"/>
+                <a:cs typeface="Lato"/>
+                <a:sym typeface="Lato"/>
+              </a:defRPr>
+            </a:lvl6pPr>
+            <a:lvl7pPr lvl="6" algn="ctr">
+              <a:spcBef>
+                <a:spcPts val="0"/>
+              </a:spcBef>
+              <a:spcAft>
+                <a:spcPts val="0"/>
+              </a:spcAft>
+              <a:buClr>
+                <a:schemeClr val="dk1"/>
+              </a:buClr>
+              <a:buSzPts val="9600"/>
+              <a:buFont typeface="Lato"/>
+              <a:buNone/>
+              <a:defRPr sz="9600">
+                <a:solidFill>
+                  <a:schemeClr val="dk1"/>
+                </a:solidFill>
+                <a:latin typeface="Lato"/>
+                <a:ea typeface="Lato"/>
+                <a:cs typeface="Lato"/>
+                <a:sym typeface="Lato"/>
+              </a:defRPr>
+            </a:lvl7pPr>
+            <a:lvl8pPr lvl="7" algn="ctr">
+              <a:spcBef>
+                <a:spcPts val="0"/>
+              </a:spcBef>
+              <a:spcAft>
+                <a:spcPts val="0"/>
+              </a:spcAft>
+              <a:buClr>
+                <a:schemeClr val="dk1"/>
+              </a:buClr>
+              <a:buSzPts val="9600"/>
+              <a:buFont typeface="Lato"/>
+              <a:buNone/>
+              <a:defRPr sz="9600">
+                <a:solidFill>
+                  <a:schemeClr val="dk1"/>
+                </a:solidFill>
+                <a:latin typeface="Lato"/>
+                <a:ea typeface="Lato"/>
+                <a:cs typeface="Lato"/>
+                <a:sym typeface="Lato"/>
+              </a:defRPr>
+            </a:lvl8pPr>
+            <a:lvl9pPr lvl="8" algn="ctr">
+              <a:spcBef>
+                <a:spcPts val="0"/>
+              </a:spcBef>
+              <a:spcAft>
+                <a:spcPts val="0"/>
+              </a:spcAft>
+              <a:buClr>
+                <a:schemeClr val="dk1"/>
+              </a:buClr>
+              <a:buSzPts val="9600"/>
+              <a:buFont typeface="Lato"/>
+              <a:buNone/>
+              <a:defRPr sz="9600">
+                <a:solidFill>
+                  <a:schemeClr val="dk1"/>
+                </a:solidFill>
+                <a:latin typeface="Lato"/>
+                <a:ea typeface="Lato"/>
+                <a:cs typeface="Lato"/>
+                <a:sym typeface="Lato"/>
+              </a:defRPr>
+            </a:lvl9pPr>
+          </a:lstStyle>
+          <a:p>
+            <a:r>
+              <a:t>xx%</a:t>
+            </a:r>
+          </a:p>
+        </p:txBody>
+      </p:sp>
+      <p:sp>
+        <p:nvSpPr>
+          <p:cNvPr id="64" name="Google Shape;64;p11"/>
+          <p:cNvSpPr txBox="1">
+            <a:spLocks noGrp="1"/>
+          </p:cNvSpPr>
+          <p:nvPr>
+            <p:ph type="body" idx="1"/>
+          </p:nvPr>
+        </p:nvSpPr>
+        <p:spPr>
+          <a:xfrm>
+            <a:off x="853950" y="2919450"/>
+            <a:ext cx="7436100" cy="1071600"/>
+          </a:xfrm>
+          <a:prstGeom prst="rect">
+            <a:avLst/>
+          </a:prstGeom>
+        </p:spPr>
+        <p:txBody>
+          <a:bodyPr spcFirstLastPara="1" wrap="square" lIns="91425" tIns="91425" rIns="91425" bIns="91425" anchor="t" anchorCtr="0">
+            <a:normAutofit/>
+          </a:bodyPr>
+          <a:lstStyle>
+            <a:lvl1pPr marL="457200" lvl="0" indent="-342900" algn="ctr">
+              <a:spcBef>
+                <a:spcPts val="0"/>
+              </a:spcBef>
+              <a:spcAft>
+                <a:spcPts val="0"/>
+              </a:spcAft>
+              <a:buSzPts val="1800"/>
+              <a:buChar char="●"/>
+              <a:defRPr/>
+            </a:lvl1pPr>
+            <a:lvl2pPr marL="914400" lvl="1" indent="-317500" algn="ctr">
+              <a:spcBef>
+                <a:spcPts val="0"/>
+              </a:spcBef>
+              <a:spcAft>
+                <a:spcPts val="0"/>
+              </a:spcAft>
+              <a:buSzPts val="1400"/>
+              <a:buChar char="○"/>
+              <a:defRPr/>
+            </a:lvl2pPr>
+            <a:lvl3pPr marL="1371600" lvl="2" indent="-317500" algn="ctr">
+              <a:spcBef>
+                <a:spcPts val="0"/>
+              </a:spcBef>
+              <a:spcAft>
+                <a:spcPts val="0"/>
+              </a:spcAft>
+              <a:buSzPts val="1400"/>
+              <a:buChar char="■"/>
+              <a:defRPr/>
+            </a:lvl3pPr>
+            <a:lvl4pPr marL="1828800" lvl="3" indent="-317500" algn="ctr">
+              <a:spcBef>
+                <a:spcPts val="0"/>
+              </a:spcBef>
+              <a:spcAft>
+                <a:spcPts val="0"/>
+              </a:spcAft>
+              <a:buSzPts val="1400"/>
+              <a:buChar char="●"/>
+              <a:defRPr/>
+            </a:lvl4pPr>
+            <a:lvl5pPr marL="2286000" lvl="4" indent="-317500" algn="ctr">
+              <a:spcBef>
+                <a:spcPts val="0"/>
+              </a:spcBef>
+              <a:spcAft>
+                <a:spcPts val="0"/>
+              </a:spcAft>
+              <a:buSzPts val="1400"/>
+              <a:buChar char="○"/>
+              <a:defRPr/>
+            </a:lvl5pPr>
+            <a:lvl6pPr marL="2743200" lvl="5" indent="-317500" algn="ctr">
+              <a:spcBef>
+                <a:spcPts val="0"/>
+              </a:spcBef>
+              <a:spcAft>
+                <a:spcPts val="0"/>
+              </a:spcAft>
+              <a:buSzPts val="1400"/>
+              <a:buChar char="■"/>
+              <a:defRPr/>
+            </a:lvl6pPr>
+            <a:lvl7pPr marL="3200400" lvl="6" indent="-317500" algn="ctr">
+              <a:spcBef>
+                <a:spcPts val="0"/>
+              </a:spcBef>
+              <a:spcAft>
+                <a:spcPts val="0"/>
+              </a:spcAft>
+              <a:buSzPts val="1400"/>
+              <a:buChar char="●"/>
+              <a:defRPr/>
+            </a:lvl7pPr>
+            <a:lvl8pPr marL="3657600" lvl="7" indent="-317500" algn="ctr">
+              <a:spcBef>
+                <a:spcPts val="0"/>
+              </a:spcBef>
+              <a:spcAft>
+                <a:spcPts val="0"/>
+              </a:spcAft>
+              <a:buSzPts val="1400"/>
+              <a:buChar char="○"/>
+              <a:defRPr/>
+            </a:lvl8pPr>
+            <a:lvl9pPr marL="4114800" lvl="8" indent="-317500" algn="ctr">
+              <a:spcBef>
+                <a:spcPts val="0"/>
+              </a:spcBef>
+              <a:spcAft>
+                <a:spcPts val="0"/>
+              </a:spcAft>
+              <a:buSzPts val="1400"/>
+              <a:buChar char="■"/>
+              <a:defRPr/>
+            </a:lvl9pPr>
+          </a:lstStyle>
+          <a:p>
+            <a:endParaRPr/>
+          </a:p>
+        </p:txBody>
+      </p:sp>
+      <p:sp>
+        <p:nvSpPr>
+          <p:cNvPr id="65" name="Google Shape;65;p11"/>
+          <p:cNvSpPr txBox="1">
+            <a:spLocks noGrp="1"/>
+          </p:cNvSpPr>
+          <p:nvPr>
+            <p:ph type="sldNum" idx="12"/>
+          </p:nvPr>
+        </p:nvSpPr>
+        <p:spPr>
+          <a:xfrm>
+            <a:off x="8497999" y="4688759"/>
+            <a:ext cx="548700" cy="393600"/>
+          </a:xfrm>
+          <a:prstGeom prst="rect">
+            <a:avLst/>
+          </a:prstGeom>
+        </p:spPr>
+        <p:txBody>
+          <a:bodyPr spcFirstLastPara="1" wrap="square" lIns="91425" tIns="91425" rIns="91425" bIns="91425" anchor="ctr" anchorCtr="0">
+            <a:normAutofit/>
+          </a:bodyPr>
+          <a:lstStyle>
+            <a:lvl1pPr lvl="0">
+              <a:buNone/>
+              <a:defRPr/>
+            </a:lvl1pPr>
+            <a:lvl2pPr lvl="1">
+              <a:buNone/>
+              <a:defRPr/>
+            </a:lvl2pPr>
+            <a:lvl3pPr lvl="2">
+              <a:buNone/>
+              <a:defRPr/>
+            </a:lvl3pPr>
+            <a:lvl4pPr lvl="3">
+              <a:buNone/>
+              <a:defRPr/>
+            </a:lvl4pPr>
+            <a:lvl5pPr lvl="4">
+              <a:buNone/>
+              <a:defRPr/>
+            </a:lvl5pPr>
+            <a:lvl6pPr lvl="5">
+              <a:buNone/>
+              <a:defRPr/>
+            </a:lvl6pPr>
+            <a:lvl7pPr lvl="6">
+              <a:buNone/>
+              <a:defRPr/>
+            </a:lvl7pPr>
+            <a:lvl8pPr lvl="7">
+              <a:buNone/>
+              <a:defRPr/>
+            </a:lvl8pPr>
+            <a:lvl9pPr lvl="8">
+              <a:buNone/>
+              <a:defRPr/>
+            </a:lvl9pPr>
+          </a:lstStyle>
+          <a:p>
+            <a:pPr marL="0" lvl="0" indent="0" algn="r" rtl="0">
+              <a:spcBef>
+                <a:spcPts val="0"/>
+              </a:spcBef>
+              <a:spcAft>
+                <a:spcPts val="0"/>
+              </a:spcAft>
+              <a:buNone/>
+            </a:pPr>
+            <a:fld id="{00000000-1234-1234-1234-123412341234}" type="slidenum">
+              <a:rPr lang="en"/>
+              <a:t>‹#›</a:t>
+            </a:fld>
+            <a:endParaRPr/>
+          </a:p>
+        </p:txBody>
+      </p:sp>
+    </p:spTree>
+  </p:cSld>
+  <p:clrMapOvr>
+    <a:masterClrMapping/>
+  </p:clrMapOvr>
+</p:sldLayout>
+</file>
+
 <file path=ppt/slideMasters/slideMaster1.xml><?xml version="1.0" encoding="utf-8"?>
 <p:sldMaster xmlns:a="http://schemas.openxmlformats.org/drawingml/2006/main" xmlns:r="http://schemas.openxmlformats.org/officeDocument/2006/relationships" xmlns:p="http://schemas.openxmlformats.org/presentationml/2006/main">
   <p:cSld name="swiss-2">
@@ -6624,15 +6442,14 @@
   <p:sldLayoutIdLst>
     <p:sldLayoutId id="2147483648" r:id="rId1"/>
     <p:sldLayoutId id="2147483649" r:id="rId2"/>
-    <p:sldLayoutId id="2147483650" r:id="rId3"/>
-    <p:sldLayoutId id="2147483651" r:id="rId4"/>
-    <p:sldLayoutId id="2147483652" r:id="rId5"/>
-    <p:sldLayoutId id="2147483653" r:id="rId6"/>
-    <p:sldLayoutId id="2147483654" r:id="rId7"/>
-    <p:sldLayoutId id="2147483655" r:id="rId8"/>
-    <p:sldLayoutId id="2147483656" r:id="rId9"/>
-    <p:sldLayoutId id="2147483657" r:id="rId10"/>
-    <p:sldLayoutId id="2147483658" r:id="rId11"/>
+    <p:sldLayoutId id="2147483651" r:id="rId3"/>
+    <p:sldLayoutId id="2147483652" r:id="rId4"/>
+    <p:sldLayoutId id="2147483653" r:id="rId5"/>
+    <p:sldLayoutId id="2147483654" r:id="rId6"/>
+    <p:sldLayoutId id="2147483655" r:id="rId7"/>
+    <p:sldLayoutId id="2147483656" r:id="rId8"/>
+    <p:sldLayoutId id="2147483657" r:id="rId9"/>
+    <p:sldLayoutId id="2147483658" r:id="rId10"/>
   </p:sldLayoutIdLst>
   <mc:AlternateContent xmlns:mc="http://schemas.openxmlformats.org/markup-compatibility/2006" xmlns:p14="http://schemas.microsoft.com/office/powerpoint/2010/main">
     <mc:Choice Requires="p14">
@@ -6640,7 +6457,7 @@
         <p:push/>
       </p:transition>
     </mc:Choice>
-    <mc:Fallback xmlns:ahyp="http://schemas.microsoft.com/office/drawing/2018/hyperlinkcolor" xmlns:p15="http://schemas.microsoft.com/office/powerpoint/2012/main" xmlns:com="http://schemas.openxmlformats.org/drawingml/2006/compatibility" xmlns:pvml="urn:schemas-microsoft-com:office:powerpoint" xmlns:v="urn:schemas-microsoft-com:vml" xmlns:o="urn:schemas-microsoft-com:office:office" xmlns:dgm="http://schemas.openxmlformats.org/drawingml/2006/diagram" xmlns:c="http://schemas.openxmlformats.org/drawingml/2006/chart" xmlns:mv="urn:schemas-microsoft-com:mac:vml" xmlns="">
+    <mc:Fallback xmlns="" xmlns:mv="urn:schemas-microsoft-com:mac:vml" xmlns:c="http://schemas.openxmlformats.org/drawingml/2006/chart" xmlns:dgm="http://schemas.openxmlformats.org/drawingml/2006/diagram" xmlns:o="urn:schemas-microsoft-com:office:office" xmlns:v="urn:schemas-microsoft-com:vml" xmlns:pvml="urn:schemas-microsoft-com:office:powerpoint" xmlns:com="http://schemas.openxmlformats.org/drawingml/2006/compatibility" xmlns:p15="http://schemas.microsoft.com/office/powerpoint/2012/main" xmlns:ahyp="http://schemas.microsoft.com/office/drawing/2018/hyperlinkcolor">
       <p:transition spd="slow">
         <p:fade/>
       </p:transition>
@@ -7433,8 +7250,406 @@
               <a:buNone/>
             </a:pPr>
             <a:r>
+              <a:rPr lang="en" dirty="0"/>
+              <a:t>Michael Cullen</a:t>
+            </a:r>
+            <a:endParaRPr dirty="0"/>
+          </a:p>
+          <a:p>
+            <a:pPr marL="0" lvl="0" indent="0" algn="l" rtl="0">
+              <a:spcBef>
+                <a:spcPts val="0"/>
+              </a:spcBef>
+              <a:spcAft>
+                <a:spcPts val="0"/>
+              </a:spcAft>
+              <a:buNone/>
+            </a:pPr>
+            <a:r>
+              <a:rPr lang="en" dirty="0"/>
+              <a:t>C00261635</a:t>
+            </a:r>
+            <a:endParaRPr dirty="0"/>
+          </a:p>
+          <a:p>
+            <a:pPr marL="0" lvl="0" indent="0" algn="l" rtl="0">
+              <a:spcBef>
+                <a:spcPts val="0"/>
+              </a:spcBef>
+              <a:spcAft>
+                <a:spcPts val="0"/>
+              </a:spcAft>
+              <a:buNone/>
+            </a:pPr>
+            <a:r>
+              <a:rPr lang="en" dirty="0"/>
+              <a:t>24/02/2024</a:t>
+            </a:r>
+            <a:endParaRPr dirty="0"/>
+          </a:p>
+        </p:txBody>
+      </p:sp>
+      <p:pic>
+        <p:nvPicPr>
+          <p:cNvPr id="3" name="Picture 2" descr="A blue and orange logo&#10;&#10;AI-generated content may be incorrect.">
+            <a:extLst>
+              <a:ext uri="{FF2B5EF4-FFF2-40B4-BE49-F238E27FC236}">
+                <a16:creationId xmlns:a16="http://schemas.microsoft.com/office/drawing/2014/main" id="{404176BD-6A2E-3069-1E75-77DD0B4607BE}"/>
+              </a:ext>
+            </a:extLst>
+          </p:cNvPr>
+          <p:cNvPicPr>
+            <a:picLocks noChangeAspect="1"/>
+          </p:cNvPicPr>
+          <p:nvPr/>
+        </p:nvPicPr>
+        <p:blipFill>
+          <a:blip r:embed="rId3"/>
+          <a:stretch>
+            <a:fillRect/>
+          </a:stretch>
+        </p:blipFill>
+        <p:spPr>
+          <a:xfrm>
+            <a:off x="5176157" y="1673115"/>
+            <a:ext cx="2808514" cy="2808514"/>
+          </a:xfrm>
+          <a:prstGeom prst="rect">
+            <a:avLst/>
+          </a:prstGeom>
+        </p:spPr>
+      </p:pic>
+    </p:spTree>
+  </p:cSld>
+  <p:clrMapOvr>
+    <a:masterClrMapping/>
+  </p:clrMapOvr>
+</p:sld>
+</file>
+
+<file path=ppt/slides/slide10.xml><?xml version="1.0" encoding="utf-8"?>
+<p:sld xmlns:a="http://schemas.openxmlformats.org/drawingml/2006/main" xmlns:r="http://schemas.openxmlformats.org/officeDocument/2006/relationships" xmlns:p="http://schemas.openxmlformats.org/presentationml/2006/main">
+  <p:cSld>
+    <p:spTree>
+      <p:nvGrpSpPr>
+        <p:cNvPr id="1" name="Shape 112">
+          <a:extLst>
+            <a:ext uri="{FF2B5EF4-FFF2-40B4-BE49-F238E27FC236}">
+              <a16:creationId xmlns:a16="http://schemas.microsoft.com/office/drawing/2014/main" id="{E9322A07-905D-D2B3-A605-110229F84DB1}"/>
+            </a:ext>
+          </a:extLst>
+        </p:cNvPr>
+        <p:cNvGrpSpPr/>
+        <p:nvPr/>
+      </p:nvGrpSpPr>
+      <p:grpSpPr>
+        <a:xfrm>
+          <a:off x="0" y="0"/>
+          <a:ext cx="0" cy="0"/>
+          <a:chOff x="0" y="0"/>
+          <a:chExt cx="0" cy="0"/>
+        </a:xfrm>
+      </p:grpSpPr>
+      <p:sp>
+        <p:nvSpPr>
+          <p:cNvPr id="113" name="Google Shape;113;p19">
+            <a:extLst>
+              <a:ext uri="{FF2B5EF4-FFF2-40B4-BE49-F238E27FC236}">
+                <a16:creationId xmlns:a16="http://schemas.microsoft.com/office/drawing/2014/main" id="{424ACDA5-DEED-6E8F-9113-8BB7034C8F76}"/>
+              </a:ext>
+            </a:extLst>
+          </p:cNvPr>
+          <p:cNvSpPr txBox="1">
+            <a:spLocks noGrp="1"/>
+          </p:cNvSpPr>
+          <p:nvPr>
+            <p:ph type="ctrTitle"/>
+          </p:nvPr>
+        </p:nvSpPr>
+        <p:spPr>
+          <a:xfrm>
+            <a:off x="630382" y="630225"/>
+            <a:ext cx="8072843" cy="905400"/>
+          </a:xfrm>
+          <a:prstGeom prst="rect">
+            <a:avLst/>
+          </a:prstGeom>
+        </p:spPr>
+        <p:txBody>
+          <a:bodyPr spcFirstLastPara="1" wrap="square" lIns="91425" tIns="91425" rIns="91425" bIns="91425" anchor="t" anchorCtr="0">
+            <a:normAutofit fontScale="90000"/>
+          </a:bodyPr>
+          <a:lstStyle/>
+          <a:p>
+            <a:pPr marL="0" lvl="0" indent="0" algn="l" rtl="0">
+              <a:spcBef>
+                <a:spcPts val="0"/>
+              </a:spcBef>
+              <a:spcAft>
+                <a:spcPts val="0"/>
+              </a:spcAft>
+              <a:buClr>
+                <a:schemeClr val="dk2"/>
+              </a:buClr>
+              <a:buSzPts val="990"/>
+              <a:buFont typeface="Arial"/>
+              <a:buNone/>
+            </a:pPr>
+            <a:r>
+              <a:rPr lang="en-IE" dirty="0"/>
+              <a:t>What’s next</a:t>
+            </a:r>
+            <a:endParaRPr dirty="0"/>
+          </a:p>
+          <a:p>
+            <a:pPr marL="0" lvl="0" indent="0" algn="l" rtl="0">
+              <a:spcBef>
+                <a:spcPts val="0"/>
+              </a:spcBef>
+              <a:spcAft>
+                <a:spcPts val="0"/>
+              </a:spcAft>
+              <a:buClr>
+                <a:schemeClr val="dk2"/>
+              </a:buClr>
+              <a:buSzPts val="990"/>
+              <a:buFont typeface="Arial"/>
+              <a:buNone/>
+            </a:pPr>
+            <a:endParaRPr dirty="0"/>
+          </a:p>
+          <a:p>
+            <a:pPr marL="0" lvl="0" indent="0" algn="l" rtl="0">
+              <a:spcBef>
+                <a:spcPts val="0"/>
+              </a:spcBef>
+              <a:spcAft>
+                <a:spcPts val="0"/>
+              </a:spcAft>
+              <a:buNone/>
+            </a:pPr>
+            <a:endParaRPr dirty="0"/>
+          </a:p>
+        </p:txBody>
+      </p:sp>
+      <p:sp>
+        <p:nvSpPr>
+          <p:cNvPr id="114" name="Google Shape;114;p19">
+            <a:extLst>
+              <a:ext uri="{FF2B5EF4-FFF2-40B4-BE49-F238E27FC236}">
+                <a16:creationId xmlns:a16="http://schemas.microsoft.com/office/drawing/2014/main" id="{CC1FD7F9-3130-24B1-B33B-1B5234EEDFFC}"/>
+              </a:ext>
+            </a:extLst>
+          </p:cNvPr>
+          <p:cNvSpPr txBox="1">
+            <a:spLocks noGrp="1"/>
+          </p:cNvSpPr>
+          <p:nvPr>
+            <p:ph type="subTitle" idx="1"/>
+          </p:nvPr>
+        </p:nvSpPr>
+        <p:spPr>
+          <a:xfrm>
+            <a:off x="482339" y="1572343"/>
+            <a:ext cx="8072844" cy="2469877"/>
+          </a:xfrm>
+          <a:prstGeom prst="rect">
+            <a:avLst/>
+          </a:prstGeom>
+        </p:spPr>
+        <p:txBody>
+          <a:bodyPr spcFirstLastPara="1" wrap="square" lIns="91425" tIns="91425" rIns="91425" bIns="91425" anchor="b" anchorCtr="0">
+            <a:spAutoFit/>
+          </a:bodyPr>
+          <a:lstStyle/>
+          <a:p>
+            <a:pPr marL="342900" lvl="0" rtl="0">
+              <a:lnSpc>
+                <a:spcPct val="150000"/>
+              </a:lnSpc>
+              <a:spcBef>
+                <a:spcPts val="0"/>
+              </a:spcBef>
+              <a:spcAft>
+                <a:spcPts val="0"/>
+              </a:spcAft>
+              <a:buFont typeface="Arial" panose="020B0604020202020204" pitchFamily="34" charset="0"/>
+              <a:buChar char="•"/>
+            </a:pPr>
+            <a:r>
+              <a:rPr lang="en-IE" sz="2000" dirty="0">
+                <a:latin typeface="Oswald" panose="00000500000000000000" pitchFamily="2" charset="0"/>
+              </a:rPr>
+              <a:t>Gamification &amp; Leaderboards</a:t>
+            </a:r>
+          </a:p>
+          <a:p>
+            <a:pPr marL="342900" lvl="0" rtl="0">
+              <a:lnSpc>
+                <a:spcPct val="150000"/>
+              </a:lnSpc>
+              <a:spcBef>
+                <a:spcPts val="0"/>
+              </a:spcBef>
+              <a:spcAft>
+                <a:spcPts val="0"/>
+              </a:spcAft>
+              <a:buFont typeface="Arial" panose="020B0604020202020204" pitchFamily="34" charset="0"/>
+              <a:buChar char="•"/>
+            </a:pPr>
+            <a:r>
+              <a:rPr lang="en-IE" sz="2000" dirty="0">
+                <a:latin typeface="Oswald" panose="00000500000000000000" pitchFamily="2" charset="0"/>
+                <a:ea typeface="Oswald"/>
+                <a:cs typeface="Oswald"/>
+                <a:sym typeface="Oswald"/>
+              </a:rPr>
+              <a:t>UI</a:t>
+            </a:r>
+          </a:p>
+          <a:p>
+            <a:pPr marL="342900" lvl="0" rtl="0">
+              <a:lnSpc>
+                <a:spcPct val="150000"/>
+              </a:lnSpc>
+              <a:spcBef>
+                <a:spcPts val="0"/>
+              </a:spcBef>
+              <a:spcAft>
+                <a:spcPts val="0"/>
+              </a:spcAft>
+              <a:buFont typeface="Arial" panose="020B0604020202020204" pitchFamily="34" charset="0"/>
+              <a:buChar char="•"/>
+            </a:pPr>
+            <a:r>
+              <a:rPr lang="en-IE" sz="2000" dirty="0">
+                <a:latin typeface="Oswald" panose="00000500000000000000" pitchFamily="2" charset="0"/>
+                <a:ea typeface="Oswald"/>
+                <a:cs typeface="Oswald"/>
+                <a:sym typeface="Oswald"/>
+              </a:rPr>
+              <a:t>More complex dialogue</a:t>
+            </a:r>
+          </a:p>
+          <a:p>
+            <a:pPr marL="342900" lvl="0" rtl="0">
+              <a:lnSpc>
+                <a:spcPct val="150000"/>
+              </a:lnSpc>
+              <a:spcBef>
+                <a:spcPts val="0"/>
+              </a:spcBef>
+              <a:spcAft>
+                <a:spcPts val="0"/>
+              </a:spcAft>
+              <a:buFont typeface="Arial" panose="020B0604020202020204" pitchFamily="34" charset="0"/>
+              <a:buChar char="•"/>
+            </a:pPr>
+            <a:r>
+              <a:rPr lang="en-IE" sz="2000" dirty="0">
+                <a:latin typeface="Oswald" panose="00000500000000000000" pitchFamily="2" charset="0"/>
+                <a:ea typeface="Oswald"/>
+                <a:cs typeface="Oswald"/>
+                <a:sym typeface="Oswald"/>
+              </a:rPr>
+              <a:t> Text-to-speech / speech-to-text input</a:t>
+            </a:r>
+          </a:p>
+          <a:p>
+            <a:pPr marL="342900" lvl="0" rtl="0">
+              <a:lnSpc>
+                <a:spcPct val="150000"/>
+              </a:lnSpc>
+              <a:spcBef>
+                <a:spcPts val="0"/>
+              </a:spcBef>
+              <a:spcAft>
+                <a:spcPts val="0"/>
+              </a:spcAft>
+              <a:buFont typeface="Arial" panose="020B0604020202020204" pitchFamily="34" charset="0"/>
+              <a:buChar char="•"/>
+            </a:pPr>
+            <a:endParaRPr lang="en-GB" sz="1900" dirty="0">
+              <a:latin typeface="Oswald"/>
+              <a:ea typeface="Oswald"/>
+              <a:cs typeface="Oswald"/>
+              <a:sym typeface="Oswald"/>
+            </a:endParaRPr>
+          </a:p>
+        </p:txBody>
+      </p:sp>
+    </p:spTree>
+    <p:extLst>
+      <p:ext uri="{BB962C8B-B14F-4D97-AF65-F5344CB8AC3E}">
+        <p14:creationId xmlns:p14="http://schemas.microsoft.com/office/powerpoint/2010/main" val="1079449280"/>
+      </p:ext>
+    </p:extLst>
+  </p:cSld>
+  <p:clrMapOvr>
+    <a:masterClrMapping/>
+  </p:clrMapOvr>
+</p:sld>
+</file>
+
+<file path=ppt/slides/slide11.xml><?xml version="1.0" encoding="utf-8"?>
+<p:sld xmlns:a="http://schemas.openxmlformats.org/drawingml/2006/main" xmlns:r="http://schemas.openxmlformats.org/officeDocument/2006/relationships" xmlns:p="http://schemas.openxmlformats.org/presentationml/2006/main">
+  <p:cSld>
+    <p:spTree>
+      <p:nvGrpSpPr>
+        <p:cNvPr id="1" name="Shape 149"/>
+        <p:cNvGrpSpPr/>
+        <p:nvPr/>
+      </p:nvGrpSpPr>
+      <p:grpSpPr>
+        <a:xfrm>
+          <a:off x="0" y="0"/>
+          <a:ext cx="0" cy="0"/>
+          <a:chOff x="0" y="0"/>
+          <a:chExt cx="0" cy="0"/>
+        </a:xfrm>
+      </p:grpSpPr>
+      <p:sp>
+        <p:nvSpPr>
+          <p:cNvPr id="150" name="Google Shape;150;p25"/>
+          <p:cNvSpPr txBox="1">
+            <a:spLocks noGrp="1"/>
+          </p:cNvSpPr>
+          <p:nvPr>
+            <p:ph type="ctrTitle"/>
+          </p:nvPr>
+        </p:nvSpPr>
+        <p:spPr>
+          <a:xfrm>
+            <a:off x="2371725" y="630225"/>
+            <a:ext cx="6331500" cy="905400"/>
+          </a:xfrm>
+          <a:prstGeom prst="rect">
+            <a:avLst/>
+          </a:prstGeom>
+        </p:spPr>
+        <p:txBody>
+          <a:bodyPr spcFirstLastPara="1" wrap="square" lIns="91425" tIns="91425" rIns="91425" bIns="91425" anchor="t" anchorCtr="0">
+            <a:normAutofit fontScale="90000"/>
+          </a:bodyPr>
+          <a:lstStyle/>
+          <a:p>
+            <a:pPr marL="0" lvl="0" indent="0" algn="l" rtl="0">
+              <a:spcBef>
+                <a:spcPts val="0"/>
+              </a:spcBef>
+              <a:spcAft>
+                <a:spcPts val="0"/>
+              </a:spcAft>
+              <a:buClr>
+                <a:schemeClr val="dk2"/>
+              </a:buClr>
+              <a:buSzPts val="990"/>
+              <a:buFont typeface="Arial"/>
+              <a:buNone/>
+            </a:pPr>
+            <a:r>
               <a:rPr lang="en"/>
-              <a:t>Michael Cullen</a:t>
+              <a:t>Questions?</a:t>
             </a:r>
             <a:endParaRPr/>
           </a:p>
@@ -7446,12 +7661,13 @@
               <a:spcAft>
                 <a:spcPts val="0"/>
               </a:spcAft>
+              <a:buClr>
+                <a:schemeClr val="dk2"/>
+              </a:buClr>
+              <a:buSzPts val="990"/>
+              <a:buFont typeface="Arial"/>
               <a:buNone/>
             </a:pPr>
-            <a:r>
-              <a:rPr lang="en"/>
-              <a:t>C00261635</a:t>
-            </a:r>
             <a:endParaRPr/>
           </a:p>
           <a:p>
@@ -7462,12 +7678,25 @@
               <a:spcAft>
                 <a:spcPts val="0"/>
               </a:spcAft>
+              <a:buClr>
+                <a:schemeClr val="dk2"/>
+              </a:buClr>
+              <a:buSzPts val="990"/>
+              <a:buFont typeface="Arial"/>
               <a:buNone/>
             </a:pPr>
-            <a:r>
-              <a:rPr lang="en"/>
-              <a:t>24/10/2024</a:t>
-            </a:r>
+            <a:endParaRPr/>
+          </a:p>
+          <a:p>
+            <a:pPr marL="0" lvl="0" indent="0" algn="l" rtl="0">
+              <a:spcBef>
+                <a:spcPts val="0"/>
+              </a:spcBef>
+              <a:spcAft>
+                <a:spcPts val="0"/>
+              </a:spcAft>
+              <a:buNone/>
+            </a:pPr>
             <a:endParaRPr/>
           </a:p>
         </p:txBody>
@@ -7551,8 +7780,8 @@
         </p:nvSpPr>
         <p:spPr>
           <a:xfrm>
-            <a:off x="2390275" y="1629150"/>
-            <a:ext cx="6331500" cy="2031900"/>
+            <a:off x="2520904" y="1251662"/>
+            <a:ext cx="6331500" cy="2492960"/>
           </a:xfrm>
           <a:prstGeom prst="rect">
             <a:avLst/>
@@ -7565,6 +7794,40 @@
           <a:lstStyle/>
           <a:p>
             <a:pPr marL="457200" lvl="0" indent="-355600" algn="l" rtl="0">
+              <a:lnSpc>
+                <a:spcPct val="150000"/>
+              </a:lnSpc>
+              <a:spcBef>
+                <a:spcPts val="0"/>
+              </a:spcBef>
+              <a:spcAft>
+                <a:spcPts val="0"/>
+              </a:spcAft>
+              <a:buSzPts val="2000"/>
+              <a:buFont typeface="Oswald"/>
+              <a:buChar char="●"/>
+            </a:pPr>
+            <a:r>
+              <a:rPr lang="en-GB" sz="2000" dirty="0">
+                <a:latin typeface="Oswald"/>
+                <a:ea typeface="Oswald"/>
+                <a:cs typeface="Oswald"/>
+                <a:sym typeface="Oswald"/>
+              </a:rPr>
+              <a:t>language learning tool that goes beyond traditional methods like flashcards and grammar exercises</a:t>
+            </a:r>
+            <a:endParaRPr lang="en" sz="2000" dirty="0">
+              <a:latin typeface="Oswald"/>
+              <a:ea typeface="Oswald"/>
+              <a:cs typeface="Oswald"/>
+              <a:sym typeface="Oswald"/>
+            </a:endParaRPr>
+          </a:p>
+          <a:p>
+            <a:pPr marL="457200" lvl="0" indent="-355600" algn="l" rtl="0">
+              <a:lnSpc>
+                <a:spcPct val="150000"/>
+              </a:lnSpc>
               <a:spcBef>
                 <a:spcPts val="0"/>
               </a:spcBef>
@@ -7582,7 +7845,7 @@
                 <a:cs typeface="Oswald"/>
                 <a:sym typeface="Oswald"/>
               </a:rPr>
-              <a:t>LingoLizard is a tool designed to help people learn languages using real time lessons and conversations. </a:t>
+              <a:t>AI to simulate interactions in different languages and give feedback.</a:t>
             </a:r>
             <a:endParaRPr sz="2000" dirty="0">
               <a:latin typeface="Oswald"/>
@@ -7593,6 +7856,9 @@
           </a:p>
           <a:p>
             <a:pPr marL="457200" lvl="0" indent="-355600" algn="l" rtl="0">
+              <a:lnSpc>
+                <a:spcPct val="150000"/>
+              </a:lnSpc>
               <a:spcBef>
                 <a:spcPts val="0"/>
               </a:spcBef>
@@ -7604,43 +7870,15 @@
               <a:buChar char="●"/>
             </a:pPr>
             <a:r>
-              <a:rPr lang="en" sz="2000" dirty="0">
+              <a:rPr lang="en-IE" sz="2000" dirty="0">
                 <a:latin typeface="Oswald"/>
                 <a:ea typeface="Oswald"/>
                 <a:cs typeface="Oswald"/>
                 <a:sym typeface="Oswald"/>
               </a:rPr>
-              <a:t>It will do this using AI to simulate interactions in different languages.</a:t>
+              <a:t>Cheaper and more accessible</a:t>
             </a:r>
-            <a:endParaRPr sz="2000" dirty="0">
-              <a:latin typeface="Oswald"/>
-              <a:ea typeface="Oswald"/>
-              <a:cs typeface="Oswald"/>
-              <a:sym typeface="Oswald"/>
-            </a:endParaRPr>
-          </a:p>
-          <a:p>
-            <a:pPr marL="457200" lvl="0" indent="-355600" algn="l" rtl="0">
-              <a:spcBef>
-                <a:spcPts val="0"/>
-              </a:spcBef>
-              <a:spcAft>
-                <a:spcPts val="0"/>
-              </a:spcAft>
-              <a:buSzPts val="2000"/>
-              <a:buFont typeface="Oswald"/>
-              <a:buChar char="●"/>
-            </a:pPr>
-            <a:r>
-              <a:rPr lang="en" sz="2000" dirty="0">
-                <a:latin typeface="Oswald"/>
-                <a:ea typeface="Oswald"/>
-                <a:cs typeface="Oswald"/>
-                <a:sym typeface="Oswald"/>
-              </a:rPr>
-              <a:t>It will be able to give real time feedback and corrections to spelling and grammar.</a:t>
-            </a:r>
-            <a:endParaRPr sz="2000" dirty="0">
+            <a:endParaRPr lang="en" sz="2000" dirty="0">
               <a:latin typeface="Oswald"/>
               <a:ea typeface="Oswald"/>
               <a:cs typeface="Oswald"/>
@@ -7796,8 +8034,8 @@
         </p:nvSpPr>
         <p:spPr>
           <a:xfrm>
-            <a:off x="2390275" y="1937602"/>
-            <a:ext cx="6331500" cy="2646848"/>
+            <a:off x="2371725" y="1793877"/>
+            <a:ext cx="6331500" cy="2031295"/>
           </a:xfrm>
           <a:prstGeom prst="rect">
             <a:avLst/>
@@ -7809,33 +8047,26 @@
           </a:bodyPr>
           <a:lstStyle/>
           <a:p>
-            <a:pPr marL="457200" lvl="0" indent="-355600" algn="l" rtl="0">
-              <a:spcBef>
-                <a:spcPts val="0"/>
-              </a:spcBef>
-              <a:spcAft>
-                <a:spcPts val="0"/>
-              </a:spcAft>
+            <a:pPr indent="-355600">
+              <a:lnSpc>
+                <a:spcPct val="150000"/>
+              </a:lnSpc>
               <a:buSzPts val="2000"/>
               <a:buFont typeface="Oswald"/>
               <a:buChar char="●"/>
             </a:pPr>
             <a:r>
-              <a:rPr lang="en-IE" sz="2000" dirty="0"/>
-              <a:t>Microsoft Bot Framework: B</a:t>
+              <a:rPr lang="en-IE" sz="2000" b="1" u="sng" dirty="0">
+                <a:latin typeface="Oswald" panose="00000500000000000000" pitchFamily="2" charset="0"/>
+              </a:rPr>
+              <a:t>Python</a:t>
             </a:r>
-            <a:r>
-              <a:rPr lang="en-GB" sz="2000" dirty="0" err="1"/>
-              <a:t>uilding</a:t>
-            </a:r>
-            <a:r>
-              <a:rPr lang="en-GB" sz="2000" dirty="0"/>
-              <a:t> enterprise-grade conversational AI experiences</a:t>
-            </a:r>
-            <a:endParaRPr lang="en-IE" sz="2000" dirty="0"/>
           </a:p>
           <a:p>
             <a:pPr marL="457200" lvl="0" indent="-355600" algn="l" rtl="0">
+              <a:lnSpc>
+                <a:spcPct val="150000"/>
+              </a:lnSpc>
               <a:spcBef>
                 <a:spcPts val="0"/>
               </a:spcBef>
@@ -7847,12 +8078,17 @@
               <a:buChar char="●"/>
             </a:pPr>
             <a:r>
-              <a:rPr lang="en-IE" sz="2000" dirty="0"/>
-              <a:t>Python: Handles Backend with supported AI libraries</a:t>
+              <a:rPr lang="en-IE" sz="2000" b="1" u="sng" dirty="0">
+                <a:latin typeface="Oswald" panose="00000500000000000000" pitchFamily="2" charset="0"/>
+              </a:rPr>
+              <a:t>Microsoft Bot Framework</a:t>
             </a:r>
           </a:p>
           <a:p>
             <a:pPr marL="457200" lvl="0" indent="-355600" algn="l" rtl="0">
+              <a:lnSpc>
+                <a:spcPct val="150000"/>
+              </a:lnSpc>
               <a:spcBef>
                 <a:spcPts val="0"/>
               </a:spcBef>
@@ -7864,20 +8100,23 @@
               <a:buChar char="●"/>
             </a:pPr>
             <a:r>
-              <a:rPr lang="en-IE" sz="2000" dirty="0"/>
-              <a:t>Azure Services: </a:t>
+              <a:rPr lang="en-IE" sz="2000" b="1" u="sng" dirty="0">
+                <a:latin typeface="Oswald" panose="00000500000000000000" pitchFamily="2" charset="0"/>
+              </a:rPr>
+              <a:t>Azure</a:t>
             </a:r>
             <a:r>
-              <a:rPr lang="en-GB" sz="2000" dirty="0"/>
-              <a:t>Translation and text analytics with </a:t>
-            </a:r>
-            <a:r>
-              <a:rPr lang="en-IE" sz="2000" dirty="0"/>
-              <a:t>Scalable, secure web hosting</a:t>
+              <a:rPr lang="en-IE" sz="2000" dirty="0">
+                <a:latin typeface="Oswald" panose="00000500000000000000" pitchFamily="2" charset="0"/>
+              </a:rPr>
+              <a:t>: APIs + Web hosting</a:t>
             </a:r>
           </a:p>
           <a:p>
-            <a:pPr marL="457200" lvl="0" indent="-355600" algn="l" rtl="0">
+            <a:pPr marL="457200" lvl="0" indent="-355600" rtl="0">
+              <a:lnSpc>
+                <a:spcPct val="150000"/>
+              </a:lnSpc>
               <a:spcBef>
                 <a:spcPts val="0"/>
               </a:spcBef>
@@ -7889,14 +8128,26 @@
               <a:buChar char="●"/>
             </a:pPr>
             <a:r>
-              <a:rPr lang="en-IE" sz="2000" dirty="0"/>
-              <a:t>AI &amp; ML: </a:t>
+              <a:rPr lang="en-IE" sz="2000" b="1" u="sng" dirty="0">
+                <a:latin typeface="Oswald" panose="00000500000000000000" pitchFamily="2" charset="0"/>
+              </a:rPr>
+              <a:t>AI &amp; ML</a:t>
             </a:r>
             <a:r>
-              <a:rPr lang="en-GB" sz="2000" dirty="0"/>
-              <a:t>Sentence Transformer models and cosine similarity</a:t>
+              <a:rPr lang="en-IE" sz="2000" dirty="0">
+                <a:latin typeface="Oswald" panose="00000500000000000000" pitchFamily="2" charset="0"/>
+              </a:rPr>
+              <a:t>: </a:t>
             </a:r>
-            <a:endParaRPr lang="en-IE" sz="2000" dirty="0"/>
+            <a:r>
+              <a:rPr lang="en-GB" sz="2000" dirty="0">
+                <a:latin typeface="Oswald" panose="00000500000000000000" pitchFamily="2" charset="0"/>
+              </a:rPr>
+              <a:t>Sentence Transformer model and cosine similarity</a:t>
+            </a:r>
+            <a:endParaRPr lang="en-IE" sz="2000" dirty="0">
+              <a:latin typeface="Oswald" panose="00000500000000000000" pitchFamily="2" charset="0"/>
+            </a:endParaRPr>
           </a:p>
         </p:txBody>
       </p:sp>
@@ -8023,8 +8274,8 @@
               <a:buNone/>
             </a:pPr>
             <a:r>
-              <a:rPr lang="en-GB" dirty="0"/>
-              <a:t>Status of Implementation</a:t>
+              <a:rPr lang="en-IE" dirty="0"/>
+              <a:t>My progress</a:t>
             </a:r>
             <a:endParaRPr dirty="0"/>
           </a:p>
@@ -8071,8 +8322,8 @@
         </p:nvSpPr>
         <p:spPr>
           <a:xfrm>
-            <a:off x="482339" y="1664676"/>
-            <a:ext cx="8072844" cy="2377544"/>
+            <a:off x="417025" y="1776686"/>
+            <a:ext cx="8072844" cy="1938962"/>
           </a:xfrm>
           <a:prstGeom prst="rect">
             <a:avLst/>
@@ -8104,7 +8355,7 @@
                 <a:cs typeface="Oswald"/>
                 <a:sym typeface="Oswald"/>
               </a:rPr>
-              <a:t>Dialog Flows: Conversation paths for scenarios are almost complete and integrated.</a:t>
+              <a:t>Basic Structure of Scenarios</a:t>
             </a:r>
           </a:p>
           <a:p>
@@ -8128,7 +8379,7 @@
                 <a:cs typeface="Oswald"/>
                 <a:sym typeface="Oswald"/>
               </a:rPr>
-              <a:t>Translation: Successfully integrated with Azure Translator for language conversion.</a:t>
+              <a:t>Translation and Analytics APIs </a:t>
             </a:r>
           </a:p>
           <a:p>
@@ -8152,7 +8403,7 @@
                 <a:cs typeface="Oswald"/>
                 <a:sym typeface="Oswald"/>
               </a:rPr>
-              <a:t>Feedback: AI-driven evaluation using machine learning models is operational.</a:t>
+              <a:t>Feedback</a:t>
             </a:r>
           </a:p>
           <a:p>
@@ -8176,35 +8427,41 @@
                 <a:cs typeface="Oswald"/>
                 <a:sym typeface="Oswald"/>
               </a:rPr>
-              <a:t>User State Management: Tracks language, proficiency, and scores effectively.</a:t>
-            </a:r>
-          </a:p>
-          <a:p>
-            <a:pPr marL="342900" lvl="0" rtl="0">
-              <a:lnSpc>
-                <a:spcPct val="150000"/>
-              </a:lnSpc>
-              <a:spcBef>
-                <a:spcPts val="0"/>
-              </a:spcBef>
-              <a:spcAft>
-                <a:spcPts val="0"/>
-              </a:spcAft>
-              <a:buFont typeface="Arial" panose="020B0604020202020204" pitchFamily="34" charset="0"/>
-              <a:buChar char="•"/>
-            </a:pPr>
-            <a:r>
-              <a:rPr lang="en-GB" sz="1900" dirty="0">
-                <a:latin typeface="Oswald"/>
-                <a:ea typeface="Oswald"/>
-                <a:cs typeface="Oswald"/>
-                <a:sym typeface="Oswald"/>
-              </a:rPr>
-              <a:t>Deployment: Web hosting via aiohttp is in progress.</a:t>
+              <a:t>Deployment</a:t>
             </a:r>
           </a:p>
         </p:txBody>
       </p:sp>
+      <p:pic>
+        <p:nvPicPr>
+          <p:cNvPr id="3" name="Picture 2" descr="A blue and orange logo&#10;&#10;AI-generated content may be incorrect.">
+            <a:extLst>
+              <a:ext uri="{FF2B5EF4-FFF2-40B4-BE49-F238E27FC236}">
+                <a16:creationId xmlns:a16="http://schemas.microsoft.com/office/drawing/2014/main" id="{F181AF55-D54C-D494-CCCF-D8408B137EC1}"/>
+              </a:ext>
+            </a:extLst>
+          </p:cNvPr>
+          <p:cNvPicPr>
+            <a:picLocks noChangeAspect="1"/>
+          </p:cNvPicPr>
+          <p:nvPr/>
+        </p:nvPicPr>
+        <p:blipFill>
+          <a:blip r:embed="rId3"/>
+          <a:stretch>
+            <a:fillRect/>
+          </a:stretch>
+        </p:blipFill>
+        <p:spPr>
+          <a:xfrm>
+            <a:off x="5347607" y="1240971"/>
+            <a:ext cx="2661557" cy="2661557"/>
+          </a:xfrm>
+          <a:prstGeom prst="rect">
+            <a:avLst/>
+          </a:prstGeom>
+        </p:spPr>
+      </p:pic>
     </p:spTree>
   </p:cSld>
   <p:clrMapOvr>
@@ -8252,8 +8509,8 @@
         </p:blipFill>
         <p:spPr>
           <a:xfrm>
-            <a:off x="1375575" y="949746"/>
-            <a:ext cx="7315200" cy="3244007"/>
+            <a:off x="0" y="-1"/>
+            <a:ext cx="9132101" cy="5143501"/>
           </a:xfrm>
           <a:prstGeom prst="rect">
             <a:avLst/>
@@ -8306,68 +8563,8 @@
         </p:blipFill>
         <p:spPr>
           <a:xfrm>
-            <a:off x="615797" y="158128"/>
-            <a:ext cx="3474941" cy="1985352"/>
-          </a:xfrm>
-          <a:prstGeom prst="rect">
-            <a:avLst/>
-          </a:prstGeom>
-        </p:spPr>
-      </p:pic>
-      <p:pic>
-        <p:nvPicPr>
-          <p:cNvPr id="14" name="Picture 13">
-            <a:extLst>
-              <a:ext uri="{FF2B5EF4-FFF2-40B4-BE49-F238E27FC236}">
-                <a16:creationId xmlns:a16="http://schemas.microsoft.com/office/drawing/2014/main" id="{C7992E59-C5DB-402F-8C00-04B7C7F8D081}"/>
-              </a:ext>
-            </a:extLst>
-          </p:cNvPr>
-          <p:cNvPicPr>
-            <a:picLocks noChangeAspect="1"/>
-          </p:cNvPicPr>
-          <p:nvPr/>
-        </p:nvPicPr>
-        <p:blipFill>
-          <a:blip r:embed="rId3"/>
-          <a:stretch>
-            <a:fillRect/>
-          </a:stretch>
-        </p:blipFill>
-        <p:spPr>
-          <a:xfrm>
-            <a:off x="615796" y="3000020"/>
-            <a:ext cx="3474941" cy="1985352"/>
-          </a:xfrm>
-          <a:prstGeom prst="rect">
-            <a:avLst/>
-          </a:prstGeom>
-        </p:spPr>
-      </p:pic>
-      <p:pic>
-        <p:nvPicPr>
-          <p:cNvPr id="16" name="Picture 15">
-            <a:extLst>
-              <a:ext uri="{FF2B5EF4-FFF2-40B4-BE49-F238E27FC236}">
-                <a16:creationId xmlns:a16="http://schemas.microsoft.com/office/drawing/2014/main" id="{45305ABE-EA21-FE22-B79F-B1E7D213FB4C}"/>
-              </a:ext>
-            </a:extLst>
-          </p:cNvPr>
-          <p:cNvPicPr>
-            <a:picLocks noChangeAspect="1"/>
-          </p:cNvPicPr>
-          <p:nvPr/>
-        </p:nvPicPr>
-        <p:blipFill>
-          <a:blip r:embed="rId4"/>
-          <a:stretch>
-            <a:fillRect/>
-          </a:stretch>
-        </p:blipFill>
-        <p:spPr>
-          <a:xfrm>
-            <a:off x="5053262" y="1579074"/>
-            <a:ext cx="3474941" cy="1985352"/>
+            <a:off x="0" y="0"/>
+            <a:ext cx="9143999" cy="5143500"/>
           </a:xfrm>
           <a:prstGeom prst="rect">
             <a:avLst/>
@@ -8392,7 +8589,133 @@
   <p:cSld>
     <p:spTree>
       <p:nvGrpSpPr>
-        <p:cNvPr id="1" name="Shape 149"/>
+        <p:cNvPr id="1" name=""/>
+        <p:cNvGrpSpPr/>
+        <p:nvPr/>
+      </p:nvGrpSpPr>
+      <p:grpSpPr>
+        <a:xfrm>
+          <a:off x="0" y="0"/>
+          <a:ext cx="0" cy="0"/>
+          <a:chOff x="0" y="0"/>
+          <a:chExt cx="0" cy="0"/>
+        </a:xfrm>
+      </p:grpSpPr>
+      <p:pic>
+        <p:nvPicPr>
+          <p:cNvPr id="2" name="Picture 1">
+            <a:extLst>
+              <a:ext uri="{FF2B5EF4-FFF2-40B4-BE49-F238E27FC236}">
+                <a16:creationId xmlns:a16="http://schemas.microsoft.com/office/drawing/2014/main" id="{615F1B8C-D3A9-EE2F-1E96-B935861B6865}"/>
+              </a:ext>
+            </a:extLst>
+          </p:cNvPr>
+          <p:cNvPicPr>
+            <a:picLocks noChangeAspect="1"/>
+          </p:cNvPicPr>
+          <p:nvPr/>
+        </p:nvPicPr>
+        <p:blipFill>
+          <a:blip r:embed="rId2"/>
+          <a:stretch>
+            <a:fillRect/>
+          </a:stretch>
+        </p:blipFill>
+        <p:spPr>
+          <a:xfrm>
+            <a:off x="0" y="0"/>
+            <a:ext cx="9144000" cy="5143500"/>
+          </a:xfrm>
+          <a:prstGeom prst="rect">
+            <a:avLst/>
+          </a:prstGeom>
+        </p:spPr>
+      </p:pic>
+    </p:spTree>
+    <p:extLst>
+      <p:ext uri="{BB962C8B-B14F-4D97-AF65-F5344CB8AC3E}">
+        <p14:creationId xmlns:p14="http://schemas.microsoft.com/office/powerpoint/2010/main" val="3397572187"/>
+      </p:ext>
+    </p:extLst>
+  </p:cSld>
+  <p:clrMapOvr>
+    <a:masterClrMapping/>
+  </p:clrMapOvr>
+</p:sld>
+</file>
+
+<file path=ppt/slides/slide8.xml><?xml version="1.0" encoding="utf-8"?>
+<p:sld xmlns:a="http://schemas.openxmlformats.org/drawingml/2006/main" xmlns:r="http://schemas.openxmlformats.org/officeDocument/2006/relationships" xmlns:p="http://schemas.openxmlformats.org/presentationml/2006/main">
+  <p:cSld>
+    <p:spTree>
+      <p:nvGrpSpPr>
+        <p:cNvPr id="1" name=""/>
+        <p:cNvGrpSpPr/>
+        <p:nvPr/>
+      </p:nvGrpSpPr>
+      <p:grpSpPr>
+        <a:xfrm>
+          <a:off x="0" y="0"/>
+          <a:ext cx="0" cy="0"/>
+          <a:chOff x="0" y="0"/>
+          <a:chExt cx="0" cy="0"/>
+        </a:xfrm>
+      </p:grpSpPr>
+      <p:pic>
+        <p:nvPicPr>
+          <p:cNvPr id="2" name="Picture 1">
+            <a:extLst>
+              <a:ext uri="{FF2B5EF4-FFF2-40B4-BE49-F238E27FC236}">
+                <a16:creationId xmlns:a16="http://schemas.microsoft.com/office/drawing/2014/main" id="{BC97D59B-04F8-BE1B-7F1F-BC822101AD26}"/>
+              </a:ext>
+            </a:extLst>
+          </p:cNvPr>
+          <p:cNvPicPr>
+            <a:picLocks noChangeAspect="1"/>
+          </p:cNvPicPr>
+          <p:nvPr/>
+        </p:nvPicPr>
+        <p:blipFill>
+          <a:blip r:embed="rId2"/>
+          <a:stretch>
+            <a:fillRect/>
+          </a:stretch>
+        </p:blipFill>
+        <p:spPr>
+          <a:xfrm>
+            <a:off x="0" y="0"/>
+            <a:ext cx="9144000" cy="5143500"/>
+          </a:xfrm>
+          <a:prstGeom prst="rect">
+            <a:avLst/>
+          </a:prstGeom>
+        </p:spPr>
+      </p:pic>
+    </p:spTree>
+    <p:extLst>
+      <p:ext uri="{BB962C8B-B14F-4D97-AF65-F5344CB8AC3E}">
+        <p14:creationId xmlns:p14="http://schemas.microsoft.com/office/powerpoint/2010/main" val="2900346570"/>
+      </p:ext>
+    </p:extLst>
+  </p:cSld>
+  <p:clrMapOvr>
+    <a:masterClrMapping/>
+  </p:clrMapOvr>
+</p:sld>
+</file>
+
+<file path=ppt/slides/slide9.xml><?xml version="1.0" encoding="utf-8"?>
+<p:sld xmlns:a="http://schemas.openxmlformats.org/drawingml/2006/main" xmlns:r="http://schemas.openxmlformats.org/officeDocument/2006/relationships" xmlns:p="http://schemas.openxmlformats.org/presentationml/2006/main">
+  <p:cSld>
+    <p:spTree>
+      <p:nvGrpSpPr>
+        <p:cNvPr id="1" name="Shape 112">
+          <a:extLst>
+            <a:ext uri="{FF2B5EF4-FFF2-40B4-BE49-F238E27FC236}">
+              <a16:creationId xmlns:a16="http://schemas.microsoft.com/office/drawing/2014/main" id="{9B421FD6-3A64-61B0-563B-3DC1AE69981E}"/>
+            </a:ext>
+          </a:extLst>
+        </p:cNvPr>
         <p:cNvGrpSpPr/>
         <p:nvPr/>
       </p:nvGrpSpPr>
@@ -8406,7 +8729,13 @@
       </p:grpSpPr>
       <p:sp>
         <p:nvSpPr>
-          <p:cNvPr id="150" name="Google Shape;150;p25"/>
+          <p:cNvPr id="113" name="Google Shape;113;p19">
+            <a:extLst>
+              <a:ext uri="{FF2B5EF4-FFF2-40B4-BE49-F238E27FC236}">
+                <a16:creationId xmlns:a16="http://schemas.microsoft.com/office/drawing/2014/main" id="{6EAF6F67-F418-537A-AEE1-9ADB170CEBC7}"/>
+              </a:ext>
+            </a:extLst>
+          </p:cNvPr>
           <p:cNvSpPr txBox="1">
             <a:spLocks noGrp="1"/>
           </p:cNvSpPr>
@@ -8416,8 +8745,8 @@
         </p:nvSpPr>
         <p:spPr>
           <a:xfrm>
-            <a:off x="2371725" y="630225"/>
-            <a:ext cx="6331500" cy="905400"/>
+            <a:off x="630382" y="630225"/>
+            <a:ext cx="8072843" cy="905400"/>
           </a:xfrm>
           <a:prstGeom prst="rect">
             <a:avLst/>
@@ -8444,10 +8773,10 @@
               <a:buNone/>
             </a:pPr>
             <a:r>
-              <a:rPr lang="en"/>
-              <a:t>Questions?</a:t>
+              <a:rPr lang="en-IE" dirty="0"/>
+              <a:t>Challenges Faced</a:t>
             </a:r>
-            <a:endParaRPr/>
+            <a:endParaRPr dirty="0"/>
           </a:p>
           <a:p>
             <a:pPr marL="0" lvl="0" indent="0" algn="l" rtl="0">
@@ -8464,7 +8793,7 @@
               <a:buFont typeface="Arial"/>
               <a:buNone/>
             </a:pPr>
-            <a:endParaRPr/>
+            <a:endParaRPr dirty="0"/>
           </a:p>
           <a:p>
             <a:pPr marL="0" lvl="0" indent="0" algn="l" rtl="0">
@@ -8474,30 +8803,170 @@
               <a:spcAft>
                 <a:spcPts val="0"/>
               </a:spcAft>
-              <a:buClr>
-                <a:schemeClr val="dk2"/>
-              </a:buClr>
-              <a:buSzPts val="990"/>
-              <a:buFont typeface="Arial"/>
               <a:buNone/>
             </a:pPr>
-            <a:endParaRPr/>
+            <a:endParaRPr dirty="0"/>
+          </a:p>
+        </p:txBody>
+      </p:sp>
+      <p:sp>
+        <p:nvSpPr>
+          <p:cNvPr id="114" name="Google Shape;114;p19">
+            <a:extLst>
+              <a:ext uri="{FF2B5EF4-FFF2-40B4-BE49-F238E27FC236}">
+                <a16:creationId xmlns:a16="http://schemas.microsoft.com/office/drawing/2014/main" id="{381EA57B-DB3E-A204-CAE6-0BBD65EEC5C0}"/>
+              </a:ext>
+            </a:extLst>
+          </p:cNvPr>
+          <p:cNvSpPr txBox="1">
+            <a:spLocks noGrp="1"/>
+          </p:cNvSpPr>
+          <p:nvPr>
+            <p:ph type="subTitle" idx="1"/>
+          </p:nvPr>
+        </p:nvSpPr>
+        <p:spPr>
+          <a:xfrm>
+            <a:off x="482339" y="1664676"/>
+            <a:ext cx="8072844" cy="2377544"/>
+          </a:xfrm>
+          <a:prstGeom prst="rect">
+            <a:avLst/>
+          </a:prstGeom>
+        </p:spPr>
+        <p:txBody>
+          <a:bodyPr spcFirstLastPara="1" wrap="square" lIns="91425" tIns="91425" rIns="91425" bIns="91425" anchor="b" anchorCtr="0">
+            <a:spAutoFit/>
+          </a:bodyPr>
+          <a:lstStyle/>
+          <a:p>
+            <a:pPr marL="342900" lvl="0" rtl="0">
+              <a:lnSpc>
+                <a:spcPct val="150000"/>
+              </a:lnSpc>
+              <a:spcBef>
+                <a:spcPts val="0"/>
+              </a:spcBef>
+              <a:spcAft>
+                <a:spcPts val="0"/>
+              </a:spcAft>
+              <a:buFont typeface="Arial" panose="020B0604020202020204" pitchFamily="34" charset="0"/>
+              <a:buChar char="•"/>
+            </a:pPr>
+            <a:r>
+              <a:rPr lang="en-GB" sz="1900" dirty="0">
+                <a:latin typeface="Oswald"/>
+                <a:ea typeface="Oswald"/>
+                <a:cs typeface="Oswald"/>
+                <a:sym typeface="Oswald"/>
+              </a:rPr>
+              <a:t>Rasa to Microsoft</a:t>
+            </a:r>
           </a:p>
           <a:p>
-            <a:pPr marL="0" lvl="0" indent="0" algn="l" rtl="0">
-              <a:spcBef>
-                <a:spcPts val="0"/>
-              </a:spcBef>
-              <a:spcAft>
-                <a:spcPts val="0"/>
-              </a:spcAft>
-              <a:buNone/>
+            <a:pPr marL="342900" lvl="0" rtl="0">
+              <a:lnSpc>
+                <a:spcPct val="150000"/>
+              </a:lnSpc>
+              <a:spcBef>
+                <a:spcPts val="0"/>
+              </a:spcBef>
+              <a:spcAft>
+                <a:spcPts val="0"/>
+              </a:spcAft>
+              <a:buFont typeface="Arial" panose="020B0604020202020204" pitchFamily="34" charset="0"/>
+              <a:buChar char="•"/>
             </a:pPr>
-            <a:endParaRPr/>
+            <a:r>
+              <a:rPr lang="en-GB" sz="1900" dirty="0">
+                <a:latin typeface="Oswald"/>
+                <a:ea typeface="Oswald"/>
+                <a:cs typeface="Oswald"/>
+                <a:sym typeface="Oswald"/>
+              </a:rPr>
+              <a:t>Learning Azure</a:t>
+            </a:r>
+          </a:p>
+          <a:p>
+            <a:pPr marL="342900" lvl="0" rtl="0">
+              <a:lnSpc>
+                <a:spcPct val="150000"/>
+              </a:lnSpc>
+              <a:spcBef>
+                <a:spcPts val="0"/>
+              </a:spcBef>
+              <a:spcAft>
+                <a:spcPts val="0"/>
+              </a:spcAft>
+              <a:buFont typeface="Arial" panose="020B0604020202020204" pitchFamily="34" charset="0"/>
+              <a:buChar char="•"/>
+            </a:pPr>
+            <a:r>
+              <a:rPr lang="en-GB" sz="1900" dirty="0">
+                <a:latin typeface="Oswald"/>
+                <a:ea typeface="Oswald"/>
+                <a:cs typeface="Oswald"/>
+                <a:sym typeface="Oswald"/>
+              </a:rPr>
+              <a:t>Continuous Integration</a:t>
+            </a:r>
+          </a:p>
+          <a:p>
+            <a:pPr marL="342900" lvl="0" rtl="0">
+              <a:lnSpc>
+                <a:spcPct val="150000"/>
+              </a:lnSpc>
+              <a:spcBef>
+                <a:spcPts val="0"/>
+              </a:spcBef>
+              <a:spcAft>
+                <a:spcPts val="0"/>
+              </a:spcAft>
+              <a:buFont typeface="Arial" panose="020B0604020202020204" pitchFamily="34" charset="0"/>
+              <a:buChar char="•"/>
+            </a:pPr>
+            <a:r>
+              <a:rPr lang="en-GB" sz="1900" dirty="0">
+                <a:latin typeface="Oswald"/>
+                <a:ea typeface="Oswald"/>
+                <a:cs typeface="Oswald"/>
+                <a:sym typeface="Oswald"/>
+              </a:rPr>
+              <a:t>How to make feedback</a:t>
+            </a:r>
+          </a:p>
+          <a:p>
+            <a:pPr marL="342900" lvl="0" rtl="0">
+              <a:lnSpc>
+                <a:spcPct val="150000"/>
+              </a:lnSpc>
+              <a:spcBef>
+                <a:spcPts val="0"/>
+              </a:spcBef>
+              <a:spcAft>
+                <a:spcPts val="0"/>
+              </a:spcAft>
+              <a:buFont typeface="Arial" panose="020B0604020202020204" pitchFamily="34" charset="0"/>
+              <a:buChar char="•"/>
+            </a:pPr>
+            <a:r>
+              <a:rPr lang="en-GB" sz="1900" dirty="0">
+                <a:latin typeface="Oswald"/>
+                <a:ea typeface="Oswald"/>
+                <a:cs typeface="Oswald"/>
+                <a:sym typeface="Oswald"/>
+              </a:rPr>
+              <a:t>Handling Different Proficiency Levels</a:t>
+            </a:r>
           </a:p>
         </p:txBody>
       </p:sp>
     </p:spTree>
+    <p:extLst>
+      <p:ext uri="{BB962C8B-B14F-4D97-AF65-F5344CB8AC3E}">
+        <p14:creationId xmlns:p14="http://schemas.microsoft.com/office/powerpoint/2010/main" val="461326365"/>
+      </p:ext>
+    </p:extLst>
   </p:cSld>
   <p:clrMapOvr>
     <a:masterClrMapping/>
